--- a/Spring framework/Spring IoC.pptx
+++ b/Spring framework/Spring IoC.pptx
@@ -5,69 +5,67 @@
     <p:sldMasterId id="2147483648" r:id="rId1"/>
   </p:sldMasterIdLst>
   <p:notesMasterIdLst>
-    <p:notesMasterId r:id="rId62"/>
+    <p:notesMasterId r:id="rId60"/>
   </p:notesMasterIdLst>
   <p:sldIdLst>
     <p:sldId id="256" r:id="rId2"/>
-    <p:sldId id="261" r:id="rId3"/>
-    <p:sldId id="319" r:id="rId4"/>
-    <p:sldId id="260" r:id="rId5"/>
-    <p:sldId id="262" r:id="rId6"/>
-    <p:sldId id="258" r:id="rId7"/>
-    <p:sldId id="264" r:id="rId8"/>
-    <p:sldId id="265" r:id="rId9"/>
-    <p:sldId id="274" r:id="rId10"/>
-    <p:sldId id="263" r:id="rId11"/>
-    <p:sldId id="292" r:id="rId12"/>
-    <p:sldId id="266" r:id="rId13"/>
-    <p:sldId id="267" r:id="rId14"/>
-    <p:sldId id="268" r:id="rId15"/>
-    <p:sldId id="269" r:id="rId16"/>
-    <p:sldId id="271" r:id="rId17"/>
-    <p:sldId id="272" r:id="rId18"/>
-    <p:sldId id="293" r:id="rId19"/>
-    <p:sldId id="276" r:id="rId20"/>
-    <p:sldId id="277" r:id="rId21"/>
-    <p:sldId id="273" r:id="rId22"/>
-    <p:sldId id="275" r:id="rId23"/>
-    <p:sldId id="278" r:id="rId24"/>
-    <p:sldId id="279" r:id="rId25"/>
-    <p:sldId id="280" r:id="rId26"/>
-    <p:sldId id="281" r:id="rId27"/>
-    <p:sldId id="282" r:id="rId28"/>
-    <p:sldId id="285" r:id="rId29"/>
-    <p:sldId id="286" r:id="rId30"/>
-    <p:sldId id="287" r:id="rId31"/>
-    <p:sldId id="294" r:id="rId32"/>
-    <p:sldId id="288" r:id="rId33"/>
-    <p:sldId id="283" r:id="rId34"/>
-    <p:sldId id="284" r:id="rId35"/>
-    <p:sldId id="289" r:id="rId36"/>
-    <p:sldId id="290" r:id="rId37"/>
-    <p:sldId id="295" r:id="rId38"/>
-    <p:sldId id="296" r:id="rId39"/>
-    <p:sldId id="297" r:id="rId40"/>
-    <p:sldId id="298" r:id="rId41"/>
-    <p:sldId id="299" r:id="rId42"/>
-    <p:sldId id="301" r:id="rId43"/>
-    <p:sldId id="300" r:id="rId44"/>
-    <p:sldId id="302" r:id="rId45"/>
-    <p:sldId id="303" r:id="rId46"/>
-    <p:sldId id="304" r:id="rId47"/>
-    <p:sldId id="305" r:id="rId48"/>
-    <p:sldId id="306" r:id="rId49"/>
-    <p:sldId id="307" r:id="rId50"/>
-    <p:sldId id="308" r:id="rId51"/>
-    <p:sldId id="309" r:id="rId52"/>
-    <p:sldId id="311" r:id="rId53"/>
-    <p:sldId id="312" r:id="rId54"/>
-    <p:sldId id="313" r:id="rId55"/>
-    <p:sldId id="314" r:id="rId56"/>
-    <p:sldId id="315" r:id="rId57"/>
-    <p:sldId id="316" r:id="rId58"/>
-    <p:sldId id="270" r:id="rId59"/>
-    <p:sldId id="317" r:id="rId60"/>
-    <p:sldId id="318" r:id="rId61"/>
+    <p:sldId id="260" r:id="rId3"/>
+    <p:sldId id="262" r:id="rId4"/>
+    <p:sldId id="258" r:id="rId5"/>
+    <p:sldId id="264" r:id="rId6"/>
+    <p:sldId id="265" r:id="rId7"/>
+    <p:sldId id="274" r:id="rId8"/>
+    <p:sldId id="263" r:id="rId9"/>
+    <p:sldId id="292" r:id="rId10"/>
+    <p:sldId id="266" r:id="rId11"/>
+    <p:sldId id="267" r:id="rId12"/>
+    <p:sldId id="268" r:id="rId13"/>
+    <p:sldId id="269" r:id="rId14"/>
+    <p:sldId id="271" r:id="rId15"/>
+    <p:sldId id="272" r:id="rId16"/>
+    <p:sldId id="293" r:id="rId17"/>
+    <p:sldId id="276" r:id="rId18"/>
+    <p:sldId id="277" r:id="rId19"/>
+    <p:sldId id="273" r:id="rId20"/>
+    <p:sldId id="275" r:id="rId21"/>
+    <p:sldId id="278" r:id="rId22"/>
+    <p:sldId id="279" r:id="rId23"/>
+    <p:sldId id="280" r:id="rId24"/>
+    <p:sldId id="281" r:id="rId25"/>
+    <p:sldId id="282" r:id="rId26"/>
+    <p:sldId id="285" r:id="rId27"/>
+    <p:sldId id="286" r:id="rId28"/>
+    <p:sldId id="287" r:id="rId29"/>
+    <p:sldId id="294" r:id="rId30"/>
+    <p:sldId id="288" r:id="rId31"/>
+    <p:sldId id="283" r:id="rId32"/>
+    <p:sldId id="284" r:id="rId33"/>
+    <p:sldId id="289" r:id="rId34"/>
+    <p:sldId id="290" r:id="rId35"/>
+    <p:sldId id="295" r:id="rId36"/>
+    <p:sldId id="296" r:id="rId37"/>
+    <p:sldId id="297" r:id="rId38"/>
+    <p:sldId id="298" r:id="rId39"/>
+    <p:sldId id="299" r:id="rId40"/>
+    <p:sldId id="301" r:id="rId41"/>
+    <p:sldId id="300" r:id="rId42"/>
+    <p:sldId id="302" r:id="rId43"/>
+    <p:sldId id="303" r:id="rId44"/>
+    <p:sldId id="304" r:id="rId45"/>
+    <p:sldId id="305" r:id="rId46"/>
+    <p:sldId id="306" r:id="rId47"/>
+    <p:sldId id="307" r:id="rId48"/>
+    <p:sldId id="308" r:id="rId49"/>
+    <p:sldId id="309" r:id="rId50"/>
+    <p:sldId id="311" r:id="rId51"/>
+    <p:sldId id="312" r:id="rId52"/>
+    <p:sldId id="313" r:id="rId53"/>
+    <p:sldId id="314" r:id="rId54"/>
+    <p:sldId id="315" r:id="rId55"/>
+    <p:sldId id="316" r:id="rId56"/>
+    <p:sldId id="270" r:id="rId57"/>
+    <p:sldId id="317" r:id="rId58"/>
+    <p:sldId id="318" r:id="rId59"/>
   </p:sldIdLst>
   <p:sldSz cx="9144000" cy="6858000" type="screen4x3"/>
   <p:notesSz cx="6858000" cy="9144000"/>
@@ -166,6 +164,22 @@
       </a:defRPr>
     </a:lvl9pPr>
   </p:defaultTextStyle>
+  <p:extLst>
+    <p:ext uri="{EFAFB233-063F-42B5-8137-9DF3F51BA10A}">
+      <p15:sldGuideLst xmlns:p15="http://schemas.microsoft.com/office/powerpoint/2012/main">
+        <p15:guide id="1" orient="horz" pos="2160">
+          <p15:clr>
+            <a:srgbClr val="A4A3A4"/>
+          </p15:clr>
+        </p15:guide>
+        <p15:guide id="2" pos="2880">
+          <p15:clr>
+            <a:srgbClr val="A4A3A4"/>
+          </p15:clr>
+        </p15:guide>
+      </p15:sldGuideLst>
+    </p:ext>
+  </p:extLst>
 </p:presentation>
 </file>
 
@@ -251,7 +265,7 @@
           <a:p>
             <a:fld id="{E32B4885-140C-724A-BF63-893E924AC95B}" type="datetimeFigureOut">
               <a:rPr lang="en-US" smtClean="0"/>
-              <a:t>4/20/12</a:t>
+              <a:t>4/3/16</a:t>
             </a:fld>
             <a:endParaRPr lang="en-US"/>
           </a:p>
@@ -704,12 +718,36 @@
           <a:lstStyle/>
           <a:p>
             <a:r>
-              <a:rPr lang="en-US" dirty="0" smtClean="0"/>
-              <a:t>If the Reporter application wants</a:t>
-            </a:r>
-            <a:r>
-              <a:rPr lang="en-US" baseline="0" dirty="0" smtClean="0"/>
-              <a:t> to output the report in HTML format, we need to change the code and recompile.</a:t>
+              <a:rPr lang="en-US" dirty="0" err="1" smtClean="0"/>
+              <a:t>ReporterApp</a:t>
+            </a:r>
+            <a:r>
+              <a:rPr lang="en-US" dirty="0" smtClean="0"/>
+              <a:t> class is also tight integrated with the </a:t>
+            </a:r>
+            <a:r>
+              <a:rPr lang="en-US" dirty="0" err="1" smtClean="0"/>
+              <a:t>CSVReporter</a:t>
+            </a:r>
+            <a:r>
+              <a:rPr lang="en-US" dirty="0" smtClean="0"/>
+              <a:t>, </a:t>
+            </a:r>
+            <a:r>
+              <a:rPr lang="en-US" dirty="0" err="1" smtClean="0"/>
+              <a:t>HTMLReporter</a:t>
+            </a:r>
+            <a:r>
+              <a:rPr lang="en-US" dirty="0" smtClean="0"/>
+              <a:t>, and </a:t>
+            </a:r>
+            <a:r>
+              <a:rPr lang="en-US" dirty="0" err="1" smtClean="0"/>
+              <a:t>PDFReporter</a:t>
+            </a:r>
+            <a:r>
+              <a:rPr lang="en-US" dirty="0" smtClean="0"/>
+              <a:t> classes.</a:t>
             </a:r>
             <a:endParaRPr lang="en-US" dirty="0"/>
           </a:p>
@@ -732,7 +770,7 @@
           <a:p>
             <a:fld id="{E3ED7436-F003-CB49-9906-98F64AD2AC91}" type="slidenum">
               <a:rPr lang="en-US" smtClean="0"/>
-              <a:t>14</a:t>
+              <a:t>13</a:t>
             </a:fld>
             <a:endParaRPr lang="en-US"/>
           </a:p>
@@ -796,36 +834,28 @@
           <a:lstStyle/>
           <a:p>
             <a:r>
+              <a:rPr lang="en-US" dirty="0" smtClean="0"/>
+              <a:t>How about change to something like this?  So we can passing in the type of Reporter?</a:t>
+            </a:r>
+          </a:p>
+          <a:p>
+            <a:r>
               <a:rPr lang="en-US" dirty="0" err="1" smtClean="0"/>
               <a:t>ReporterApp</a:t>
             </a:r>
             <a:r>
               <a:rPr lang="en-US" dirty="0" smtClean="0"/>
-              <a:t> class is also tight integrated with the </a:t>
-            </a:r>
-            <a:r>
-              <a:rPr lang="en-US" dirty="0" err="1" smtClean="0"/>
-              <a:t>CSVReporter</a:t>
-            </a:r>
-            <a:r>
-              <a:rPr lang="en-US" dirty="0" smtClean="0"/>
-              <a:t>, </a:t>
-            </a:r>
-            <a:r>
-              <a:rPr lang="en-US" dirty="0" err="1" smtClean="0"/>
-              <a:t>HTMLReporter</a:t>
-            </a:r>
-            <a:r>
-              <a:rPr lang="en-US" dirty="0" smtClean="0"/>
-              <a:t>, and </a:t>
-            </a:r>
-            <a:r>
-              <a:rPr lang="en-US" dirty="0" err="1" smtClean="0"/>
-              <a:t>PDFReporter</a:t>
-            </a:r>
-            <a:r>
-              <a:rPr lang="en-US" dirty="0" smtClean="0"/>
-              <a:t> classes.</a:t>
+              <a:t> can dynamically using different of implementation?</a:t>
+            </a:r>
+          </a:p>
+          <a:p>
+            <a:r>
+              <a:rPr lang="en-US" dirty="0" smtClean="0"/>
+              <a:t>The concreted</a:t>
+            </a:r>
+            <a:r>
+              <a:rPr lang="en-US" baseline="0" dirty="0" smtClean="0"/>
+              <a:t> implementations are totally decoupled from the Application.  The Application just know about the Interface contract.</a:t>
             </a:r>
             <a:endParaRPr lang="en-US" dirty="0"/>
           </a:p>
@@ -848,7 +878,7 @@
           <a:p>
             <a:fld id="{E3ED7436-F003-CB49-9906-98F64AD2AC91}" type="slidenum">
               <a:rPr lang="en-US" smtClean="0"/>
-              <a:t>15</a:t>
+              <a:t>14</a:t>
             </a:fld>
             <a:endParaRPr lang="en-US"/>
           </a:p>
@@ -857,7 +887,7 @@
     </p:spTree>
     <p:extLst>
       <p:ext uri="{BB962C8B-B14F-4D97-AF65-F5344CB8AC3E}">
-        <p14:creationId xmlns:p14="http://schemas.microsoft.com/office/powerpoint/2010/main" val="1918229633"/>
+        <p14:creationId xmlns:p14="http://schemas.microsoft.com/office/powerpoint/2010/main" val="4228102191"/>
       </p:ext>
     </p:extLst>
   </p:cSld>
@@ -913,28 +943,16 @@
           <a:p>
             <a:r>
               <a:rPr lang="en-US" dirty="0" smtClean="0"/>
-              <a:t>How about change to something like this?  So we can passing in the type of Reporter?</a:t>
-            </a:r>
-          </a:p>
-          <a:p>
-            <a:r>
-              <a:rPr lang="en-US" dirty="0" err="1" smtClean="0"/>
-              <a:t>ReporterApp</a:t>
-            </a:r>
-            <a:r>
-              <a:rPr lang="en-US" dirty="0" smtClean="0"/>
-              <a:t> can dynamically using different of implementation?</a:t>
-            </a:r>
-          </a:p>
-          <a:p>
-            <a:r>
-              <a:rPr lang="en-US" dirty="0" smtClean="0"/>
-              <a:t>The concreted</a:t>
-            </a:r>
-            <a:r>
-              <a:rPr lang="en-US" baseline="0" dirty="0" smtClean="0"/>
-              <a:t> implementations are totally decoupled from the Application.  The Application just know about the Interface contract.</a:t>
-            </a:r>
+              <a:t>Container contains the name of the component and the reference of the instance.</a:t>
+            </a:r>
+          </a:p>
+          <a:p>
+            <a:r>
+              <a:rPr lang="en-US" dirty="0" smtClean="0"/>
+              <a:t>Singleton</a:t>
+            </a:r>
+          </a:p>
+          <a:p>
             <a:endParaRPr lang="en-US" dirty="0"/>
           </a:p>
         </p:txBody>
@@ -956,7 +974,7 @@
           <a:p>
             <a:fld id="{E3ED7436-F003-CB49-9906-98F64AD2AC91}" type="slidenum">
               <a:rPr lang="en-US" smtClean="0"/>
-              <a:t>16</a:t>
+              <a:t>15</a:t>
             </a:fld>
             <a:endParaRPr lang="en-US"/>
           </a:p>
@@ -965,7 +983,7 @@
     </p:spTree>
     <p:extLst>
       <p:ext uri="{BB962C8B-B14F-4D97-AF65-F5344CB8AC3E}">
-        <p14:creationId xmlns:p14="http://schemas.microsoft.com/office/powerpoint/2010/main" val="4228102191"/>
+        <p14:creationId xmlns:p14="http://schemas.microsoft.com/office/powerpoint/2010/main" val="3491280605"/>
       </p:ext>
     </p:extLst>
   </p:cSld>
@@ -1021,13 +1039,11 @@
           <a:p>
             <a:r>
               <a:rPr lang="en-US" dirty="0" smtClean="0"/>
-              <a:t>Container contains the name of the component and the reference of the instance.</a:t>
-            </a:r>
-          </a:p>
-          <a:p>
-            <a:r>
-              <a:rPr lang="en-US" dirty="0" smtClean="0"/>
-              <a:t>Singleton</a:t>
+              <a:t>Prior</a:t>
+            </a:r>
+            <a:r>
+              <a:rPr lang="en-US" baseline="0" dirty="0" smtClean="0"/>
+              <a:t> to Spring 3.0, “1 size fits all”.</a:t>
             </a:r>
           </a:p>
           <a:p>
@@ -1061,7 +1077,7 @@
     </p:spTree>
     <p:extLst>
       <p:ext uri="{BB962C8B-B14F-4D97-AF65-F5344CB8AC3E}">
-        <p14:creationId xmlns:p14="http://schemas.microsoft.com/office/powerpoint/2010/main" val="3491280605"/>
+        <p14:creationId xmlns:p14="http://schemas.microsoft.com/office/powerpoint/2010/main" val="888663319"/>
       </p:ext>
     </p:extLst>
   </p:cSld>
@@ -1115,14 +1131,32 @@
           <a:bodyPr/>
           <a:lstStyle/>
           <a:p>
-            <a:r>
-              <a:rPr lang="en-US" dirty="0" smtClean="0"/>
-              <a:t>Prior</a:t>
+            <a:pPr marL="0" marR="0" indent="0" algn="l" defTabSz="457200" rtl="0" eaLnBrk="1" fontAlgn="auto" latinLnBrk="0" hangingPunct="1">
+              <a:lnSpc>
+                <a:spcPct val="100000"/>
+              </a:lnSpc>
+              <a:spcBef>
+                <a:spcPts val="0"/>
+              </a:spcBef>
+              <a:spcAft>
+                <a:spcPts val="0"/>
+              </a:spcAft>
+              <a:buClrTx/>
+              <a:buSzTx/>
+              <a:buFontTx/>
+              <a:buNone/>
+              <a:tabLst/>
+              <a:defRPr/>
+            </a:pPr>
+            <a:r>
+              <a:rPr lang="en-US" dirty="0" smtClean="0"/>
+              <a:t>Since Spring 3.0, we have to include the Spring</a:t>
             </a:r>
             <a:r>
               <a:rPr lang="en-US" baseline="0" dirty="0" smtClean="0"/>
-              <a:t> to Spring 3.0, “1 size fits all”.</a:t>
-            </a:r>
+              <a:t> modules that we would like to include into the project.</a:t>
+            </a:r>
+            <a:endParaRPr lang="en-US" dirty="0" smtClean="0"/>
           </a:p>
           <a:p>
             <a:endParaRPr lang="en-US" dirty="0"/>
@@ -1155,7 +1189,7 @@
     </p:spTree>
     <p:extLst>
       <p:ext uri="{BB962C8B-B14F-4D97-AF65-F5344CB8AC3E}">
-        <p14:creationId xmlns:p14="http://schemas.microsoft.com/office/powerpoint/2010/main" val="888663319"/>
+        <p14:creationId xmlns:p14="http://schemas.microsoft.com/office/powerpoint/2010/main" val="4137932553"/>
       </p:ext>
     </p:extLst>
   </p:cSld>
@@ -1209,34 +1243,6 @@
           <a:bodyPr/>
           <a:lstStyle/>
           <a:p>
-            <a:pPr marL="0" marR="0" indent="0" algn="l" defTabSz="457200" rtl="0" eaLnBrk="1" fontAlgn="auto" latinLnBrk="0" hangingPunct="1">
-              <a:lnSpc>
-                <a:spcPct val="100000"/>
-              </a:lnSpc>
-              <a:spcBef>
-                <a:spcPts val="0"/>
-              </a:spcBef>
-              <a:spcAft>
-                <a:spcPts val="0"/>
-              </a:spcAft>
-              <a:buClrTx/>
-              <a:buSzTx/>
-              <a:buFontTx/>
-              <a:buNone/>
-              <a:tabLst/>
-              <a:defRPr/>
-            </a:pPr>
-            <a:r>
-              <a:rPr lang="en-US" dirty="0" smtClean="0"/>
-              <a:t>Since Spring 3.0, we have to include the Spring</a:t>
-            </a:r>
-            <a:r>
-              <a:rPr lang="en-US" baseline="0" dirty="0" smtClean="0"/>
-              <a:t> modules that we would like to include into the project.</a:t>
-            </a:r>
-            <a:endParaRPr lang="en-US" dirty="0" smtClean="0"/>
-          </a:p>
-          <a:p>
             <a:endParaRPr lang="en-US" dirty="0"/>
           </a:p>
         </p:txBody>
@@ -1258,7 +1264,7 @@
           <a:p>
             <a:fld id="{E3ED7436-F003-CB49-9906-98F64AD2AC91}" type="slidenum">
               <a:rPr lang="en-US" smtClean="0"/>
-              <a:t>21</a:t>
+              <a:t>20</a:t>
             </a:fld>
             <a:endParaRPr lang="en-US"/>
           </a:p>
@@ -1267,7 +1273,7 @@
     </p:spTree>
     <p:extLst>
       <p:ext uri="{BB962C8B-B14F-4D97-AF65-F5344CB8AC3E}">
-        <p14:creationId xmlns:p14="http://schemas.microsoft.com/office/powerpoint/2010/main" val="4137932553"/>
+        <p14:creationId xmlns:p14="http://schemas.microsoft.com/office/powerpoint/2010/main" val="2337667717"/>
       </p:ext>
     </p:extLst>
   </p:cSld>
@@ -1321,6 +1327,22 @@
           <a:bodyPr/>
           <a:lstStyle/>
           <a:p>
+            <a:r>
+              <a:rPr lang="en-US" dirty="0" err="1" smtClean="0"/>
+              <a:t>bean:name</a:t>
+            </a:r>
+            <a:r>
+              <a:rPr lang="en-US" baseline="0" dirty="0" smtClean="0"/>
+              <a:t> and </a:t>
+            </a:r>
+            <a:r>
+              <a:rPr lang="en-US" baseline="0" dirty="0" err="1" smtClean="0"/>
+              <a:t>bean:id</a:t>
+            </a:r>
+            <a:r>
+              <a:rPr lang="en-US" baseline="0" dirty="0" smtClean="0"/>
+              <a:t> are the same</a:t>
+            </a:r>
             <a:endParaRPr lang="en-US" dirty="0"/>
           </a:p>
         </p:txBody>
@@ -1351,7 +1373,7 @@
     </p:spTree>
     <p:extLst>
       <p:ext uri="{BB962C8B-B14F-4D97-AF65-F5344CB8AC3E}">
-        <p14:creationId xmlns:p14="http://schemas.microsoft.com/office/powerpoint/2010/main" val="2337667717"/>
+        <p14:creationId xmlns:p14="http://schemas.microsoft.com/office/powerpoint/2010/main" val="1992703160"/>
       </p:ext>
     </p:extLst>
   </p:cSld>
@@ -1405,22 +1427,62 @@
           <a:bodyPr/>
           <a:lstStyle/>
           <a:p>
-            <a:r>
-              <a:rPr lang="en-US" dirty="0" err="1" smtClean="0"/>
-              <a:t>bean:name</a:t>
-            </a:r>
-            <a:r>
-              <a:rPr lang="en-US" baseline="0" dirty="0" smtClean="0"/>
-              <a:t> and </a:t>
-            </a:r>
-            <a:r>
-              <a:rPr lang="en-US" baseline="0" dirty="0" err="1" smtClean="0"/>
-              <a:t>bean:id</a:t>
-            </a:r>
-            <a:r>
-              <a:rPr lang="en-US" baseline="0" dirty="0" smtClean="0"/>
-              <a:t> are the same</a:t>
-            </a:r>
+            <a:pPr marL="0" marR="0" indent="0" algn="l" defTabSz="457200" rtl="0" eaLnBrk="1" fontAlgn="auto" latinLnBrk="0" hangingPunct="1">
+              <a:lnSpc>
+                <a:spcPct val="100000"/>
+              </a:lnSpc>
+              <a:spcBef>
+                <a:spcPts val="0"/>
+              </a:spcBef>
+              <a:spcAft>
+                <a:spcPts val="0"/>
+              </a:spcAft>
+              <a:buClrTx/>
+              <a:buSzTx/>
+              <a:buFontTx/>
+              <a:buNone/>
+              <a:tabLst/>
+              <a:defRPr/>
+            </a:pPr>
+            <a:r>
+              <a:rPr lang="en-US" sz="1200" i="1" kern="1200" dirty="0" smtClean="0">
+                <a:solidFill>
+                  <a:schemeClr val="tx1"/>
+                </a:solidFill>
+                <a:effectLst/>
+                <a:latin typeface="+mn-lt"/>
+                <a:ea typeface="+mn-ea"/>
+                <a:cs typeface="+mn-cs"/>
+              </a:rPr>
+              <a:t>* Thread scope is not registered by default, and requires registration with the </a:t>
+            </a:r>
+            <a:r>
+              <a:rPr lang="en-US" sz="1200" i="1" kern="1200" dirty="0" err="1" smtClean="0">
+                <a:solidFill>
+                  <a:schemeClr val="tx1"/>
+                </a:solidFill>
+                <a:effectLst/>
+                <a:latin typeface="+mn-lt"/>
+                <a:ea typeface="+mn-ea"/>
+                <a:cs typeface="+mn-cs"/>
+              </a:rPr>
+              <a:t>CustomScopeConfigurer</a:t>
+            </a:r>
+            <a:r>
+              <a:rPr lang="en-US" sz="1200" i="1" kern="1200" dirty="0" smtClean="0">
+                <a:solidFill>
+                  <a:schemeClr val="tx1"/>
+                </a:solidFill>
+                <a:effectLst/>
+                <a:latin typeface="+mn-lt"/>
+                <a:ea typeface="+mn-ea"/>
+                <a:cs typeface="+mn-cs"/>
+              </a:rPr>
+              <a:t> bean. </a:t>
+            </a:r>
+            <a:endParaRPr lang="en-US" dirty="0" smtClean="0"/>
+          </a:p>
+          <a:p>
             <a:endParaRPr lang="en-US" dirty="0"/>
           </a:p>
         </p:txBody>
@@ -1442,7 +1504,7 @@
           <a:p>
             <a:fld id="{E3ED7436-F003-CB49-9906-98F64AD2AC91}" type="slidenum">
               <a:rPr lang="en-US" smtClean="0"/>
-              <a:t>24</a:t>
+              <a:t>23</a:t>
             </a:fld>
             <a:endParaRPr lang="en-US"/>
           </a:p>
@@ -1451,7 +1513,7 @@
     </p:spTree>
     <p:extLst>
       <p:ext uri="{BB962C8B-B14F-4D97-AF65-F5344CB8AC3E}">
-        <p14:creationId xmlns:p14="http://schemas.microsoft.com/office/powerpoint/2010/main" val="1992703160"/>
+        <p14:creationId xmlns:p14="http://schemas.microsoft.com/office/powerpoint/2010/main" val="2124465611"/>
       </p:ext>
     </p:extLst>
   </p:cSld>
@@ -1523,7 +1585,7 @@
               <a:defRPr/>
             </a:pPr>
             <a:r>
-              <a:rPr lang="en-US" sz="1200" i="1" kern="1200" dirty="0" smtClean="0">
+              <a:rPr lang="en-US" sz="1200" kern="1200" dirty="0" smtClean="0">
                 <a:solidFill>
                   <a:schemeClr val="tx1"/>
                 </a:solidFill>
@@ -1532,10 +1594,29 @@
                 <a:ea typeface="+mn-ea"/>
                 <a:cs typeface="+mn-cs"/>
               </a:rPr>
-              <a:t>* Thread scope is not registered by default, and requires registration with the </a:t>
-            </a:r>
-            <a:r>
-              <a:rPr lang="en-US" sz="1200" i="1" kern="1200" dirty="0" err="1" smtClean="0">
+              <a:t>Classes annotated as component stereotypes including (but not limited to) </a:t>
+            </a:r>
+          </a:p>
+          <a:p>
+            <a:pPr marL="0" marR="0" indent="0" algn="l" defTabSz="457200" rtl="0" eaLnBrk="1" fontAlgn="auto" latinLnBrk="0" hangingPunct="1">
+              <a:lnSpc>
+                <a:spcPct val="100000"/>
+              </a:lnSpc>
+              <a:spcBef>
+                <a:spcPts val="0"/>
+              </a:spcBef>
+              <a:spcAft>
+                <a:spcPts val="0"/>
+              </a:spcAft>
+              <a:buClrTx/>
+              <a:buSzTx/>
+              <a:buFontTx/>
+              <a:buNone/>
+              <a:tabLst/>
+              <a:defRPr/>
+            </a:pPr>
+            <a:r>
+              <a:rPr lang="en-US" sz="1200" kern="1200" dirty="0" smtClean="0">
                 <a:solidFill>
                   <a:schemeClr val="tx1"/>
                 </a:solidFill>
@@ -1544,10 +1625,29 @@
                 <a:ea typeface="+mn-ea"/>
                 <a:cs typeface="+mn-cs"/>
               </a:rPr>
-              <a:t>CustomScopeConfigurer</a:t>
-            </a:r>
-            <a:r>
-              <a:rPr lang="en-US" sz="1200" i="1" kern="1200" dirty="0" smtClean="0">
+              <a:t>@Configuration, @Component, @Repository, @Service, @Controller, or JSR-330 annotations, such as @Named </a:t>
+            </a:r>
+          </a:p>
+          <a:p>
+            <a:pPr marL="0" marR="0" indent="0" algn="l" defTabSz="457200" rtl="0" eaLnBrk="1" fontAlgn="auto" latinLnBrk="0" hangingPunct="1">
+              <a:lnSpc>
+                <a:spcPct val="100000"/>
+              </a:lnSpc>
+              <a:spcBef>
+                <a:spcPts val="0"/>
+              </a:spcBef>
+              <a:spcAft>
+                <a:spcPts val="0"/>
+              </a:spcAft>
+              <a:buClrTx/>
+              <a:buSzTx/>
+              <a:buFontTx/>
+              <a:buNone/>
+              <a:tabLst/>
+              <a:defRPr/>
+            </a:pPr>
+            <a:r>
+              <a:rPr lang="en-US" sz="1200" kern="1200" dirty="0" smtClean="0">
                 <a:solidFill>
                   <a:schemeClr val="tx1"/>
                 </a:solidFill>
@@ -1556,7 +1656,66 @@
                 <a:ea typeface="+mn-ea"/>
                 <a:cs typeface="+mn-cs"/>
               </a:rPr>
-              <a:t> bean. </a:t>
+              <a:t>are inclusive to the auto-scan default filter. </a:t>
+            </a:r>
+          </a:p>
+          <a:p>
+            <a:pPr marL="0" marR="0" indent="0" algn="l" defTabSz="457200" rtl="0" eaLnBrk="1" fontAlgn="auto" latinLnBrk="0" hangingPunct="1">
+              <a:lnSpc>
+                <a:spcPct val="100000"/>
+              </a:lnSpc>
+              <a:spcBef>
+                <a:spcPts val="0"/>
+              </a:spcBef>
+              <a:spcAft>
+                <a:spcPts val="0"/>
+              </a:spcAft>
+              <a:buClrTx/>
+              <a:buSzTx/>
+              <a:buFontTx/>
+              <a:buNone/>
+              <a:tabLst/>
+              <a:defRPr/>
+            </a:pPr>
+            <a:endParaRPr lang="en-US" sz="1200" kern="1200" dirty="0" smtClean="0">
+              <a:solidFill>
+                <a:schemeClr val="tx1"/>
+              </a:solidFill>
+              <a:effectLst/>
+              <a:latin typeface="+mn-lt"/>
+              <a:ea typeface="+mn-ea"/>
+              <a:cs typeface="+mn-cs"/>
+            </a:endParaRPr>
+          </a:p>
+          <a:p>
+            <a:pPr marL="0" marR="0" indent="0" algn="l" defTabSz="457200" rtl="0" eaLnBrk="1" fontAlgn="auto" latinLnBrk="0" hangingPunct="1">
+              <a:lnSpc>
+                <a:spcPct val="100000"/>
+              </a:lnSpc>
+              <a:spcBef>
+                <a:spcPts val="0"/>
+              </a:spcBef>
+              <a:spcAft>
+                <a:spcPts val="0"/>
+              </a:spcAft>
+              <a:buClrTx/>
+              <a:buSzTx/>
+              <a:buFontTx/>
+              <a:buNone/>
+              <a:tabLst/>
+              <a:defRPr/>
+            </a:pPr>
+            <a:r>
+              <a:rPr lang="en-US" sz="1200" kern="1200" dirty="0" smtClean="0">
+                <a:solidFill>
+                  <a:schemeClr val="tx1"/>
+                </a:solidFill>
+                <a:effectLst/>
+                <a:latin typeface="+mn-lt"/>
+                <a:ea typeface="+mn-ea"/>
+                <a:cs typeface="+mn-cs"/>
+              </a:rPr>
+              <a:t>Once auto-detected, components become Spring beans and are placed at the root of the application context. </a:t>
             </a:r>
             <a:endParaRPr lang="en-US" dirty="0" smtClean="0"/>
           </a:p>
@@ -1582,7 +1741,7 @@
           <a:p>
             <a:fld id="{E3ED7436-F003-CB49-9906-98F64AD2AC91}" type="slidenum">
               <a:rPr lang="en-US" smtClean="0"/>
-              <a:t>25</a:t>
+              <a:t>28</a:t>
             </a:fld>
             <a:endParaRPr lang="en-US"/>
           </a:p>
@@ -1591,7 +1750,7 @@
     </p:spTree>
     <p:extLst>
       <p:ext uri="{BB962C8B-B14F-4D97-AF65-F5344CB8AC3E}">
-        <p14:creationId xmlns:p14="http://schemas.microsoft.com/office/powerpoint/2010/main" val="2124465611"/>
+        <p14:creationId xmlns:p14="http://schemas.microsoft.com/office/powerpoint/2010/main" val="746732538"/>
       </p:ext>
     </p:extLst>
   </p:cSld>
@@ -1645,159 +1804,14 @@
           <a:bodyPr/>
           <a:lstStyle/>
           <a:p>
-            <a:pPr marL="0" marR="0" indent="0" algn="l" defTabSz="457200" rtl="0" eaLnBrk="1" fontAlgn="auto" latinLnBrk="0" hangingPunct="1">
-              <a:lnSpc>
-                <a:spcPct val="100000"/>
-              </a:lnSpc>
-              <a:spcBef>
-                <a:spcPts val="0"/>
-              </a:spcBef>
-              <a:spcAft>
-                <a:spcPts val="0"/>
-              </a:spcAft>
-              <a:buClrTx/>
-              <a:buSzTx/>
-              <a:buFontTx/>
-              <a:buNone/>
-              <a:tabLst/>
-              <a:defRPr/>
-            </a:pPr>
-            <a:r>
-              <a:rPr lang="en-US" sz="1200" kern="1200" dirty="0" smtClean="0">
-                <a:solidFill>
-                  <a:schemeClr val="tx1"/>
-                </a:solidFill>
-                <a:effectLst/>
-                <a:latin typeface="+mn-lt"/>
-                <a:ea typeface="+mn-ea"/>
-                <a:cs typeface="+mn-cs"/>
-              </a:rPr>
-              <a:t>Classes annotated as component stereotypes including (but not limited to) </a:t>
-            </a:r>
-          </a:p>
-          <a:p>
-            <a:pPr marL="0" marR="0" indent="0" algn="l" defTabSz="457200" rtl="0" eaLnBrk="1" fontAlgn="auto" latinLnBrk="0" hangingPunct="1">
-              <a:lnSpc>
-                <a:spcPct val="100000"/>
-              </a:lnSpc>
-              <a:spcBef>
-                <a:spcPts val="0"/>
-              </a:spcBef>
-              <a:spcAft>
-                <a:spcPts val="0"/>
-              </a:spcAft>
-              <a:buClrTx/>
-              <a:buSzTx/>
-              <a:buFontTx/>
-              <a:buNone/>
-              <a:tabLst/>
-              <a:defRPr/>
-            </a:pPr>
-            <a:r>
-              <a:rPr lang="en-US" sz="1200" kern="1200" dirty="0" smtClean="0">
-                <a:solidFill>
-                  <a:schemeClr val="tx1"/>
-                </a:solidFill>
-                <a:effectLst/>
-                <a:latin typeface="+mn-lt"/>
-                <a:ea typeface="+mn-ea"/>
-                <a:cs typeface="+mn-cs"/>
-              </a:rPr>
-              <a:t>@Configuration, @Component, @Repository, @Service, @Controller, or JSR-330 annotations, such as @Named </a:t>
-            </a:r>
-          </a:p>
-          <a:p>
-            <a:pPr marL="0" marR="0" indent="0" algn="l" defTabSz="457200" rtl="0" eaLnBrk="1" fontAlgn="auto" latinLnBrk="0" hangingPunct="1">
-              <a:lnSpc>
-                <a:spcPct val="100000"/>
-              </a:lnSpc>
-              <a:spcBef>
-                <a:spcPts val="0"/>
-              </a:spcBef>
-              <a:spcAft>
-                <a:spcPts val="0"/>
-              </a:spcAft>
-              <a:buClrTx/>
-              <a:buSzTx/>
-              <a:buFontTx/>
-              <a:buNone/>
-              <a:tabLst/>
-              <a:defRPr/>
-            </a:pPr>
-            <a:r>
-              <a:rPr lang="en-US" sz="1200" kern="1200" dirty="0" smtClean="0">
-                <a:solidFill>
-                  <a:schemeClr val="tx1"/>
-                </a:solidFill>
-                <a:effectLst/>
-                <a:latin typeface="+mn-lt"/>
-                <a:ea typeface="+mn-ea"/>
-                <a:cs typeface="+mn-cs"/>
-              </a:rPr>
-              <a:t>are inclusive to the auto-scan default filter. </a:t>
-            </a:r>
-          </a:p>
-          <a:p>
-            <a:pPr marL="0" marR="0" indent="0" algn="l" defTabSz="457200" rtl="0" eaLnBrk="1" fontAlgn="auto" latinLnBrk="0" hangingPunct="1">
-              <a:lnSpc>
-                <a:spcPct val="100000"/>
-              </a:lnSpc>
-              <a:spcBef>
-                <a:spcPts val="0"/>
-              </a:spcBef>
-              <a:spcAft>
-                <a:spcPts val="0"/>
-              </a:spcAft>
-              <a:buClrTx/>
-              <a:buSzTx/>
-              <a:buFontTx/>
-              <a:buNone/>
-              <a:tabLst/>
-              <a:defRPr/>
-            </a:pPr>
-            <a:endParaRPr lang="en-US" sz="1200" kern="1200" dirty="0" smtClean="0">
-              <a:solidFill>
-                <a:schemeClr val="tx1"/>
-              </a:solidFill>
-              <a:effectLst/>
-              <a:latin typeface="+mn-lt"/>
-              <a:ea typeface="+mn-ea"/>
-              <a:cs typeface="+mn-cs"/>
-            </a:endParaRPr>
-          </a:p>
-          <a:p>
-            <a:pPr marL="0" marR="0" indent="0" algn="l" defTabSz="457200" rtl="0" eaLnBrk="1" fontAlgn="auto" latinLnBrk="0" hangingPunct="1">
-              <a:lnSpc>
-                <a:spcPct val="100000"/>
-              </a:lnSpc>
-              <a:spcBef>
-                <a:spcPts val="0"/>
-              </a:spcBef>
-              <a:spcAft>
-                <a:spcPts val="0"/>
-              </a:spcAft>
-              <a:buClrTx/>
-              <a:buSzTx/>
-              <a:buFontTx/>
-              <a:buNone/>
-              <a:tabLst/>
-              <a:defRPr/>
-            </a:pPr>
-            <a:r>
-              <a:rPr lang="en-US" sz="1200" kern="1200" dirty="0" smtClean="0">
-                <a:solidFill>
-                  <a:schemeClr val="tx1"/>
-                </a:solidFill>
-                <a:effectLst/>
-                <a:latin typeface="+mn-lt"/>
-                <a:ea typeface="+mn-ea"/>
-                <a:cs typeface="+mn-cs"/>
-              </a:rPr>
-              <a:t>Once auto-detected, components become Spring beans and are placed at the root of the application context. </a:t>
-            </a:r>
-            <a:endParaRPr lang="en-US" dirty="0" smtClean="0"/>
-          </a:p>
-          <a:p>
+            <a:r>
+              <a:rPr lang="en-US" dirty="0" smtClean="0"/>
+              <a:t>If not specific Qualifier,</a:t>
+            </a:r>
+            <a:r>
+              <a:rPr lang="en-US" baseline="0" dirty="0" smtClean="0"/>
+              <a:t> Spring will try to auto wire by type.  However, we have 3 classes are implemented the Reporter interface and Spring will not know which one to use.</a:t>
+            </a:r>
             <a:endParaRPr lang="en-US" dirty="0"/>
           </a:p>
         </p:txBody>
@@ -1828,7 +1842,7 @@
     </p:spTree>
     <p:extLst>
       <p:ext uri="{BB962C8B-B14F-4D97-AF65-F5344CB8AC3E}">
-        <p14:creationId xmlns:p14="http://schemas.microsoft.com/office/powerpoint/2010/main" val="746732538"/>
+        <p14:creationId xmlns:p14="http://schemas.microsoft.com/office/powerpoint/2010/main" val="534358211"/>
       </p:ext>
     </p:extLst>
   </p:cSld>
@@ -1884,45 +1898,19 @@
           <a:p>
             <a:r>
               <a:rPr lang="en-US" dirty="0" smtClean="0"/>
-              <a:t>My name is Andy Chan</a:t>
-            </a:r>
-          </a:p>
-          <a:p>
-            <a:r>
-              <a:rPr lang="en-US" dirty="0" smtClean="0"/>
-              <a:t>Some</a:t>
+              <a:t>How many people in</a:t>
             </a:r>
             <a:r>
               <a:rPr lang="en-US" baseline="0" dirty="0" smtClean="0"/>
-              <a:t> of you in the room or on the conference line may not know me</a:t>
+              <a:t> this room are using Spring?</a:t>
             </a:r>
           </a:p>
           <a:p>
             <a:r>
               <a:rPr lang="en-US" baseline="0" dirty="0" smtClean="0"/>
-              <a:t>Software Architect, joins </a:t>
-            </a:r>
-            <a:r>
-              <a:rPr lang="en-US" baseline="0" dirty="0" err="1" smtClean="0"/>
-              <a:t>CityGrid</a:t>
-            </a:r>
-            <a:r>
-              <a:rPr lang="en-US" baseline="0" dirty="0" smtClean="0"/>
-              <a:t> the beginning of 2012</a:t>
-            </a:r>
-          </a:p>
-          <a:p>
-            <a:r>
-              <a:rPr lang="en-US" baseline="0" dirty="0" smtClean="0"/>
-              <a:t>Co-Author Pro Spring Integration</a:t>
-            </a:r>
-          </a:p>
-          <a:p>
-            <a:r>
-              <a:rPr lang="en-US" baseline="0" dirty="0" smtClean="0"/>
-              <a:t>If question with Spring, free to reach me via email, Skype, or Twitter</a:t>
-            </a:r>
-            <a:endParaRPr lang="en-US" dirty="0" smtClean="0"/>
+              <a:t>Anyone can tell me what is Spring?</a:t>
+            </a:r>
+            <a:endParaRPr lang="en-US" dirty="0"/>
           </a:p>
         </p:txBody>
       </p:sp>
@@ -1952,7 +1940,7 @@
     </p:spTree>
     <p:extLst>
       <p:ext uri="{BB962C8B-B14F-4D97-AF65-F5344CB8AC3E}">
-        <p14:creationId xmlns:p14="http://schemas.microsoft.com/office/powerpoint/2010/main" val="1244264465"/>
+        <p14:creationId xmlns:p14="http://schemas.microsoft.com/office/powerpoint/2010/main" val="2183146753"/>
       </p:ext>
     </p:extLst>
   </p:cSld>
@@ -2008,11 +1996,23 @@
           <a:p>
             <a:r>
               <a:rPr lang="en-US" dirty="0" smtClean="0"/>
-              <a:t>If not specific Qualifier,</a:t>
-            </a:r>
-            <a:r>
-              <a:rPr lang="en-US" baseline="0" dirty="0" smtClean="0"/>
-              <a:t> Spring will try to auto wire by type.  However, we have 3 classes are implemented the Reporter interface and Spring will not know which one to use.</a:t>
+              <a:t>In order to use </a:t>
+            </a:r>
+            <a:r>
+              <a:rPr lang="en-US" dirty="0" err="1" smtClean="0"/>
+              <a:t>JavaConfig</a:t>
+            </a:r>
+            <a:r>
+              <a:rPr lang="en-US" dirty="0" smtClean="0"/>
+              <a:t>, </a:t>
+            </a:r>
+            <a:r>
+              <a:rPr lang="en-US" dirty="0" err="1" smtClean="0"/>
+              <a:t>cglib</a:t>
+            </a:r>
+            <a:r>
+              <a:rPr lang="en-US" dirty="0" smtClean="0"/>
+              <a:t> is needed</a:t>
             </a:r>
             <a:endParaRPr lang="en-US" dirty="0"/>
           </a:p>
@@ -2035,7 +2035,7 @@
           <a:p>
             <a:fld id="{E3ED7436-F003-CB49-9906-98F64AD2AC91}" type="slidenum">
               <a:rPr lang="en-US" smtClean="0"/>
-              <a:t>32</a:t>
+              <a:t>35</a:t>
             </a:fld>
             <a:endParaRPr lang="en-US"/>
           </a:p>
@@ -2044,7 +2044,7 @@
     </p:spTree>
     <p:extLst>
       <p:ext uri="{BB962C8B-B14F-4D97-AF65-F5344CB8AC3E}">
-        <p14:creationId xmlns:p14="http://schemas.microsoft.com/office/powerpoint/2010/main" val="534358211"/>
+        <p14:creationId xmlns:p14="http://schemas.microsoft.com/office/powerpoint/2010/main" val="3082318346"/>
       </p:ext>
     </p:extLst>
   </p:cSld>
@@ -2100,23 +2100,33 @@
           <a:p>
             <a:r>
               <a:rPr lang="en-US" dirty="0" smtClean="0"/>
-              <a:t>In order to use </a:t>
+              <a:t>@Scheduled(</a:t>
             </a:r>
             <a:r>
               <a:rPr lang="en-US" dirty="0" err="1" smtClean="0"/>
-              <a:t>JavaConfig</a:t>
-            </a:r>
-            <a:r>
-              <a:rPr lang="en-US" dirty="0" smtClean="0"/>
-              <a:t>, </a:t>
+              <a:t>fixedDelay</a:t>
+            </a:r>
+            <a:r>
+              <a:rPr lang="en-US" dirty="0" smtClean="0"/>
+              <a:t>=50000)</a:t>
+            </a:r>
+          </a:p>
+          <a:p>
+            <a:r>
+              <a:rPr lang="en-US" dirty="0" smtClean="0"/>
+              <a:t>@Scheduled(</a:t>
             </a:r>
             <a:r>
               <a:rPr lang="en-US" dirty="0" err="1" smtClean="0"/>
-              <a:t>cglib</a:t>
-            </a:r>
-            <a:r>
-              <a:rPr lang="en-US" dirty="0" smtClean="0"/>
-              <a:t> is needed</a:t>
+              <a:t>cron</a:t>
+            </a:r>
+            <a:r>
+              <a:rPr lang="en-US" dirty="0" smtClean="0"/>
+              <a:t>=“*/5</a:t>
+            </a:r>
+            <a:r>
+              <a:rPr lang="en-US" baseline="0" dirty="0" smtClean="0"/>
+              <a:t> * * * * MON-FRI”)</a:t>
             </a:r>
             <a:endParaRPr lang="en-US" dirty="0"/>
           </a:p>
@@ -2139,7 +2149,7 @@
           <a:p>
             <a:fld id="{E3ED7436-F003-CB49-9906-98F64AD2AC91}" type="slidenum">
               <a:rPr lang="en-US" smtClean="0"/>
-              <a:t>37</a:t>
+              <a:t>53</a:t>
             </a:fld>
             <a:endParaRPr lang="en-US"/>
           </a:p>
@@ -2148,7 +2158,7 @@
     </p:spTree>
     <p:extLst>
       <p:ext uri="{BB962C8B-B14F-4D97-AF65-F5344CB8AC3E}">
-        <p14:creationId xmlns:p14="http://schemas.microsoft.com/office/powerpoint/2010/main" val="3082318346"/>
+        <p14:creationId xmlns:p14="http://schemas.microsoft.com/office/powerpoint/2010/main" val="733067918"/>
       </p:ext>
     </p:extLst>
   </p:cSld>
@@ -2204,33 +2214,19 @@
           <a:p>
             <a:r>
               <a:rPr lang="en-US" dirty="0" smtClean="0"/>
-              <a:t>@Scheduled(</a:t>
-            </a:r>
-            <a:r>
-              <a:rPr lang="en-US" dirty="0" err="1" smtClean="0"/>
-              <a:t>fixedDelay</a:t>
-            </a:r>
-            <a:r>
-              <a:rPr lang="en-US" dirty="0" smtClean="0"/>
-              <a:t>=50000)</a:t>
-            </a:r>
-          </a:p>
-          <a:p>
-            <a:r>
-              <a:rPr lang="en-US" dirty="0" smtClean="0"/>
-              <a:t>@Scheduled(</a:t>
-            </a:r>
-            <a:r>
-              <a:rPr lang="en-US" dirty="0" err="1" smtClean="0"/>
-              <a:t>cron</a:t>
-            </a:r>
-            <a:r>
-              <a:rPr lang="en-US" dirty="0" smtClean="0"/>
-              <a:t>=“*/5</a:t>
+              <a:t>Use</a:t>
             </a:r>
             <a:r>
               <a:rPr lang="en-US" baseline="0" dirty="0" smtClean="0"/>
-              <a:t> * * * * MON-FRI”)</a:t>
+              <a:t> </a:t>
+            </a:r>
+            <a:r>
+              <a:rPr lang="en-US" baseline="0" dirty="0" err="1" smtClean="0"/>
+              <a:t>SpEL</a:t>
+            </a:r>
+            <a:r>
+              <a:rPr lang="en-US" baseline="0" dirty="0" smtClean="0"/>
+              <a:t> declaration for key generation and value</a:t>
             </a:r>
             <a:endParaRPr lang="en-US" dirty="0"/>
           </a:p>
@@ -2254,106 +2250,6 @@
             <a:fld id="{E3ED7436-F003-CB49-9906-98F64AD2AC91}" type="slidenum">
               <a:rPr lang="en-US" smtClean="0"/>
               <a:t>55</a:t>
-            </a:fld>
-            <a:endParaRPr lang="en-US"/>
-          </a:p>
-        </p:txBody>
-      </p:sp>
-    </p:spTree>
-    <p:extLst>
-      <p:ext uri="{BB962C8B-B14F-4D97-AF65-F5344CB8AC3E}">
-        <p14:creationId xmlns:p14="http://schemas.microsoft.com/office/powerpoint/2010/main" val="733067918"/>
-      </p:ext>
-    </p:extLst>
-  </p:cSld>
-  <p:clrMapOvr>
-    <a:masterClrMapping/>
-  </p:clrMapOvr>
-</p:notes>
-</file>
-
-<file path=ppt/notesSlides/notesSlide23.xml><?xml version="1.0" encoding="utf-8"?>
-<p:notes xmlns:a="http://schemas.openxmlformats.org/drawingml/2006/main" xmlns:r="http://schemas.openxmlformats.org/officeDocument/2006/relationships" xmlns:p="http://schemas.openxmlformats.org/presentationml/2006/main">
-  <p:cSld>
-    <p:spTree>
-      <p:nvGrpSpPr>
-        <p:cNvPr id="1" name=""/>
-        <p:cNvGrpSpPr/>
-        <p:nvPr/>
-      </p:nvGrpSpPr>
-      <p:grpSpPr>
-        <a:xfrm>
-          <a:off x="0" y="0"/>
-          <a:ext cx="0" cy="0"/>
-          <a:chOff x="0" y="0"/>
-          <a:chExt cx="0" cy="0"/>
-        </a:xfrm>
-      </p:grpSpPr>
-      <p:sp>
-        <p:nvSpPr>
-          <p:cNvPr id="2" name="Slide Image Placeholder 1"/>
-          <p:cNvSpPr>
-            <a:spLocks noGrp="1" noRot="1" noChangeAspect="1"/>
-          </p:cNvSpPr>
-          <p:nvPr>
-            <p:ph type="sldImg"/>
-          </p:nvPr>
-        </p:nvSpPr>
-        <p:spPr/>
-      </p:sp>
-      <p:sp>
-        <p:nvSpPr>
-          <p:cNvPr id="3" name="Notes Placeholder 2"/>
-          <p:cNvSpPr>
-            <a:spLocks noGrp="1"/>
-          </p:cNvSpPr>
-          <p:nvPr>
-            <p:ph type="body" idx="1"/>
-          </p:nvPr>
-        </p:nvSpPr>
-        <p:spPr/>
-        <p:txBody>
-          <a:bodyPr/>
-          <a:lstStyle/>
-          <a:p>
-            <a:r>
-              <a:rPr lang="en-US" dirty="0" smtClean="0"/>
-              <a:t>Use</a:t>
-            </a:r>
-            <a:r>
-              <a:rPr lang="en-US" baseline="0" dirty="0" smtClean="0"/>
-              <a:t> </a:t>
-            </a:r>
-            <a:r>
-              <a:rPr lang="en-US" baseline="0" dirty="0" err="1" smtClean="0"/>
-              <a:t>SpEL</a:t>
-            </a:r>
-            <a:r>
-              <a:rPr lang="en-US" baseline="0" dirty="0" smtClean="0"/>
-              <a:t> declaration for key generation and value</a:t>
-            </a:r>
-            <a:endParaRPr lang="en-US" dirty="0"/>
-          </a:p>
-        </p:txBody>
-      </p:sp>
-      <p:sp>
-        <p:nvSpPr>
-          <p:cNvPr id="4" name="Slide Number Placeholder 3"/>
-          <p:cNvSpPr>
-            <a:spLocks noGrp="1"/>
-          </p:cNvSpPr>
-          <p:nvPr>
-            <p:ph type="sldNum" sz="quarter" idx="10"/>
-          </p:nvPr>
-        </p:nvSpPr>
-        <p:spPr/>
-        <p:txBody>
-          <a:bodyPr/>
-          <a:lstStyle/>
-          <a:p>
-            <a:fld id="{E3ED7436-F003-CB49-9906-98F64AD2AC91}" type="slidenum">
-              <a:rPr lang="en-US" smtClean="0"/>
-              <a:t>57</a:t>
             </a:fld>
             <a:endParaRPr lang="en-US"/>
           </a:p>
@@ -2418,17 +2314,29 @@
           <a:p>
             <a:r>
               <a:rPr lang="en-US" dirty="0" smtClean="0"/>
-              <a:t>How many people in</a:t>
+              <a:t>Oct 2002, Rob Johnson released the framework along with his book “Expert One-on-One J2EE Design and Development”</a:t>
+            </a:r>
+          </a:p>
+          <a:p>
+            <a:r>
+              <a:rPr lang="en-US" dirty="0" smtClean="0"/>
+              <a:t>June 2003, the framework</a:t>
             </a:r>
             <a:r>
               <a:rPr lang="en-US" baseline="0" dirty="0" smtClean="0"/>
-              <a:t> this room are using Spring?</a:t>
+              <a:t> was open-sourced and released under Apache 2.0 license</a:t>
             </a:r>
           </a:p>
           <a:p>
             <a:r>
               <a:rPr lang="en-US" baseline="0" dirty="0" smtClean="0"/>
-              <a:t>Anyone can tell me what is Spring?</a:t>
+              <a:t>Version 1.0 was released in March 2004</a:t>
+            </a:r>
+          </a:p>
+          <a:p>
+            <a:r>
+              <a:rPr lang="en-US" baseline="0" dirty="0" smtClean="0"/>
+              <a:t>The latest stable released was Spring 3.1 in December 2011</a:t>
             </a:r>
             <a:endParaRPr lang="en-US" dirty="0"/>
           </a:p>
@@ -2451,7 +2359,7 @@
           <a:p>
             <a:fld id="{E3ED7436-F003-CB49-9906-98F64AD2AC91}" type="slidenum">
               <a:rPr lang="en-US" smtClean="0"/>
-              <a:t>4</a:t>
+              <a:t>3</a:t>
             </a:fld>
             <a:endParaRPr lang="en-US"/>
           </a:p>
@@ -2460,7 +2368,7 @@
     </p:spTree>
     <p:extLst>
       <p:ext uri="{BB962C8B-B14F-4D97-AF65-F5344CB8AC3E}">
-        <p14:creationId xmlns:p14="http://schemas.microsoft.com/office/powerpoint/2010/main" val="2183146753"/>
+        <p14:creationId xmlns:p14="http://schemas.microsoft.com/office/powerpoint/2010/main" val="2343029135"/>
       </p:ext>
     </p:extLst>
   </p:cSld>
@@ -2516,29 +2424,44 @@
           <a:p>
             <a:r>
               <a:rPr lang="en-US" dirty="0" smtClean="0"/>
-              <a:t>Oct 2002, Rob Johnson released the framework along with his book “Expert One-on-One J2EE Design and Development”</a:t>
-            </a:r>
-          </a:p>
-          <a:p>
-            <a:r>
-              <a:rPr lang="en-US" dirty="0" smtClean="0"/>
-              <a:t>June 2003, the framework</a:t>
+              <a:t>Within 10 years, Spring has been expanded into 12 extensions</a:t>
+            </a:r>
+          </a:p>
+          <a:p>
+            <a:r>
+              <a:rPr lang="en-US" dirty="0" smtClean="0"/>
+              <a:t>Even</a:t>
             </a:r>
             <a:r>
               <a:rPr lang="en-US" baseline="0" dirty="0" smtClean="0"/>
-              <a:t> was open-sourced and released under Apache 2.0 license</a:t>
-            </a:r>
-          </a:p>
-          <a:p>
+              <a:t> cover .NET and Python</a:t>
+            </a:r>
+          </a:p>
+          <a:p>
+            <a:endParaRPr lang="en-US" dirty="0" smtClean="0"/>
+          </a:p>
+          <a:p>
+            <a:r>
+              <a:rPr lang="en-US" dirty="0" smtClean="0"/>
+              <a:t>Today,</a:t>
+            </a:r>
             <a:r>
               <a:rPr lang="en-US" baseline="0" dirty="0" smtClean="0"/>
-              <a:t>Version 1.0 was released in March 2004</a:t>
+              <a:t> we are focusing on Spring Framework.  If we have enough time, may talk about Spring Batch.</a:t>
             </a:r>
           </a:p>
           <a:p>
             <a:r>
               <a:rPr lang="en-US" baseline="0" dirty="0" smtClean="0"/>
-              <a:t>The latest stable released was Spring 3.1 in December 2011</a:t>
+              <a:t>Next class, we will focus on Spring Batch, Spring Integration, Spring Data, Spring </a:t>
+            </a:r>
+            <a:r>
+              <a:rPr lang="en-US" baseline="0" dirty="0" err="1" smtClean="0"/>
+              <a:t>Hadoop</a:t>
+            </a:r>
+            <a:r>
+              <a:rPr lang="en-US" baseline="0" dirty="0" smtClean="0"/>
+              <a:t>, and Spring Web Service.</a:t>
             </a:r>
             <a:endParaRPr lang="en-US" dirty="0"/>
           </a:p>
@@ -2561,7 +2484,7 @@
           <a:p>
             <a:fld id="{E3ED7436-F003-CB49-9906-98F64AD2AC91}" type="slidenum">
               <a:rPr lang="en-US" smtClean="0"/>
-              <a:t>5</a:t>
+              <a:t>4</a:t>
             </a:fld>
             <a:endParaRPr lang="en-US"/>
           </a:p>
@@ -2570,7 +2493,7 @@
     </p:spTree>
     <p:extLst>
       <p:ext uri="{BB962C8B-B14F-4D97-AF65-F5344CB8AC3E}">
-        <p14:creationId xmlns:p14="http://schemas.microsoft.com/office/powerpoint/2010/main" val="2343029135"/>
+        <p14:creationId xmlns:p14="http://schemas.microsoft.com/office/powerpoint/2010/main" val="3824590789"/>
       </p:ext>
     </p:extLst>
   </p:cSld>
@@ -2686,7 +2609,7 @@
           <a:p>
             <a:fld id="{E3ED7436-F003-CB49-9906-98F64AD2AC91}" type="slidenum">
               <a:rPr lang="en-US" smtClean="0"/>
-              <a:t>6</a:t>
+              <a:t>5</a:t>
             </a:fld>
             <a:endParaRPr lang="en-US"/>
           </a:p>
@@ -2811,7 +2734,7 @@
           <a:p>
             <a:fld id="{E3ED7436-F003-CB49-9906-98F64AD2AC91}" type="slidenum">
               <a:rPr lang="en-US" smtClean="0"/>
-              <a:t>7</a:t>
+              <a:t>6</a:t>
             </a:fld>
             <a:endParaRPr lang="en-US"/>
           </a:p>
@@ -2876,44 +2799,39 @@
           <a:p>
             <a:r>
               <a:rPr lang="en-US" dirty="0" smtClean="0"/>
-              <a:t>Within 10 years, Spring has been expanded into 12 extensions</a:t>
-            </a:r>
-          </a:p>
-          <a:p>
-            <a:r>
-              <a:rPr lang="en-US" dirty="0" smtClean="0"/>
-              <a:t>Even</a:t>
+              <a:t>Spring Framework is the foundation of all the Spring extensions.</a:t>
+            </a:r>
+          </a:p>
+          <a:p>
+            <a:r>
+              <a:rPr lang="en-US" dirty="0" smtClean="0"/>
+              <a:t>Provides</a:t>
             </a:r>
             <a:r>
               <a:rPr lang="en-US" baseline="0" dirty="0" smtClean="0"/>
-              <a:t> cover .NET and Python</a:t>
-            </a:r>
-          </a:p>
-          <a:p>
-            <a:endParaRPr lang="en-US" dirty="0" smtClean="0"/>
-          </a:p>
-          <a:p>
-            <a:r>
-              <a:rPr lang="en-US" dirty="0" smtClean="0"/>
-              <a:t>Today,</a:t>
+              <a:t> Inversion of Control Containers</a:t>
+            </a:r>
+          </a:p>
+          <a:p>
+            <a:r>
+              <a:rPr lang="en-US" dirty="0" smtClean="0"/>
+              <a:t>Provides</a:t>
             </a:r>
             <a:r>
               <a:rPr lang="en-US" baseline="0" dirty="0" smtClean="0"/>
-              <a:t> we are focusing on Spring Framework.  If we have enough time, may talk about Spring Batch.</a:t>
+              <a:t> abstraction layer for all the J2EE related technologies: JDBC, JPA, JTA, JMS, Web Services</a:t>
             </a:r>
           </a:p>
           <a:p>
             <a:r>
               <a:rPr lang="en-US" baseline="0" dirty="0" smtClean="0"/>
-              <a:t>Next class, we will focus on Spring Batch, Spring Integration, Spring Data, Spring </a:t>
-            </a:r>
-            <a:r>
-              <a:rPr lang="en-US" baseline="0" dirty="0" err="1" smtClean="0"/>
-              <a:t>Hadoop</a:t>
-            </a:r>
+              <a:t>MVN Framework to build web application</a:t>
+            </a:r>
+          </a:p>
+          <a:p>
             <a:r>
               <a:rPr lang="en-US" baseline="0" dirty="0" smtClean="0"/>
-              <a:t>, and Spring Web Service.</a:t>
+              <a:t>Spring Test for Unit Testing</a:t>
             </a:r>
             <a:endParaRPr lang="en-US" dirty="0"/>
           </a:p>
@@ -2945,7 +2863,7 @@
     </p:spTree>
     <p:extLst>
       <p:ext uri="{BB962C8B-B14F-4D97-AF65-F5344CB8AC3E}">
-        <p14:creationId xmlns:p14="http://schemas.microsoft.com/office/powerpoint/2010/main" val="3824590789"/>
+        <p14:creationId xmlns:p14="http://schemas.microsoft.com/office/powerpoint/2010/main" val="4045649888"/>
       </p:ext>
     </p:extLst>
   </p:cSld>
@@ -3001,39 +2919,46 @@
           <a:p>
             <a:r>
               <a:rPr lang="en-US" dirty="0" smtClean="0"/>
-              <a:t>Spring Framework is the foundation of all the Spring extensions.</a:t>
-            </a:r>
-          </a:p>
-          <a:p>
-            <a:r>
-              <a:rPr lang="en-US" dirty="0" smtClean="0"/>
-              <a:t>Provides</a:t>
+              <a:t>Let’s take a look at a</a:t>
             </a:r>
             <a:r>
               <a:rPr lang="en-US" baseline="0" dirty="0" smtClean="0"/>
-              <a:t> Inversion of Control Containers</a:t>
-            </a:r>
-          </a:p>
-          <a:p>
-            <a:r>
-              <a:rPr lang="en-US" dirty="0" smtClean="0"/>
-              <a:t>Provides</a:t>
+              <a:t> simple OOP example:</a:t>
+            </a:r>
+            <a:endParaRPr lang="en-US" dirty="0" smtClean="0"/>
+          </a:p>
+          <a:p>
+            <a:endParaRPr lang="en-US" dirty="0" smtClean="0"/>
+          </a:p>
+          <a:p>
+            <a:r>
+              <a:rPr lang="en-US" dirty="0" smtClean="0"/>
+              <a:t>UML Diagram</a:t>
+            </a:r>
+          </a:p>
+          <a:p>
+            <a:endParaRPr lang="en-US" dirty="0" smtClean="0"/>
+          </a:p>
+          <a:p>
+            <a:r>
+              <a:rPr lang="en-US" dirty="0" smtClean="0"/>
+              <a:t>Reporter Interface: generate() method</a:t>
+            </a:r>
+          </a:p>
+          <a:p>
+            <a:r>
+              <a:rPr lang="en-US" dirty="0" smtClean="0"/>
+              <a:t>3 concrete implementations: HTML, CSV, and PDF</a:t>
+            </a:r>
+          </a:p>
+          <a:p>
+            <a:r>
+              <a:rPr lang="en-US" dirty="0" smtClean="0"/>
+              <a:t>Application has</a:t>
             </a:r>
             <a:r>
               <a:rPr lang="en-US" baseline="0" dirty="0" smtClean="0"/>
-              <a:t> abstraction layer for all the J2EE related technologies: JDBC, JPA, JTA, JMS, Web Services</a:t>
-            </a:r>
-          </a:p>
-          <a:p>
-            <a:r>
-              <a:rPr lang="en-US" baseline="0" dirty="0" smtClean="0"/>
-              <a:t>MVN Framework to build web application</a:t>
-            </a:r>
-          </a:p>
-          <a:p>
-            <a:r>
-              <a:rPr lang="en-US" baseline="0" dirty="0" smtClean="0"/>
-              <a:t>Spring Test for Unit Testing</a:t>
+              <a:t> a reference to the Reporter Interface: Application does not know (and no need to know) what concrete implementation to use</a:t>
             </a:r>
             <a:endParaRPr lang="en-US" dirty="0"/>
           </a:p>
@@ -3056,7 +2981,7 @@
           <a:p>
             <a:fld id="{E3ED7436-F003-CB49-9906-98F64AD2AC91}" type="slidenum">
               <a:rPr lang="en-US" smtClean="0"/>
-              <a:t>10</a:t>
+              <a:t>11</a:t>
             </a:fld>
             <a:endParaRPr lang="en-US"/>
           </a:p>
@@ -3065,7 +2990,7 @@
     </p:spTree>
     <p:extLst>
       <p:ext uri="{BB962C8B-B14F-4D97-AF65-F5344CB8AC3E}">
-        <p14:creationId xmlns:p14="http://schemas.microsoft.com/office/powerpoint/2010/main" val="4045649888"/>
+        <p14:creationId xmlns:p14="http://schemas.microsoft.com/office/powerpoint/2010/main" val="3452315020"/>
       </p:ext>
     </p:extLst>
   </p:cSld>
@@ -3121,46 +3046,11 @@
           <a:p>
             <a:r>
               <a:rPr lang="en-US" dirty="0" smtClean="0"/>
-              <a:t>Let’s take a look at a</a:t>
+              <a:t>If the Reporter application wants</a:t>
             </a:r>
             <a:r>
               <a:rPr lang="en-US" baseline="0" dirty="0" smtClean="0"/>
-              <a:t> simple OOP example:</a:t>
-            </a:r>
-            <a:endParaRPr lang="en-US" dirty="0" smtClean="0"/>
-          </a:p>
-          <a:p>
-            <a:endParaRPr lang="en-US" dirty="0" smtClean="0"/>
-          </a:p>
-          <a:p>
-            <a:r>
-              <a:rPr lang="en-US" dirty="0" smtClean="0"/>
-              <a:t>UML Diagram</a:t>
-            </a:r>
-          </a:p>
-          <a:p>
-            <a:endParaRPr lang="en-US" dirty="0" smtClean="0"/>
-          </a:p>
-          <a:p>
-            <a:r>
-              <a:rPr lang="en-US" dirty="0" smtClean="0"/>
-              <a:t>Reporter Interface: generate() method</a:t>
-            </a:r>
-          </a:p>
-          <a:p>
-            <a:r>
-              <a:rPr lang="en-US" dirty="0" smtClean="0"/>
-              <a:t>3 concrete implementations: HTML, CSV, and PDF</a:t>
-            </a:r>
-          </a:p>
-          <a:p>
-            <a:r>
-              <a:rPr lang="en-US" dirty="0" smtClean="0"/>
-              <a:t>Application has</a:t>
-            </a:r>
-            <a:r>
-              <a:rPr lang="en-US" baseline="0" dirty="0" smtClean="0"/>
-              <a:t> a reference to the Reporter Interface: Application does not know (and no need to know) what concrete implementation to use</a:t>
+              <a:t> to output the report in HTML format, we need to change the code and recompile.</a:t>
             </a:r>
             <a:endParaRPr lang="en-US" dirty="0"/>
           </a:p>
@@ -3183,7 +3073,7 @@
           <a:p>
             <a:fld id="{E3ED7436-F003-CB49-9906-98F64AD2AC91}" type="slidenum">
               <a:rPr lang="en-US" smtClean="0"/>
-              <a:t>13</a:t>
+              <a:t>12</a:t>
             </a:fld>
             <a:endParaRPr lang="en-US"/>
           </a:p>
@@ -3192,7 +3082,7 @@
     </p:spTree>
     <p:extLst>
       <p:ext uri="{BB962C8B-B14F-4D97-AF65-F5344CB8AC3E}">
-        <p14:creationId xmlns:p14="http://schemas.microsoft.com/office/powerpoint/2010/main" val="3452315020"/>
+        <p14:creationId xmlns:p14="http://schemas.microsoft.com/office/powerpoint/2010/main" val="1918229633"/>
       </p:ext>
     </p:extLst>
   </p:cSld>
@@ -3391,7 +3281,7 @@
           <a:p>
             <a:fld id="{4B50AC02-AD7E-FE44-9BF8-8C81A0E26215}" type="datetimeFigureOut">
               <a:rPr lang="en-US" smtClean="0"/>
-              <a:t>4/20/12</a:t>
+              <a:t>4/3/16</a:t>
             </a:fld>
             <a:endParaRPr lang="en-US"/>
           </a:p>
@@ -3569,7 +3459,7 @@
           <a:p>
             <a:fld id="{4B50AC02-AD7E-FE44-9BF8-8C81A0E26215}" type="datetimeFigureOut">
               <a:rPr lang="en-US" smtClean="0"/>
-              <a:t>4/20/12</a:t>
+              <a:t>4/3/16</a:t>
             </a:fld>
             <a:endParaRPr lang="en-US"/>
           </a:p>
@@ -3757,7 +3647,7 @@
           <a:p>
             <a:fld id="{4B50AC02-AD7E-FE44-9BF8-8C81A0E26215}" type="datetimeFigureOut">
               <a:rPr lang="en-US" smtClean="0"/>
-              <a:t>4/20/12</a:t>
+              <a:t>4/3/16</a:t>
             </a:fld>
             <a:endParaRPr lang="en-US"/>
           </a:p>
@@ -3935,7 +3825,7 @@
           <a:p>
             <a:fld id="{4B50AC02-AD7E-FE44-9BF8-8C81A0E26215}" type="datetimeFigureOut">
               <a:rPr lang="en-US" smtClean="0"/>
-              <a:t>4/20/12</a:t>
+              <a:t>4/3/16</a:t>
             </a:fld>
             <a:endParaRPr lang="en-US"/>
           </a:p>
@@ -4189,7 +4079,7 @@
           <a:p>
             <a:fld id="{4B50AC02-AD7E-FE44-9BF8-8C81A0E26215}" type="datetimeFigureOut">
               <a:rPr lang="en-US" smtClean="0"/>
-              <a:t>4/20/12</a:t>
+              <a:t>4/3/16</a:t>
             </a:fld>
             <a:endParaRPr lang="en-US"/>
           </a:p>
@@ -4485,7 +4375,7 @@
           <a:p>
             <a:fld id="{4B50AC02-AD7E-FE44-9BF8-8C81A0E26215}" type="datetimeFigureOut">
               <a:rPr lang="en-US" smtClean="0"/>
-              <a:t>4/20/12</a:t>
+              <a:t>4/3/16</a:t>
             </a:fld>
             <a:endParaRPr lang="en-US"/>
           </a:p>
@@ -4915,7 +4805,7 @@
           <a:p>
             <a:fld id="{4B50AC02-AD7E-FE44-9BF8-8C81A0E26215}" type="datetimeFigureOut">
               <a:rPr lang="en-US" smtClean="0"/>
-              <a:t>4/20/12</a:t>
+              <a:t>4/3/16</a:t>
             </a:fld>
             <a:endParaRPr lang="en-US"/>
           </a:p>
@@ -5041,7 +4931,7 @@
           <a:p>
             <a:fld id="{4B50AC02-AD7E-FE44-9BF8-8C81A0E26215}" type="datetimeFigureOut">
               <a:rPr lang="en-US" smtClean="0"/>
-              <a:t>4/20/12</a:t>
+              <a:t>4/3/16</a:t>
             </a:fld>
             <a:endParaRPr lang="en-US"/>
           </a:p>
@@ -5144,7 +5034,7 @@
           <a:p>
             <a:fld id="{4B50AC02-AD7E-FE44-9BF8-8C81A0E26215}" type="datetimeFigureOut">
               <a:rPr lang="en-US" smtClean="0"/>
-              <a:t>4/20/12</a:t>
+              <a:t>4/3/16</a:t>
             </a:fld>
             <a:endParaRPr lang="en-US"/>
           </a:p>
@@ -5429,7 +5319,7 @@
           <a:p>
             <a:fld id="{4B50AC02-AD7E-FE44-9BF8-8C81A0E26215}" type="datetimeFigureOut">
               <a:rPr lang="en-US" smtClean="0"/>
-              <a:t>4/20/12</a:t>
+              <a:t>4/3/16</a:t>
             </a:fld>
             <a:endParaRPr lang="en-US"/>
           </a:p>
@@ -5690,7 +5580,7 @@
           <a:p>
             <a:fld id="{4B50AC02-AD7E-FE44-9BF8-8C81A0E26215}" type="datetimeFigureOut">
               <a:rPr lang="en-US" smtClean="0"/>
-              <a:t>4/20/12</a:t>
+              <a:t>4/3/16</a:t>
             </a:fld>
             <a:endParaRPr lang="en-US"/>
           </a:p>
@@ -5985,14 +5875,14 @@
           </a:ln>
           <a:extLst>
             <a:ext uri="{909E8E84-426E-40dd-AFC4-6F175D3DCCD1}">
-              <a14:hiddenFill xmlns:a14="http://schemas.microsoft.com/office/drawing/2010/main">
+              <a14:hiddenFill xmlns:a14="http://schemas.microsoft.com/office/drawing/2010/main" xmlns="">
                 <a:solidFill>
                   <a:srgbClr val="FFFFFF"/>
                 </a:solidFill>
               </a14:hiddenFill>
             </a:ext>
             <a:ext uri="{91240B29-F687-4f45-9708-019B960494DF}">
-              <a14:hiddenLine xmlns:a14="http://schemas.microsoft.com/office/drawing/2010/main" w="9525">
+              <a14:hiddenLine xmlns:a14="http://schemas.microsoft.com/office/drawing/2010/main" xmlns="" w="9525">
                 <a:solidFill>
                   <a:srgbClr val="000000"/>
                 </a:solidFill>
@@ -6363,7 +6253,7 @@
   <p:timing>
     <p:tnLst>
       <p:par>
-        <p:cTn xmlns:p14="http://schemas.microsoft.com/office/powerpoint/2010/main" id="1" dur="indefinite" restart="never" nodeType="tmRoot"/>
+        <p:cTn id="1" dur="indefinite" restart="never" nodeType="tmRoot"/>
       </p:par>
     </p:tnLst>
   </p:timing>
@@ -6399,51 +6289,8 @@
         </p:nvSpPr>
         <p:spPr/>
         <p:txBody>
-          <a:bodyPr>
-            <a:normAutofit fontScale="90000"/>
-          </a:bodyPr>
-          <a:lstStyle/>
-          <a:p>
-            <a:r>
-              <a:rPr lang="en-US" dirty="0" smtClean="0"/>
-              <a:t>Spring Framework</a:t>
-            </a:r>
-            <a:br>
-              <a:rPr lang="en-US" dirty="0" smtClean="0"/>
-            </a:br>
-            <a:r>
-              <a:rPr lang="en-US" dirty="0" smtClean="0"/>
-              <a:t>Overview</a:t>
-            </a:r>
-            <a:endParaRPr lang="en-US" dirty="0"/>
-          </a:p>
-        </p:txBody>
-      </p:sp>
-      <p:sp>
-        <p:nvSpPr>
-          <p:cNvPr id="3" name="Content Placeholder 2"/>
-          <p:cNvSpPr>
-            <a:spLocks noGrp="1"/>
-          </p:cNvSpPr>
-          <p:nvPr>
-            <p:ph idx="1"/>
-          </p:nvPr>
-        </p:nvSpPr>
-        <p:spPr/>
-        <p:txBody>
-          <a:bodyPr/>
-          <a:lstStyle/>
-          <a:p>
-            <a:r>
-              <a:rPr lang="en-US" dirty="0" smtClean="0"/>
-              <a:t>Foundation of Spring </a:t>
-            </a:r>
-            <a:r>
-              <a:rPr lang="en-US" dirty="0" err="1" smtClean="0"/>
-              <a:t>Extentions</a:t>
-            </a:r>
-            <a:endParaRPr lang="en-US" dirty="0" smtClean="0"/>
-          </a:p>
+          <a:bodyPr/>
+          <a:lstStyle/>
           <a:p>
             <a:r>
               <a:rPr lang="en-US" dirty="0" smtClean="0"/>
@@ -6455,34 +6302,77 @@
             </a:r>
             <a:r>
               <a:rPr lang="en-US" dirty="0" smtClean="0"/>
-              <a:t>) and Containers</a:t>
-            </a:r>
-          </a:p>
-          <a:p>
-            <a:r>
-              <a:rPr lang="en-US" dirty="0" smtClean="0"/>
-              <a:t>Spring Profile</a:t>
-            </a:r>
-          </a:p>
-          <a:p>
-            <a:r>
-              <a:rPr lang="en-US" dirty="0" smtClean="0"/>
-              <a:t>Abstractions for JDBC, JPA, JTA, JMS, WS</a:t>
-            </a:r>
-          </a:p>
-          <a:p>
-            <a:r>
-              <a:rPr lang="en-US" smtClean="0"/>
-              <a:t>MVC Framework</a:t>
-            </a:r>
-            <a:endParaRPr lang="en-US" dirty="0" smtClean="0"/>
+              <a:t>)</a:t>
+            </a:r>
+            <a:endParaRPr lang="en-US" dirty="0"/>
+          </a:p>
+        </p:txBody>
+      </p:sp>
+      <p:sp>
+        <p:nvSpPr>
+          <p:cNvPr id="3" name="Content Placeholder 2"/>
+          <p:cNvSpPr>
+            <a:spLocks noGrp="1"/>
+          </p:cNvSpPr>
+          <p:nvPr>
+            <p:ph idx="1"/>
+          </p:nvPr>
+        </p:nvSpPr>
+        <p:spPr/>
+        <p:txBody>
+          <a:bodyPr/>
+          <a:lstStyle/>
+          <a:p>
+            <a:r>
+              <a:rPr lang="en-US" dirty="0" smtClean="0"/>
+              <a:t>Java EE: EJB and EJB Container</a:t>
+            </a:r>
+          </a:p>
+          <a:p>
+            <a:r>
+              <a:rPr lang="en-US" dirty="0" smtClean="0"/>
+              <a:t>Spring: POJO and POJO Container</a:t>
+            </a:r>
+          </a:p>
+          <a:p>
+            <a:r>
+              <a:rPr lang="en-US" dirty="0" smtClean="0"/>
+              <a:t>Spring </a:t>
+            </a:r>
+            <a:r>
+              <a:rPr lang="en-US" dirty="0" err="1" smtClean="0"/>
+              <a:t>vs</a:t>
+            </a:r>
+            <a:r>
+              <a:rPr lang="en-US" dirty="0" smtClean="0"/>
+              <a:t> Java EE =&gt; Lightweight</a:t>
+            </a:r>
+          </a:p>
+          <a:p>
+            <a:r>
+              <a:rPr lang="en-US" dirty="0" smtClean="0"/>
+              <a:t>Object Creation</a:t>
+            </a:r>
+          </a:p>
+          <a:p>
+            <a:r>
+              <a:rPr lang="en-US" dirty="0" smtClean="0"/>
+              <a:t>Object Lookup</a:t>
+            </a:r>
+          </a:p>
+          <a:p>
+            <a:r>
+              <a:rPr lang="en-US" dirty="0" smtClean="0"/>
+              <a:t>Object Life Cycle Management</a:t>
+            </a:r>
+            <a:endParaRPr lang="en-US" dirty="0"/>
           </a:p>
         </p:txBody>
       </p:sp>
     </p:spTree>
     <p:extLst>
       <p:ext uri="{BB962C8B-B14F-4D97-AF65-F5344CB8AC3E}">
-        <p14:creationId xmlns:p14="http://schemas.microsoft.com/office/powerpoint/2010/main" val="824451318"/>
+        <p14:creationId xmlns:p14="http://schemas.microsoft.com/office/powerpoint/2010/main" val="2771734139"/>
       </p:ext>
     </p:extLst>
   </p:cSld>
@@ -6492,7 +6382,7 @@
   <p:timing>
     <p:tnLst>
       <p:par>
-        <p:cTn xmlns:p14="http://schemas.microsoft.com/office/powerpoint/2010/main" id="1" dur="indefinite" restart="never" nodeType="tmRoot"/>
+        <p:cTn id="1" dur="indefinite" restart="never" nodeType="tmRoot"/>
       </p:par>
     </p:tnLst>
   </p:timing>
@@ -6523,208 +6413,6 @@
             <a:spLocks noGrp="1"/>
           </p:cNvSpPr>
           <p:nvPr>
-            <p:ph type="ctrTitle"/>
-          </p:nvPr>
-        </p:nvSpPr>
-        <p:spPr>
-          <a:xfrm>
-            <a:off x="685800" y="2693988"/>
-            <a:ext cx="7772400" cy="1470025"/>
-          </a:xfrm>
-        </p:spPr>
-        <p:txBody>
-          <a:bodyPr/>
-          <a:lstStyle/>
-          <a:p>
-            <a:r>
-              <a:rPr lang="en-US" dirty="0" smtClean="0"/>
-              <a:t>Inversion of Control (</a:t>
-            </a:r>
-            <a:r>
-              <a:rPr lang="en-US" dirty="0" err="1" smtClean="0"/>
-              <a:t>IoC</a:t>
-            </a:r>
-            <a:r>
-              <a:rPr lang="en-US" dirty="0" smtClean="0"/>
-              <a:t>)</a:t>
-            </a:r>
-            <a:endParaRPr lang="en-US" dirty="0"/>
-          </a:p>
-        </p:txBody>
-      </p:sp>
-    </p:spTree>
-    <p:extLst>
-      <p:ext uri="{BB962C8B-B14F-4D97-AF65-F5344CB8AC3E}">
-        <p14:creationId xmlns:p14="http://schemas.microsoft.com/office/powerpoint/2010/main" val="4079853524"/>
-      </p:ext>
-    </p:extLst>
-  </p:cSld>
-  <p:clrMapOvr>
-    <a:masterClrMapping/>
-  </p:clrMapOvr>
-  <p:timing>
-    <p:tnLst>
-      <p:par>
-        <p:cTn xmlns:p14="http://schemas.microsoft.com/office/powerpoint/2010/main" id="1" dur="indefinite" restart="never" nodeType="tmRoot"/>
-      </p:par>
-    </p:tnLst>
-  </p:timing>
-</p:sld>
-</file>
-
-<file path=ppt/slides/slide12.xml><?xml version="1.0" encoding="utf-8"?>
-<p:sld xmlns:a="http://schemas.openxmlformats.org/drawingml/2006/main" xmlns:r="http://schemas.openxmlformats.org/officeDocument/2006/relationships" xmlns:p="http://schemas.openxmlformats.org/presentationml/2006/main">
-  <p:cSld>
-    <p:spTree>
-      <p:nvGrpSpPr>
-        <p:cNvPr id="1" name=""/>
-        <p:cNvGrpSpPr/>
-        <p:nvPr/>
-      </p:nvGrpSpPr>
-      <p:grpSpPr>
-        <a:xfrm>
-          <a:off x="0" y="0"/>
-          <a:ext cx="0" cy="0"/>
-          <a:chOff x="0" y="0"/>
-          <a:chExt cx="0" cy="0"/>
-        </a:xfrm>
-      </p:grpSpPr>
-      <p:sp>
-        <p:nvSpPr>
-          <p:cNvPr id="2" name="Title 1"/>
-          <p:cNvSpPr>
-            <a:spLocks noGrp="1"/>
-          </p:cNvSpPr>
-          <p:nvPr>
-            <p:ph type="title"/>
-          </p:nvPr>
-        </p:nvSpPr>
-        <p:spPr/>
-        <p:txBody>
-          <a:bodyPr/>
-          <a:lstStyle/>
-          <a:p>
-            <a:r>
-              <a:rPr lang="en-US" dirty="0" smtClean="0"/>
-              <a:t>Inversion of Control (</a:t>
-            </a:r>
-            <a:r>
-              <a:rPr lang="en-US" dirty="0" err="1" smtClean="0"/>
-              <a:t>IoC</a:t>
-            </a:r>
-            <a:r>
-              <a:rPr lang="en-US" dirty="0" smtClean="0"/>
-              <a:t>)</a:t>
-            </a:r>
-            <a:endParaRPr lang="en-US" dirty="0"/>
-          </a:p>
-        </p:txBody>
-      </p:sp>
-      <p:sp>
-        <p:nvSpPr>
-          <p:cNvPr id="3" name="Content Placeholder 2"/>
-          <p:cNvSpPr>
-            <a:spLocks noGrp="1"/>
-          </p:cNvSpPr>
-          <p:nvPr>
-            <p:ph idx="1"/>
-          </p:nvPr>
-        </p:nvSpPr>
-        <p:spPr/>
-        <p:txBody>
-          <a:bodyPr/>
-          <a:lstStyle/>
-          <a:p>
-            <a:r>
-              <a:rPr lang="en-US" dirty="0" smtClean="0"/>
-              <a:t>Java EE: EJB and EJB Container</a:t>
-            </a:r>
-          </a:p>
-          <a:p>
-            <a:r>
-              <a:rPr lang="en-US" dirty="0" smtClean="0"/>
-              <a:t>Spring: POJO and POJO Container</a:t>
-            </a:r>
-          </a:p>
-          <a:p>
-            <a:r>
-              <a:rPr lang="en-US" dirty="0" smtClean="0"/>
-              <a:t>Spring </a:t>
-            </a:r>
-            <a:r>
-              <a:rPr lang="en-US" dirty="0" err="1" smtClean="0"/>
-              <a:t>vs</a:t>
-            </a:r>
-            <a:r>
-              <a:rPr lang="en-US" dirty="0" smtClean="0"/>
-              <a:t> Java EE =&gt; Lightweight</a:t>
-            </a:r>
-          </a:p>
-          <a:p>
-            <a:r>
-              <a:rPr lang="en-US" dirty="0" smtClean="0"/>
-              <a:t>Object Creation</a:t>
-            </a:r>
-          </a:p>
-          <a:p>
-            <a:r>
-              <a:rPr lang="en-US" dirty="0" smtClean="0"/>
-              <a:t>Object Lookup</a:t>
-            </a:r>
-          </a:p>
-          <a:p>
-            <a:r>
-              <a:rPr lang="en-US" dirty="0" smtClean="0"/>
-              <a:t>Object Life Cycle Management</a:t>
-            </a:r>
-            <a:endParaRPr lang="en-US" dirty="0"/>
-          </a:p>
-        </p:txBody>
-      </p:sp>
-    </p:spTree>
-    <p:extLst>
-      <p:ext uri="{BB962C8B-B14F-4D97-AF65-F5344CB8AC3E}">
-        <p14:creationId xmlns:p14="http://schemas.microsoft.com/office/powerpoint/2010/main" val="2771734139"/>
-      </p:ext>
-    </p:extLst>
-  </p:cSld>
-  <p:clrMapOvr>
-    <a:masterClrMapping/>
-  </p:clrMapOvr>
-  <p:timing>
-    <p:tnLst>
-      <p:par>
-        <p:cTn xmlns:p14="http://schemas.microsoft.com/office/powerpoint/2010/main" id="1" dur="indefinite" restart="never" nodeType="tmRoot"/>
-      </p:par>
-    </p:tnLst>
-  </p:timing>
-</p:sld>
-</file>
-
-<file path=ppt/slides/slide13.xml><?xml version="1.0" encoding="utf-8"?>
-<p:sld xmlns:a="http://schemas.openxmlformats.org/drawingml/2006/main" xmlns:r="http://schemas.openxmlformats.org/officeDocument/2006/relationships" xmlns:p="http://schemas.openxmlformats.org/presentationml/2006/main">
-  <p:cSld>
-    <p:spTree>
-      <p:nvGrpSpPr>
-        <p:cNvPr id="1" name=""/>
-        <p:cNvGrpSpPr/>
-        <p:nvPr/>
-      </p:nvGrpSpPr>
-      <p:grpSpPr>
-        <a:xfrm>
-          <a:off x="0" y="0"/>
-          <a:ext cx="0" cy="0"/>
-          <a:chOff x="0" y="0"/>
-          <a:chExt cx="0" cy="0"/>
-        </a:xfrm>
-      </p:grpSpPr>
-      <p:sp>
-        <p:nvSpPr>
-          <p:cNvPr id="2" name="Title 1"/>
-          <p:cNvSpPr>
-            <a:spLocks noGrp="1"/>
-          </p:cNvSpPr>
-          <p:nvPr>
             <p:ph type="title"/>
           </p:nvPr>
         </p:nvSpPr>
@@ -6787,14 +6475,14 @@
   <p:timing>
     <p:tnLst>
       <p:par>
-        <p:cTn xmlns:p14="http://schemas.microsoft.com/office/powerpoint/2010/main" id="1" dur="indefinite" restart="never" nodeType="tmRoot"/>
+        <p:cTn id="1" dur="indefinite" restart="never" nodeType="tmRoot"/>
       </p:par>
     </p:tnLst>
   </p:timing>
 </p:sld>
 </file>
 
-<file path=ppt/slides/slide14.xml><?xml version="1.0" encoding="utf-8"?>
+<file path=ppt/slides/slide12.xml><?xml version="1.0" encoding="utf-8"?>
 <p:sld xmlns:a="http://schemas.openxmlformats.org/drawingml/2006/main" xmlns:r="http://schemas.openxmlformats.org/officeDocument/2006/relationships" xmlns:p="http://schemas.openxmlformats.org/presentationml/2006/main">
   <p:cSld>
     <p:spTree>
@@ -6886,14 +6574,14 @@
   <p:timing>
     <p:tnLst>
       <p:par>
-        <p:cTn xmlns:p14="http://schemas.microsoft.com/office/powerpoint/2010/main" id="1" dur="indefinite" restart="never" nodeType="tmRoot"/>
+        <p:cTn id="1" dur="indefinite" restart="never" nodeType="tmRoot"/>
       </p:par>
     </p:tnLst>
   </p:timing>
 </p:sld>
 </file>
 
-<file path=ppt/slides/slide15.xml><?xml version="1.0" encoding="utf-8"?>
+<file path=ppt/slides/slide13.xml><?xml version="1.0" encoding="utf-8"?>
 <p:sld xmlns:a="http://schemas.openxmlformats.org/drawingml/2006/main" xmlns:r="http://schemas.openxmlformats.org/officeDocument/2006/relationships" xmlns:p="http://schemas.openxmlformats.org/presentationml/2006/main">
   <p:cSld>
     <p:spTree>
@@ -6986,7 +6674,193 @@
   <p:timing>
     <p:tnLst>
       <p:par>
-        <p:cTn xmlns:p14="http://schemas.microsoft.com/office/powerpoint/2010/main" id="1" dur="indefinite" restart="never" nodeType="tmRoot"/>
+        <p:cTn id="1" dur="indefinite" restart="never" nodeType="tmRoot"/>
+      </p:par>
+    </p:tnLst>
+  </p:timing>
+</p:sld>
+</file>
+
+<file path=ppt/slides/slide14.xml><?xml version="1.0" encoding="utf-8"?>
+<p:sld xmlns:a="http://schemas.openxmlformats.org/drawingml/2006/main" xmlns:r="http://schemas.openxmlformats.org/officeDocument/2006/relationships" xmlns:p="http://schemas.openxmlformats.org/presentationml/2006/main">
+  <p:cSld>
+    <p:spTree>
+      <p:nvGrpSpPr>
+        <p:cNvPr id="1" name=""/>
+        <p:cNvGrpSpPr/>
+        <p:nvPr/>
+      </p:nvGrpSpPr>
+      <p:grpSpPr>
+        <a:xfrm>
+          <a:off x="0" y="0"/>
+          <a:ext cx="0" cy="0"/>
+          <a:chOff x="0" y="0"/>
+          <a:chExt cx="0" cy="0"/>
+        </a:xfrm>
+      </p:grpSpPr>
+      <p:sp>
+        <p:nvSpPr>
+          <p:cNvPr id="2" name="Title 1"/>
+          <p:cNvSpPr>
+            <a:spLocks noGrp="1"/>
+          </p:cNvSpPr>
+          <p:nvPr>
+            <p:ph type="title"/>
+          </p:nvPr>
+        </p:nvSpPr>
+        <p:spPr/>
+        <p:txBody>
+          <a:bodyPr/>
+          <a:lstStyle/>
+          <a:p>
+            <a:r>
+              <a:rPr lang="en-US" dirty="0" smtClean="0"/>
+              <a:t>Inversion of Control (</a:t>
+            </a:r>
+            <a:r>
+              <a:rPr lang="en-US" dirty="0" err="1" smtClean="0"/>
+              <a:t>IoC</a:t>
+            </a:r>
+            <a:r>
+              <a:rPr lang="en-US" dirty="0" smtClean="0"/>
+              <a:t>)</a:t>
+            </a:r>
+            <a:endParaRPr lang="en-US" dirty="0"/>
+          </a:p>
+        </p:txBody>
+      </p:sp>
+      <p:pic>
+        <p:nvPicPr>
+          <p:cNvPr id="4" name="Content Placeholder 3" descr="ReporterApp - IoC.png"/>
+          <p:cNvPicPr>
+            <a:picLocks noGrp="1" noChangeAspect="1"/>
+          </p:cNvPicPr>
+          <p:nvPr>
+            <p:ph idx="1"/>
+          </p:nvPr>
+        </p:nvPicPr>
+        <p:blipFill>
+          <a:blip r:embed="rId3">
+            <a:extLst>
+              <a:ext uri="{28A0092B-C50C-407E-A947-70E740481C1C}">
+                <a14:useLocalDpi xmlns:a14="http://schemas.microsoft.com/office/drawing/2010/main" val="0"/>
+              </a:ext>
+            </a:extLst>
+          </a:blip>
+          <a:srcRect t="-23094" b="-23094"/>
+          <a:stretch>
+            <a:fillRect/>
+          </a:stretch>
+        </p:blipFill>
+        <p:spPr/>
+      </p:pic>
+    </p:spTree>
+    <p:extLst>
+      <p:ext uri="{BB962C8B-B14F-4D97-AF65-F5344CB8AC3E}">
+        <p14:creationId xmlns:p14="http://schemas.microsoft.com/office/powerpoint/2010/main" val="1736307331"/>
+      </p:ext>
+    </p:extLst>
+  </p:cSld>
+  <p:clrMapOvr>
+    <a:masterClrMapping/>
+  </p:clrMapOvr>
+  <p:timing>
+    <p:tnLst>
+      <p:par>
+        <p:cTn id="1" dur="indefinite" restart="never" nodeType="tmRoot"/>
+      </p:par>
+    </p:tnLst>
+  </p:timing>
+</p:sld>
+</file>
+
+<file path=ppt/slides/slide15.xml><?xml version="1.0" encoding="utf-8"?>
+<p:sld xmlns:a="http://schemas.openxmlformats.org/drawingml/2006/main" xmlns:r="http://schemas.openxmlformats.org/officeDocument/2006/relationships" xmlns:p="http://schemas.openxmlformats.org/presentationml/2006/main">
+  <p:cSld>
+    <p:spTree>
+      <p:nvGrpSpPr>
+        <p:cNvPr id="1" name=""/>
+        <p:cNvGrpSpPr/>
+        <p:nvPr/>
+      </p:nvGrpSpPr>
+      <p:grpSpPr>
+        <a:xfrm>
+          <a:off x="0" y="0"/>
+          <a:ext cx="0" cy="0"/>
+          <a:chOff x="0" y="0"/>
+          <a:chExt cx="0" cy="0"/>
+        </a:xfrm>
+      </p:grpSpPr>
+      <p:sp>
+        <p:nvSpPr>
+          <p:cNvPr id="2" name="Title 1"/>
+          <p:cNvSpPr>
+            <a:spLocks noGrp="1"/>
+          </p:cNvSpPr>
+          <p:nvPr>
+            <p:ph type="title"/>
+          </p:nvPr>
+        </p:nvSpPr>
+        <p:spPr/>
+        <p:txBody>
+          <a:bodyPr/>
+          <a:lstStyle/>
+          <a:p>
+            <a:r>
+              <a:rPr lang="en-US" dirty="0" smtClean="0"/>
+              <a:t>Inversion of Control (</a:t>
+            </a:r>
+            <a:r>
+              <a:rPr lang="en-US" dirty="0" err="1" smtClean="0"/>
+              <a:t>IoC</a:t>
+            </a:r>
+            <a:r>
+              <a:rPr lang="en-US" dirty="0" smtClean="0"/>
+              <a:t>)</a:t>
+            </a:r>
+            <a:endParaRPr lang="en-US" dirty="0"/>
+          </a:p>
+        </p:txBody>
+      </p:sp>
+      <p:pic>
+        <p:nvPicPr>
+          <p:cNvPr id="4" name="Content Placeholder 3" descr="ReporterApp - Container.png"/>
+          <p:cNvPicPr>
+            <a:picLocks noGrp="1" noChangeAspect="1"/>
+          </p:cNvPicPr>
+          <p:nvPr>
+            <p:ph idx="1"/>
+          </p:nvPr>
+        </p:nvPicPr>
+        <p:blipFill>
+          <a:blip r:embed="rId3">
+            <a:extLst>
+              <a:ext uri="{28A0092B-C50C-407E-A947-70E740481C1C}">
+                <a14:useLocalDpi xmlns:a14="http://schemas.microsoft.com/office/drawing/2010/main" val="0"/>
+              </a:ext>
+            </a:extLst>
+          </a:blip>
+          <a:srcRect l="-12870" r="-12870"/>
+          <a:stretch>
+            <a:fillRect/>
+          </a:stretch>
+        </p:blipFill>
+        <p:spPr/>
+      </p:pic>
+    </p:spTree>
+    <p:extLst>
+      <p:ext uri="{BB962C8B-B14F-4D97-AF65-F5344CB8AC3E}">
+        <p14:creationId xmlns:p14="http://schemas.microsoft.com/office/powerpoint/2010/main" val="1974966360"/>
+      </p:ext>
+    </p:extLst>
+  </p:cSld>
+  <p:clrMapOvr>
+    <a:masterClrMapping/>
+  </p:clrMapOvr>
+  <p:timing>
+    <p:tnLst>
+      <p:par>
+        <p:cTn id="1" dur="indefinite" restart="never" nodeType="tmRoot"/>
       </p:par>
     </p:tnLst>
   </p:timing>
@@ -7017,192 +6891,6 @@
             <a:spLocks noGrp="1"/>
           </p:cNvSpPr>
           <p:nvPr>
-            <p:ph type="title"/>
-          </p:nvPr>
-        </p:nvSpPr>
-        <p:spPr/>
-        <p:txBody>
-          <a:bodyPr/>
-          <a:lstStyle/>
-          <a:p>
-            <a:r>
-              <a:rPr lang="en-US" dirty="0" smtClean="0"/>
-              <a:t>Inversion of Control (</a:t>
-            </a:r>
-            <a:r>
-              <a:rPr lang="en-US" dirty="0" err="1" smtClean="0"/>
-              <a:t>IoC</a:t>
-            </a:r>
-            <a:r>
-              <a:rPr lang="en-US" dirty="0" smtClean="0"/>
-              <a:t>)</a:t>
-            </a:r>
-            <a:endParaRPr lang="en-US" dirty="0"/>
-          </a:p>
-        </p:txBody>
-      </p:sp>
-      <p:pic>
-        <p:nvPicPr>
-          <p:cNvPr id="4" name="Content Placeholder 3" descr="ReporterApp - IoC.png"/>
-          <p:cNvPicPr>
-            <a:picLocks noGrp="1" noChangeAspect="1"/>
-          </p:cNvPicPr>
-          <p:nvPr>
-            <p:ph idx="1"/>
-          </p:nvPr>
-        </p:nvPicPr>
-        <p:blipFill>
-          <a:blip r:embed="rId3">
-            <a:extLst>
-              <a:ext uri="{28A0092B-C50C-407E-A947-70E740481C1C}">
-                <a14:useLocalDpi xmlns:a14="http://schemas.microsoft.com/office/drawing/2010/main" val="0"/>
-              </a:ext>
-            </a:extLst>
-          </a:blip>
-          <a:srcRect t="-23094" b="-23094"/>
-          <a:stretch>
-            <a:fillRect/>
-          </a:stretch>
-        </p:blipFill>
-        <p:spPr/>
-      </p:pic>
-    </p:spTree>
-    <p:extLst>
-      <p:ext uri="{BB962C8B-B14F-4D97-AF65-F5344CB8AC3E}">
-        <p14:creationId xmlns:p14="http://schemas.microsoft.com/office/powerpoint/2010/main" val="1736307331"/>
-      </p:ext>
-    </p:extLst>
-  </p:cSld>
-  <p:clrMapOvr>
-    <a:masterClrMapping/>
-  </p:clrMapOvr>
-  <p:timing>
-    <p:tnLst>
-      <p:par>
-        <p:cTn xmlns:p14="http://schemas.microsoft.com/office/powerpoint/2010/main" id="1" dur="indefinite" restart="never" nodeType="tmRoot"/>
-      </p:par>
-    </p:tnLst>
-  </p:timing>
-</p:sld>
-</file>
-
-<file path=ppt/slides/slide17.xml><?xml version="1.0" encoding="utf-8"?>
-<p:sld xmlns:a="http://schemas.openxmlformats.org/drawingml/2006/main" xmlns:r="http://schemas.openxmlformats.org/officeDocument/2006/relationships" xmlns:p="http://schemas.openxmlformats.org/presentationml/2006/main">
-  <p:cSld>
-    <p:spTree>
-      <p:nvGrpSpPr>
-        <p:cNvPr id="1" name=""/>
-        <p:cNvGrpSpPr/>
-        <p:nvPr/>
-      </p:nvGrpSpPr>
-      <p:grpSpPr>
-        <a:xfrm>
-          <a:off x="0" y="0"/>
-          <a:ext cx="0" cy="0"/>
-          <a:chOff x="0" y="0"/>
-          <a:chExt cx="0" cy="0"/>
-        </a:xfrm>
-      </p:grpSpPr>
-      <p:sp>
-        <p:nvSpPr>
-          <p:cNvPr id="2" name="Title 1"/>
-          <p:cNvSpPr>
-            <a:spLocks noGrp="1"/>
-          </p:cNvSpPr>
-          <p:nvPr>
-            <p:ph type="title"/>
-          </p:nvPr>
-        </p:nvSpPr>
-        <p:spPr/>
-        <p:txBody>
-          <a:bodyPr/>
-          <a:lstStyle/>
-          <a:p>
-            <a:r>
-              <a:rPr lang="en-US" dirty="0" smtClean="0"/>
-              <a:t>Inversion of Control (</a:t>
-            </a:r>
-            <a:r>
-              <a:rPr lang="en-US" dirty="0" err="1" smtClean="0"/>
-              <a:t>IoC</a:t>
-            </a:r>
-            <a:r>
-              <a:rPr lang="en-US" dirty="0" smtClean="0"/>
-              <a:t>)</a:t>
-            </a:r>
-            <a:endParaRPr lang="en-US" dirty="0"/>
-          </a:p>
-        </p:txBody>
-      </p:sp>
-      <p:pic>
-        <p:nvPicPr>
-          <p:cNvPr id="4" name="Content Placeholder 3" descr="ReporterApp - Container.png"/>
-          <p:cNvPicPr>
-            <a:picLocks noGrp="1" noChangeAspect="1"/>
-          </p:cNvPicPr>
-          <p:nvPr>
-            <p:ph idx="1"/>
-          </p:nvPr>
-        </p:nvPicPr>
-        <p:blipFill>
-          <a:blip r:embed="rId3">
-            <a:extLst>
-              <a:ext uri="{28A0092B-C50C-407E-A947-70E740481C1C}">
-                <a14:useLocalDpi xmlns:a14="http://schemas.microsoft.com/office/drawing/2010/main" val="0"/>
-              </a:ext>
-            </a:extLst>
-          </a:blip>
-          <a:srcRect l="-12870" r="-12870"/>
-          <a:stretch>
-            <a:fillRect/>
-          </a:stretch>
-        </p:blipFill>
-        <p:spPr/>
-      </p:pic>
-    </p:spTree>
-    <p:extLst>
-      <p:ext uri="{BB962C8B-B14F-4D97-AF65-F5344CB8AC3E}">
-        <p14:creationId xmlns:p14="http://schemas.microsoft.com/office/powerpoint/2010/main" val="1974966360"/>
-      </p:ext>
-    </p:extLst>
-  </p:cSld>
-  <p:clrMapOvr>
-    <a:masterClrMapping/>
-  </p:clrMapOvr>
-  <p:timing>
-    <p:tnLst>
-      <p:par>
-        <p:cTn xmlns:p14="http://schemas.microsoft.com/office/powerpoint/2010/main" id="1" dur="indefinite" restart="never" nodeType="tmRoot"/>
-      </p:par>
-    </p:tnLst>
-  </p:timing>
-</p:sld>
-</file>
-
-<file path=ppt/slides/slide18.xml><?xml version="1.0" encoding="utf-8"?>
-<p:sld xmlns:a="http://schemas.openxmlformats.org/drawingml/2006/main" xmlns:r="http://schemas.openxmlformats.org/officeDocument/2006/relationships" xmlns:p="http://schemas.openxmlformats.org/presentationml/2006/main">
-  <p:cSld>
-    <p:spTree>
-      <p:nvGrpSpPr>
-        <p:cNvPr id="1" name=""/>
-        <p:cNvGrpSpPr/>
-        <p:nvPr/>
-      </p:nvGrpSpPr>
-      <p:grpSpPr>
-        <a:xfrm>
-          <a:off x="0" y="0"/>
-          <a:ext cx="0" cy="0"/>
-          <a:chOff x="0" y="0"/>
-          <a:chExt cx="0" cy="0"/>
-        </a:xfrm>
-      </p:grpSpPr>
-      <p:sp>
-        <p:nvSpPr>
-          <p:cNvPr id="2" name="Title 1"/>
-          <p:cNvSpPr>
-            <a:spLocks noGrp="1"/>
-          </p:cNvSpPr>
-          <p:nvPr>
             <p:ph type="ctrTitle"/>
           </p:nvPr>
         </p:nvSpPr>
@@ -7245,14 +6933,14 @@
   <p:timing>
     <p:tnLst>
       <p:par>
-        <p:cTn xmlns:p14="http://schemas.microsoft.com/office/powerpoint/2010/main" id="1" dur="indefinite" restart="never" nodeType="tmRoot"/>
+        <p:cTn id="1" dur="indefinite" restart="never" nodeType="tmRoot"/>
       </p:par>
     </p:tnLst>
   </p:timing>
 </p:sld>
 </file>
 
-<file path=ppt/slides/slide19.xml><?xml version="1.0" encoding="utf-8"?>
+<file path=ppt/slides/slide17.xml><?xml version="1.0" encoding="utf-8"?>
 <p:sld xmlns:a="http://schemas.openxmlformats.org/drawingml/2006/main" xmlns:r="http://schemas.openxmlformats.org/officeDocument/2006/relationships" xmlns:p="http://schemas.openxmlformats.org/presentationml/2006/main">
   <p:cSld>
     <p:spTree>
@@ -7335,183 +7023,14 @@
   <p:timing>
     <p:tnLst>
       <p:par>
-        <p:cTn xmlns:p14="http://schemas.microsoft.com/office/powerpoint/2010/main" id="1" dur="indefinite" restart="never" nodeType="tmRoot"/>
+        <p:cTn id="1" dur="indefinite" restart="never" nodeType="tmRoot"/>
       </p:par>
     </p:tnLst>
   </p:timing>
 </p:sld>
 </file>
 
-<file path=ppt/slides/slide2.xml><?xml version="1.0" encoding="utf-8"?>
-<p:sld xmlns:a="http://schemas.openxmlformats.org/drawingml/2006/main" xmlns:r="http://schemas.openxmlformats.org/officeDocument/2006/relationships" xmlns:p="http://schemas.openxmlformats.org/presentationml/2006/main">
-  <p:cSld>
-    <p:spTree>
-      <p:nvGrpSpPr>
-        <p:cNvPr id="1" name=""/>
-        <p:cNvGrpSpPr/>
-        <p:nvPr/>
-      </p:nvGrpSpPr>
-      <p:grpSpPr>
-        <a:xfrm>
-          <a:off x="0" y="0"/>
-          <a:ext cx="0" cy="0"/>
-          <a:chOff x="0" y="0"/>
-          <a:chExt cx="0" cy="0"/>
-        </a:xfrm>
-      </p:grpSpPr>
-      <p:sp>
-        <p:nvSpPr>
-          <p:cNvPr id="2" name="Title 1"/>
-          <p:cNvSpPr>
-            <a:spLocks noGrp="1"/>
-          </p:cNvSpPr>
-          <p:nvPr>
-            <p:ph type="title"/>
-          </p:nvPr>
-        </p:nvSpPr>
-        <p:spPr/>
-        <p:txBody>
-          <a:bodyPr/>
-          <a:lstStyle/>
-          <a:p>
-            <a:r>
-              <a:rPr lang="en-US" dirty="0" smtClean="0"/>
-              <a:t>Who am I?</a:t>
-            </a:r>
-            <a:endParaRPr lang="en-US" dirty="0"/>
-          </a:p>
-        </p:txBody>
-      </p:sp>
-      <p:sp>
-        <p:nvSpPr>
-          <p:cNvPr id="3" name="Content Placeholder 2"/>
-          <p:cNvSpPr>
-            <a:spLocks noGrp="1"/>
-          </p:cNvSpPr>
-          <p:nvPr>
-            <p:ph idx="1"/>
-          </p:nvPr>
-        </p:nvSpPr>
-        <p:spPr/>
-        <p:txBody>
-          <a:bodyPr/>
-          <a:lstStyle/>
-          <a:p>
-            <a:r>
-              <a:rPr lang="en-US" dirty="0" smtClean="0"/>
-              <a:t>Andy Chan</a:t>
-            </a:r>
-          </a:p>
-          <a:p>
-            <a:r>
-              <a:rPr lang="en-US" dirty="0" smtClean="0"/>
-              <a:t>Software Architect</a:t>
-            </a:r>
-          </a:p>
-          <a:p>
-            <a:r>
-              <a:rPr lang="en-US" dirty="0" smtClean="0"/>
-              <a:t>Co-Author of </a:t>
-            </a:r>
-            <a:r>
-              <a:rPr lang="en-US" dirty="0" err="1" smtClean="0"/>
-              <a:t>Apress</a:t>
-            </a:r>
-            <a:r>
-              <a:rPr lang="en-US" dirty="0" smtClean="0"/>
-              <a:t> Pro Spring Integration</a:t>
-            </a:r>
-          </a:p>
-          <a:p>
-            <a:r>
-              <a:rPr lang="en-US" dirty="0" smtClean="0"/>
-              <a:t>ISBN: 978-1-4302-3345-9</a:t>
-            </a:r>
-          </a:p>
-          <a:p>
-            <a:r>
-              <a:rPr lang="en-US" dirty="0" smtClean="0"/>
-              <a:t>Twitter: </a:t>
-            </a:r>
-            <a:r>
-              <a:rPr lang="en-US" dirty="0" err="1" smtClean="0"/>
-              <a:t>iceycake</a:t>
-            </a:r>
-            <a:endParaRPr lang="en-US" dirty="0" smtClean="0"/>
-          </a:p>
-          <a:p>
-            <a:r>
-              <a:rPr lang="en-US" dirty="0" smtClean="0"/>
-              <a:t>Skype</a:t>
-            </a:r>
-            <a:r>
-              <a:rPr lang="en-US" smtClean="0"/>
-              <a:t>: achan1218</a:t>
-            </a:r>
-            <a:endParaRPr lang="en-US" dirty="0" smtClean="0"/>
-          </a:p>
-          <a:p>
-            <a:pPr marL="0" indent="0">
-              <a:buNone/>
-            </a:pPr>
-            <a:endParaRPr lang="en-US" dirty="0" smtClean="0"/>
-          </a:p>
-          <a:p>
-            <a:endParaRPr lang="en-US" dirty="0"/>
-          </a:p>
-        </p:txBody>
-      </p:sp>
-      <p:pic>
-        <p:nvPicPr>
-          <p:cNvPr id="4" name="Picture 3" descr="Pro Spring Integration.png"/>
-          <p:cNvPicPr>
-            <a:picLocks noChangeAspect="1"/>
-          </p:cNvPicPr>
-          <p:nvPr/>
-        </p:nvPicPr>
-        <p:blipFill>
-          <a:blip r:embed="rId3">
-            <a:extLst>
-              <a:ext uri="{28A0092B-C50C-407E-A947-70E740481C1C}">
-                <a14:useLocalDpi xmlns:a14="http://schemas.microsoft.com/office/drawing/2010/main" val="0"/>
-              </a:ext>
-            </a:extLst>
-          </a:blip>
-          <a:stretch>
-            <a:fillRect/>
-          </a:stretch>
-        </p:blipFill>
-        <p:spPr>
-          <a:xfrm>
-            <a:off x="6445631" y="3380858"/>
-            <a:ext cx="2476147" cy="3477142"/>
-          </a:xfrm>
-          <a:prstGeom prst="rect">
-            <a:avLst/>
-          </a:prstGeom>
-        </p:spPr>
-      </p:pic>
-    </p:spTree>
-    <p:extLst>
-      <p:ext uri="{BB962C8B-B14F-4D97-AF65-F5344CB8AC3E}">
-        <p14:creationId xmlns:p14="http://schemas.microsoft.com/office/powerpoint/2010/main" val="842573620"/>
-      </p:ext>
-    </p:extLst>
-  </p:cSld>
-  <p:clrMapOvr>
-    <a:masterClrMapping/>
-  </p:clrMapOvr>
-  <p:timing>
-    <p:tnLst>
-      <p:par>
-        <p:cTn xmlns:p14="http://schemas.microsoft.com/office/powerpoint/2010/main" id="1" dur="indefinite" restart="never" nodeType="tmRoot"/>
-      </p:par>
-    </p:tnLst>
-  </p:timing>
-</p:sld>
-</file>
-
-<file path=ppt/slides/slide20.xml><?xml version="1.0" encoding="utf-8"?>
+<file path=ppt/slides/slide18.xml><?xml version="1.0" encoding="utf-8"?>
 <p:sld xmlns:a="http://schemas.openxmlformats.org/drawingml/2006/main" xmlns:r="http://schemas.openxmlformats.org/officeDocument/2006/relationships" xmlns:p="http://schemas.openxmlformats.org/presentationml/2006/main">
   <p:cSld>
     <p:spTree>
@@ -7594,14 +7113,14 @@
   <p:timing>
     <p:tnLst>
       <p:par>
-        <p:cTn xmlns:p14="http://schemas.microsoft.com/office/powerpoint/2010/main" id="1" dur="indefinite" restart="never" nodeType="tmRoot"/>
+        <p:cTn id="1" dur="indefinite" restart="never" nodeType="tmRoot"/>
       </p:par>
     </p:tnLst>
   </p:timing>
 </p:sld>
 </file>
 
-<file path=ppt/slides/slide21.xml><?xml version="1.0" encoding="utf-8"?>
+<file path=ppt/slides/slide19.xml><?xml version="1.0" encoding="utf-8"?>
 <p:sld xmlns:a="http://schemas.openxmlformats.org/drawingml/2006/main" xmlns:r="http://schemas.openxmlformats.org/officeDocument/2006/relationships" xmlns:p="http://schemas.openxmlformats.org/presentationml/2006/main">
   <p:cSld>
     <p:spTree>
@@ -7684,14 +7203,14 @@
   <p:timing>
     <p:tnLst>
       <p:par>
-        <p:cTn xmlns:p14="http://schemas.microsoft.com/office/powerpoint/2010/main" id="1" dur="indefinite" restart="never" nodeType="tmRoot"/>
+        <p:cTn id="1" dur="indefinite" restart="never" nodeType="tmRoot"/>
       </p:par>
     </p:tnLst>
   </p:timing>
 </p:sld>
 </file>
 
-<file path=ppt/slides/slide22.xml><?xml version="1.0" encoding="utf-8"?>
+<file path=ppt/slides/slide2.xml><?xml version="1.0" encoding="utf-8"?>
 <p:sld xmlns:a="http://schemas.openxmlformats.org/drawingml/2006/main" xmlns:r="http://schemas.openxmlformats.org/officeDocument/2006/relationships" xmlns:p="http://schemas.openxmlformats.org/presentationml/2006/main">
   <p:cSld>
     <p:spTree>
@@ -7725,1945 +7244,6 @@
           <a:p>
             <a:r>
               <a:rPr lang="en-US" dirty="0" smtClean="0"/>
-              <a:t>Maven &amp; Spring 3.0/3.1</a:t>
-            </a:r>
-            <a:endParaRPr lang="en-US" dirty="0"/>
-          </a:p>
-        </p:txBody>
-      </p:sp>
-      <p:pic>
-        <p:nvPicPr>
-          <p:cNvPr id="4" name="Content Placeholder 3" descr="Maven - Spring Dependencies.png"/>
-          <p:cNvPicPr>
-            <a:picLocks noGrp="1" noChangeAspect="1"/>
-          </p:cNvPicPr>
-          <p:nvPr>
-            <p:ph idx="1"/>
-          </p:nvPr>
-        </p:nvPicPr>
-        <p:blipFill>
-          <a:blip r:embed="rId3">
-            <a:extLst>
-              <a:ext uri="{28A0092B-C50C-407E-A947-70E740481C1C}">
-                <a14:useLocalDpi xmlns:a14="http://schemas.microsoft.com/office/drawing/2010/main" val="0"/>
-              </a:ext>
-            </a:extLst>
-          </a:blip>
-          <a:srcRect l="-16586" r="-16586"/>
-          <a:stretch>
-            <a:fillRect/>
-          </a:stretch>
-        </p:blipFill>
-        <p:spPr>
-          <a:xfrm>
-            <a:off x="1602225" y="1795738"/>
-            <a:ext cx="5939550" cy="3266524"/>
-          </a:xfrm>
-        </p:spPr>
-      </p:pic>
-    </p:spTree>
-    <p:extLst>
-      <p:ext uri="{BB962C8B-B14F-4D97-AF65-F5344CB8AC3E}">
-        <p14:creationId xmlns:p14="http://schemas.microsoft.com/office/powerpoint/2010/main" val="352196537"/>
-      </p:ext>
-    </p:extLst>
-  </p:cSld>
-  <p:clrMapOvr>
-    <a:masterClrMapping/>
-  </p:clrMapOvr>
-  <p:timing>
-    <p:tnLst>
-      <p:par>
-        <p:cTn xmlns:p14="http://schemas.microsoft.com/office/powerpoint/2010/main" id="1" dur="indefinite" restart="never" nodeType="tmRoot"/>
-      </p:par>
-    </p:tnLst>
-  </p:timing>
-</p:sld>
-</file>
-
-<file path=ppt/slides/slide23.xml><?xml version="1.0" encoding="utf-8"?>
-<p:sld xmlns:a="http://schemas.openxmlformats.org/drawingml/2006/main" xmlns:r="http://schemas.openxmlformats.org/officeDocument/2006/relationships" xmlns:p="http://schemas.openxmlformats.org/presentationml/2006/main">
-  <p:cSld>
-    <p:spTree>
-      <p:nvGrpSpPr>
-        <p:cNvPr id="1" name=""/>
-        <p:cNvGrpSpPr/>
-        <p:nvPr/>
-      </p:nvGrpSpPr>
-      <p:grpSpPr>
-        <a:xfrm>
-          <a:off x="0" y="0"/>
-          <a:ext cx="0" cy="0"/>
-          <a:chOff x="0" y="0"/>
-          <a:chExt cx="0" cy="0"/>
-        </a:xfrm>
-      </p:grpSpPr>
-      <p:sp>
-        <p:nvSpPr>
-          <p:cNvPr id="2" name="Title 1"/>
-          <p:cNvSpPr>
-            <a:spLocks noGrp="1"/>
-          </p:cNvSpPr>
-          <p:nvPr>
-            <p:ph type="title"/>
-          </p:nvPr>
-        </p:nvSpPr>
-        <p:spPr/>
-        <p:txBody>
-          <a:bodyPr/>
-          <a:lstStyle/>
-          <a:p>
-            <a:r>
-              <a:rPr lang="en-US" dirty="0" smtClean="0"/>
-              <a:t>Spring </a:t>
-            </a:r>
-            <a:r>
-              <a:rPr lang="en-US" dirty="0" err="1" smtClean="0"/>
-              <a:t>IoC</a:t>
-            </a:r>
-            <a:r>
-              <a:rPr lang="en-US" dirty="0" smtClean="0"/>
-              <a:t> Container</a:t>
-            </a:r>
-            <a:endParaRPr lang="en-US" dirty="0"/>
-          </a:p>
-        </p:txBody>
-      </p:sp>
-      <p:pic>
-        <p:nvPicPr>
-          <p:cNvPr id="4" name="Content Placeholder 3" descr="ReporterApp - Spring.png"/>
-          <p:cNvPicPr>
-            <a:picLocks noGrp="1" noChangeAspect="1"/>
-          </p:cNvPicPr>
-          <p:nvPr>
-            <p:ph idx="1"/>
-          </p:nvPr>
-        </p:nvPicPr>
-        <p:blipFill>
-          <a:blip r:embed="rId2">
-            <a:extLst>
-              <a:ext uri="{28A0092B-C50C-407E-A947-70E740481C1C}">
-                <a14:useLocalDpi xmlns:a14="http://schemas.microsoft.com/office/drawing/2010/main" val="0"/>
-              </a:ext>
-            </a:extLst>
-          </a:blip>
-          <a:srcRect t="-38727" b="-38727"/>
-          <a:stretch>
-            <a:fillRect/>
-          </a:stretch>
-        </p:blipFill>
-        <p:spPr/>
-      </p:pic>
-    </p:spTree>
-    <p:extLst>
-      <p:ext uri="{BB962C8B-B14F-4D97-AF65-F5344CB8AC3E}">
-        <p14:creationId xmlns:p14="http://schemas.microsoft.com/office/powerpoint/2010/main" val="1593691144"/>
-      </p:ext>
-    </p:extLst>
-  </p:cSld>
-  <p:clrMapOvr>
-    <a:masterClrMapping/>
-  </p:clrMapOvr>
-  <p:timing>
-    <p:tnLst>
-      <p:par>
-        <p:cTn xmlns:p14="http://schemas.microsoft.com/office/powerpoint/2010/main" id="1" dur="indefinite" restart="never" nodeType="tmRoot"/>
-      </p:par>
-    </p:tnLst>
-  </p:timing>
-</p:sld>
-</file>
-
-<file path=ppt/slides/slide24.xml><?xml version="1.0" encoding="utf-8"?>
-<p:sld xmlns:a="http://schemas.openxmlformats.org/drawingml/2006/main" xmlns:r="http://schemas.openxmlformats.org/officeDocument/2006/relationships" xmlns:p="http://schemas.openxmlformats.org/presentationml/2006/main">
-  <p:cSld>
-    <p:spTree>
-      <p:nvGrpSpPr>
-        <p:cNvPr id="1" name=""/>
-        <p:cNvGrpSpPr/>
-        <p:nvPr/>
-      </p:nvGrpSpPr>
-      <p:grpSpPr>
-        <a:xfrm>
-          <a:off x="0" y="0"/>
-          <a:ext cx="0" cy="0"/>
-          <a:chOff x="0" y="0"/>
-          <a:chExt cx="0" cy="0"/>
-        </a:xfrm>
-      </p:grpSpPr>
-      <p:sp>
-        <p:nvSpPr>
-          <p:cNvPr id="2" name="Title 1"/>
-          <p:cNvSpPr>
-            <a:spLocks noGrp="1"/>
-          </p:cNvSpPr>
-          <p:nvPr>
-            <p:ph type="title"/>
-          </p:nvPr>
-        </p:nvSpPr>
-        <p:spPr/>
-        <p:txBody>
-          <a:bodyPr/>
-          <a:lstStyle/>
-          <a:p>
-            <a:r>
-              <a:rPr lang="en-US" dirty="0" smtClean="0"/>
-              <a:t>Spring </a:t>
-            </a:r>
-            <a:r>
-              <a:rPr lang="en-US" dirty="0" err="1" smtClean="0"/>
-              <a:t>IoC</a:t>
-            </a:r>
-            <a:r>
-              <a:rPr lang="en-US" dirty="0" smtClean="0"/>
-              <a:t> Container</a:t>
-            </a:r>
-            <a:endParaRPr lang="en-US" dirty="0"/>
-          </a:p>
-        </p:txBody>
-      </p:sp>
-      <p:pic>
-        <p:nvPicPr>
-          <p:cNvPr id="4" name="Content Placeholder 3" descr="IoC - ApplicationContext.png"/>
-          <p:cNvPicPr>
-            <a:picLocks noGrp="1" noChangeAspect="1"/>
-          </p:cNvPicPr>
-          <p:nvPr>
-            <p:ph idx="1"/>
-          </p:nvPr>
-        </p:nvPicPr>
-        <p:blipFill>
-          <a:blip r:embed="rId3">
-            <a:extLst>
-              <a:ext uri="{28A0092B-C50C-407E-A947-70E740481C1C}">
-                <a14:useLocalDpi xmlns:a14="http://schemas.microsoft.com/office/drawing/2010/main" val="0"/>
-              </a:ext>
-            </a:extLst>
-          </a:blip>
-          <a:srcRect t="-46243" b="-46243"/>
-          <a:stretch>
-            <a:fillRect/>
-          </a:stretch>
-        </p:blipFill>
-        <p:spPr/>
-      </p:pic>
-    </p:spTree>
-    <p:extLst>
-      <p:ext uri="{BB962C8B-B14F-4D97-AF65-F5344CB8AC3E}">
-        <p14:creationId xmlns:p14="http://schemas.microsoft.com/office/powerpoint/2010/main" val="3651935560"/>
-      </p:ext>
-    </p:extLst>
-  </p:cSld>
-  <p:clrMapOvr>
-    <a:masterClrMapping/>
-  </p:clrMapOvr>
-  <p:timing>
-    <p:tnLst>
-      <p:par>
-        <p:cTn xmlns:p14="http://schemas.microsoft.com/office/powerpoint/2010/main" id="1" dur="indefinite" restart="never" nodeType="tmRoot"/>
-      </p:par>
-    </p:tnLst>
-  </p:timing>
-</p:sld>
-</file>
-
-<file path=ppt/slides/slide25.xml><?xml version="1.0" encoding="utf-8"?>
-<p:sld xmlns:a="http://schemas.openxmlformats.org/drawingml/2006/main" xmlns:r="http://schemas.openxmlformats.org/officeDocument/2006/relationships" xmlns:p="http://schemas.openxmlformats.org/presentationml/2006/main">
-  <p:cSld>
-    <p:spTree>
-      <p:nvGrpSpPr>
-        <p:cNvPr id="1" name=""/>
-        <p:cNvGrpSpPr/>
-        <p:nvPr/>
-      </p:nvGrpSpPr>
-      <p:grpSpPr>
-        <a:xfrm>
-          <a:off x="0" y="0"/>
-          <a:ext cx="0" cy="0"/>
-          <a:chOff x="0" y="0"/>
-          <a:chExt cx="0" cy="0"/>
-        </a:xfrm>
-      </p:grpSpPr>
-      <p:sp>
-        <p:nvSpPr>
-          <p:cNvPr id="2" name="Title 1"/>
-          <p:cNvSpPr>
-            <a:spLocks noGrp="1"/>
-          </p:cNvSpPr>
-          <p:nvPr>
-            <p:ph type="title"/>
-          </p:nvPr>
-        </p:nvSpPr>
-        <p:spPr/>
-        <p:txBody>
-          <a:bodyPr/>
-          <a:lstStyle/>
-          <a:p>
-            <a:r>
-              <a:rPr lang="en-US" dirty="0" smtClean="0"/>
-              <a:t>Bean Scopes</a:t>
-            </a:r>
-            <a:endParaRPr lang="en-US" dirty="0"/>
-          </a:p>
-        </p:txBody>
-      </p:sp>
-      <p:pic>
-        <p:nvPicPr>
-          <p:cNvPr id="4" name="Content Placeholder 3" descr="Bean Scope.png"/>
-          <p:cNvPicPr>
-            <a:picLocks noGrp="1" noChangeAspect="1"/>
-          </p:cNvPicPr>
-          <p:nvPr>
-            <p:ph idx="1"/>
-          </p:nvPr>
-        </p:nvPicPr>
-        <p:blipFill>
-          <a:blip r:embed="rId3">
-            <a:extLst>
-              <a:ext uri="{28A0092B-C50C-407E-A947-70E740481C1C}">
-                <a14:useLocalDpi xmlns:a14="http://schemas.microsoft.com/office/drawing/2010/main" val="0"/>
-              </a:ext>
-            </a:extLst>
-          </a:blip>
-          <a:srcRect t="-34799" b="-34799"/>
-          <a:stretch>
-            <a:fillRect/>
-          </a:stretch>
-        </p:blipFill>
-        <p:spPr/>
-      </p:pic>
-    </p:spTree>
-    <p:extLst>
-      <p:ext uri="{BB962C8B-B14F-4D97-AF65-F5344CB8AC3E}">
-        <p14:creationId xmlns:p14="http://schemas.microsoft.com/office/powerpoint/2010/main" val="2870620205"/>
-      </p:ext>
-    </p:extLst>
-  </p:cSld>
-  <p:clrMapOvr>
-    <a:masterClrMapping/>
-  </p:clrMapOvr>
-  <p:timing>
-    <p:tnLst>
-      <p:par>
-        <p:cTn xmlns:p14="http://schemas.microsoft.com/office/powerpoint/2010/main" id="1" dur="indefinite" restart="never" nodeType="tmRoot"/>
-      </p:par>
-    </p:tnLst>
-  </p:timing>
-</p:sld>
-</file>
-
-<file path=ppt/slides/slide26.xml><?xml version="1.0" encoding="utf-8"?>
-<p:sld xmlns:a="http://schemas.openxmlformats.org/drawingml/2006/main" xmlns:r="http://schemas.openxmlformats.org/officeDocument/2006/relationships" xmlns:p="http://schemas.openxmlformats.org/presentationml/2006/main">
-  <p:cSld>
-    <p:spTree>
-      <p:nvGrpSpPr>
-        <p:cNvPr id="1" name=""/>
-        <p:cNvGrpSpPr/>
-        <p:nvPr/>
-      </p:nvGrpSpPr>
-      <p:grpSpPr>
-        <a:xfrm>
-          <a:off x="0" y="0"/>
-          <a:ext cx="0" cy="0"/>
-          <a:chOff x="0" y="0"/>
-          <a:chExt cx="0" cy="0"/>
-        </a:xfrm>
-      </p:grpSpPr>
-      <p:sp>
-        <p:nvSpPr>
-          <p:cNvPr id="2" name="Title 1"/>
-          <p:cNvSpPr>
-            <a:spLocks noGrp="1"/>
-          </p:cNvSpPr>
-          <p:nvPr>
-            <p:ph type="title"/>
-          </p:nvPr>
-        </p:nvSpPr>
-        <p:spPr/>
-        <p:txBody>
-          <a:bodyPr/>
-          <a:lstStyle/>
-          <a:p>
-            <a:r>
-              <a:rPr lang="en-US" dirty="0" smtClean="0"/>
-              <a:t>Spring </a:t>
-            </a:r>
-            <a:r>
-              <a:rPr lang="en-US" dirty="0" err="1" smtClean="0"/>
-              <a:t>IoC</a:t>
-            </a:r>
-            <a:r>
-              <a:rPr lang="en-US" dirty="0" smtClean="0"/>
-              <a:t> Container</a:t>
-            </a:r>
-            <a:endParaRPr lang="en-US" dirty="0"/>
-          </a:p>
-        </p:txBody>
-      </p:sp>
-      <p:pic>
-        <p:nvPicPr>
-          <p:cNvPr id="4" name="Content Placeholder 3" descr="ReporterApp - 2.png"/>
-          <p:cNvPicPr>
-            <a:picLocks noGrp="1" noChangeAspect="1"/>
-          </p:cNvPicPr>
-          <p:nvPr>
-            <p:ph idx="1"/>
-          </p:nvPr>
-        </p:nvPicPr>
-        <p:blipFill>
-          <a:blip r:embed="rId2">
-            <a:extLst>
-              <a:ext uri="{28A0092B-C50C-407E-A947-70E740481C1C}">
-                <a14:useLocalDpi xmlns:a14="http://schemas.microsoft.com/office/drawing/2010/main" val="0"/>
-              </a:ext>
-            </a:extLst>
-          </a:blip>
-          <a:srcRect l="-4574" r="-4574"/>
-          <a:stretch>
-            <a:fillRect/>
-          </a:stretch>
-        </p:blipFill>
-        <p:spPr/>
-      </p:pic>
-    </p:spTree>
-    <p:extLst>
-      <p:ext uri="{BB962C8B-B14F-4D97-AF65-F5344CB8AC3E}">
-        <p14:creationId xmlns:p14="http://schemas.microsoft.com/office/powerpoint/2010/main" val="1930834261"/>
-      </p:ext>
-    </p:extLst>
-  </p:cSld>
-  <p:clrMapOvr>
-    <a:masterClrMapping/>
-  </p:clrMapOvr>
-  <p:timing>
-    <p:tnLst>
-      <p:par>
-        <p:cTn xmlns:p14="http://schemas.microsoft.com/office/powerpoint/2010/main" id="1" dur="indefinite" restart="never" nodeType="tmRoot"/>
-      </p:par>
-    </p:tnLst>
-  </p:timing>
-</p:sld>
-</file>
-
-<file path=ppt/slides/slide27.xml><?xml version="1.0" encoding="utf-8"?>
-<p:sld xmlns:a="http://schemas.openxmlformats.org/drawingml/2006/main" xmlns:r="http://schemas.openxmlformats.org/officeDocument/2006/relationships" xmlns:p="http://schemas.openxmlformats.org/presentationml/2006/main">
-  <p:cSld>
-    <p:spTree>
-      <p:nvGrpSpPr>
-        <p:cNvPr id="1" name=""/>
-        <p:cNvGrpSpPr/>
-        <p:nvPr/>
-      </p:nvGrpSpPr>
-      <p:grpSpPr>
-        <a:xfrm>
-          <a:off x="0" y="0"/>
-          <a:ext cx="0" cy="0"/>
-          <a:chOff x="0" y="0"/>
-          <a:chExt cx="0" cy="0"/>
-        </a:xfrm>
-      </p:grpSpPr>
-      <p:sp>
-        <p:nvSpPr>
-          <p:cNvPr id="2" name="Title 1"/>
-          <p:cNvSpPr>
-            <a:spLocks noGrp="1"/>
-          </p:cNvSpPr>
-          <p:nvPr>
-            <p:ph type="title"/>
-          </p:nvPr>
-        </p:nvSpPr>
-        <p:spPr/>
-        <p:txBody>
-          <a:bodyPr/>
-          <a:lstStyle/>
-          <a:p>
-            <a:r>
-              <a:rPr lang="en-US" dirty="0" smtClean="0"/>
-              <a:t>Spring </a:t>
-            </a:r>
-            <a:r>
-              <a:rPr lang="en-US" dirty="0" err="1" smtClean="0"/>
-              <a:t>IoC</a:t>
-            </a:r>
-            <a:r>
-              <a:rPr lang="en-US" dirty="0" smtClean="0"/>
-              <a:t> Container</a:t>
-            </a:r>
-            <a:endParaRPr lang="en-US" dirty="0"/>
-          </a:p>
-        </p:txBody>
-      </p:sp>
-      <p:pic>
-        <p:nvPicPr>
-          <p:cNvPr id="4" name="Content Placeholder 3" descr="Context - 2.png"/>
-          <p:cNvPicPr>
-            <a:picLocks noGrp="1" noChangeAspect="1"/>
-          </p:cNvPicPr>
-          <p:nvPr>
-            <p:ph idx="1"/>
-          </p:nvPr>
-        </p:nvPicPr>
-        <p:blipFill>
-          <a:blip r:embed="rId2">
-            <a:extLst>
-              <a:ext uri="{28A0092B-C50C-407E-A947-70E740481C1C}">
-                <a14:useLocalDpi xmlns:a14="http://schemas.microsoft.com/office/drawing/2010/main" val="0"/>
-              </a:ext>
-            </a:extLst>
-          </a:blip>
-          <a:srcRect t="-181876" b="-181876"/>
-          <a:stretch>
-            <a:fillRect/>
-          </a:stretch>
-        </p:blipFill>
-        <p:spPr/>
-      </p:pic>
-    </p:spTree>
-    <p:extLst>
-      <p:ext uri="{BB962C8B-B14F-4D97-AF65-F5344CB8AC3E}">
-        <p14:creationId xmlns:p14="http://schemas.microsoft.com/office/powerpoint/2010/main" val="1345651031"/>
-      </p:ext>
-    </p:extLst>
-  </p:cSld>
-  <p:clrMapOvr>
-    <a:masterClrMapping/>
-  </p:clrMapOvr>
-  <p:timing>
-    <p:tnLst>
-      <p:par>
-        <p:cTn xmlns:p14="http://schemas.microsoft.com/office/powerpoint/2010/main" id="1" dur="indefinite" restart="never" nodeType="tmRoot"/>
-      </p:par>
-    </p:tnLst>
-  </p:timing>
-</p:sld>
-</file>
-
-<file path=ppt/slides/slide28.xml><?xml version="1.0" encoding="utf-8"?>
-<p:sld xmlns:a="http://schemas.openxmlformats.org/drawingml/2006/main" xmlns:r="http://schemas.openxmlformats.org/officeDocument/2006/relationships" xmlns:p="http://schemas.openxmlformats.org/presentationml/2006/main">
-  <p:cSld>
-    <p:spTree>
-      <p:nvGrpSpPr>
-        <p:cNvPr id="1" name=""/>
-        <p:cNvGrpSpPr/>
-        <p:nvPr/>
-      </p:nvGrpSpPr>
-      <p:grpSpPr>
-        <a:xfrm>
-          <a:off x="0" y="0"/>
-          <a:ext cx="0" cy="0"/>
-          <a:chOff x="0" y="0"/>
-          <a:chExt cx="0" cy="0"/>
-        </a:xfrm>
-      </p:grpSpPr>
-      <p:sp>
-        <p:nvSpPr>
-          <p:cNvPr id="2" name="Title 1"/>
-          <p:cNvSpPr>
-            <a:spLocks noGrp="1"/>
-          </p:cNvSpPr>
-          <p:nvPr>
-            <p:ph type="title"/>
-          </p:nvPr>
-        </p:nvSpPr>
-        <p:spPr/>
-        <p:txBody>
-          <a:bodyPr/>
-          <a:lstStyle/>
-          <a:p>
-            <a:r>
-              <a:rPr lang="en-US" dirty="0" smtClean="0"/>
-              <a:t>Auto Wiring</a:t>
-            </a:r>
-            <a:endParaRPr lang="en-US" dirty="0"/>
-          </a:p>
-        </p:txBody>
-      </p:sp>
-      <p:pic>
-        <p:nvPicPr>
-          <p:cNvPr id="4" name="Content Placeholder 3" descr="ReporterApp - AutoWired.png"/>
-          <p:cNvPicPr>
-            <a:picLocks noGrp="1" noChangeAspect="1"/>
-          </p:cNvPicPr>
-          <p:nvPr>
-            <p:ph idx="1"/>
-          </p:nvPr>
-        </p:nvPicPr>
-        <p:blipFill>
-          <a:blip r:embed="rId2">
-            <a:extLst>
-              <a:ext uri="{28A0092B-C50C-407E-A947-70E740481C1C}">
-                <a14:useLocalDpi xmlns:a14="http://schemas.microsoft.com/office/drawing/2010/main" val="0"/>
-              </a:ext>
-            </a:extLst>
-          </a:blip>
-          <a:srcRect l="-4852" r="-4852"/>
-          <a:stretch>
-            <a:fillRect/>
-          </a:stretch>
-        </p:blipFill>
-        <p:spPr/>
-      </p:pic>
-    </p:spTree>
-    <p:extLst>
-      <p:ext uri="{BB962C8B-B14F-4D97-AF65-F5344CB8AC3E}">
-        <p14:creationId xmlns:p14="http://schemas.microsoft.com/office/powerpoint/2010/main" val="3423019798"/>
-      </p:ext>
-    </p:extLst>
-  </p:cSld>
-  <p:clrMapOvr>
-    <a:masterClrMapping/>
-  </p:clrMapOvr>
-  <p:timing>
-    <p:tnLst>
-      <p:par>
-        <p:cTn xmlns:p14="http://schemas.microsoft.com/office/powerpoint/2010/main" id="1" dur="indefinite" restart="never" nodeType="tmRoot"/>
-      </p:par>
-    </p:tnLst>
-  </p:timing>
-</p:sld>
-</file>
-
-<file path=ppt/slides/slide29.xml><?xml version="1.0" encoding="utf-8"?>
-<p:sld xmlns:a="http://schemas.openxmlformats.org/drawingml/2006/main" xmlns:r="http://schemas.openxmlformats.org/officeDocument/2006/relationships" xmlns:p="http://schemas.openxmlformats.org/presentationml/2006/main">
-  <p:cSld>
-    <p:spTree>
-      <p:nvGrpSpPr>
-        <p:cNvPr id="1" name=""/>
-        <p:cNvGrpSpPr/>
-        <p:nvPr/>
-      </p:nvGrpSpPr>
-      <p:grpSpPr>
-        <a:xfrm>
-          <a:off x="0" y="0"/>
-          <a:ext cx="0" cy="0"/>
-          <a:chOff x="0" y="0"/>
-          <a:chExt cx="0" cy="0"/>
-        </a:xfrm>
-      </p:grpSpPr>
-      <p:sp>
-        <p:nvSpPr>
-          <p:cNvPr id="2" name="Title 1"/>
-          <p:cNvSpPr>
-            <a:spLocks noGrp="1"/>
-          </p:cNvSpPr>
-          <p:nvPr>
-            <p:ph type="title"/>
-          </p:nvPr>
-        </p:nvSpPr>
-        <p:spPr/>
-        <p:txBody>
-          <a:bodyPr/>
-          <a:lstStyle/>
-          <a:p>
-            <a:r>
-              <a:rPr lang="en-US" dirty="0" smtClean="0"/>
-              <a:t>Auto Wiring (Cont’d)</a:t>
-            </a:r>
-            <a:endParaRPr lang="en-US" dirty="0"/>
-          </a:p>
-        </p:txBody>
-      </p:sp>
-      <p:pic>
-        <p:nvPicPr>
-          <p:cNvPr id="4" name="Content Placeholder 3" descr="Context - Autowired.png"/>
-          <p:cNvPicPr>
-            <a:picLocks noGrp="1" noChangeAspect="1"/>
-          </p:cNvPicPr>
-          <p:nvPr>
-            <p:ph idx="1"/>
-          </p:nvPr>
-        </p:nvPicPr>
-        <p:blipFill>
-          <a:blip r:embed="rId2">
-            <a:extLst>
-              <a:ext uri="{28A0092B-C50C-407E-A947-70E740481C1C}">
-                <a14:useLocalDpi xmlns:a14="http://schemas.microsoft.com/office/drawing/2010/main" val="0"/>
-              </a:ext>
-            </a:extLst>
-          </a:blip>
-          <a:srcRect t="-216817" b="-216817"/>
-          <a:stretch>
-            <a:fillRect/>
-          </a:stretch>
-        </p:blipFill>
-        <p:spPr/>
-      </p:pic>
-    </p:spTree>
-    <p:extLst>
-      <p:ext uri="{BB962C8B-B14F-4D97-AF65-F5344CB8AC3E}">
-        <p14:creationId xmlns:p14="http://schemas.microsoft.com/office/powerpoint/2010/main" val="29615334"/>
-      </p:ext>
-    </p:extLst>
-  </p:cSld>
-  <p:clrMapOvr>
-    <a:masterClrMapping/>
-  </p:clrMapOvr>
-  <p:timing>
-    <p:tnLst>
-      <p:par>
-        <p:cTn xmlns:p14="http://schemas.microsoft.com/office/powerpoint/2010/main" id="1" dur="indefinite" restart="never" nodeType="tmRoot"/>
-      </p:par>
-    </p:tnLst>
-  </p:timing>
-</p:sld>
-</file>
-
-<file path=ppt/slides/slide3.xml><?xml version="1.0" encoding="utf-8"?>
-<p:sld xmlns:a="http://schemas.openxmlformats.org/drawingml/2006/main" xmlns:r="http://schemas.openxmlformats.org/officeDocument/2006/relationships" xmlns:p="http://schemas.openxmlformats.org/presentationml/2006/main">
-  <p:cSld>
-    <p:spTree>
-      <p:nvGrpSpPr>
-        <p:cNvPr id="1" name=""/>
-        <p:cNvGrpSpPr/>
-        <p:nvPr/>
-      </p:nvGrpSpPr>
-      <p:grpSpPr>
-        <a:xfrm>
-          <a:off x="0" y="0"/>
-          <a:ext cx="0" cy="0"/>
-          <a:chOff x="0" y="0"/>
-          <a:chExt cx="0" cy="0"/>
-        </a:xfrm>
-      </p:grpSpPr>
-      <p:pic>
-        <p:nvPicPr>
-          <p:cNvPr id="4" name="Content Placeholder 3" descr="Pro Spring 3.png"/>
-          <p:cNvPicPr>
-            <a:picLocks noGrp="1" noChangeAspect="1"/>
-          </p:cNvPicPr>
-          <p:nvPr>
-            <p:ph idx="1"/>
-          </p:nvPr>
-        </p:nvPicPr>
-        <p:blipFill>
-          <a:blip r:embed="rId2">
-            <a:extLst>
-              <a:ext uri="{28A0092B-C50C-407E-A947-70E740481C1C}">
-                <a14:useLocalDpi xmlns:a14="http://schemas.microsoft.com/office/drawing/2010/main" val="0"/>
-              </a:ext>
-            </a:extLst>
-          </a:blip>
-          <a:srcRect l="-76569" r="-76569"/>
-          <a:stretch>
-            <a:fillRect/>
-          </a:stretch>
-        </p:blipFill>
-        <p:spPr>
-          <a:xfrm>
-            <a:off x="4907667" y="2897327"/>
-            <a:ext cx="5432660" cy="3228836"/>
-          </a:xfrm>
-        </p:spPr>
-      </p:pic>
-      <p:sp>
-        <p:nvSpPr>
-          <p:cNvPr id="5" name="Content Placeholder 2"/>
-          <p:cNvSpPr txBox="1">
-            <a:spLocks/>
-          </p:cNvSpPr>
-          <p:nvPr/>
-        </p:nvSpPr>
-        <p:spPr>
-          <a:xfrm>
-            <a:off x="457200" y="1600200"/>
-            <a:ext cx="8229600" cy="4525963"/>
-          </a:xfrm>
-          <a:prstGeom prst="rect">
-            <a:avLst/>
-          </a:prstGeom>
-        </p:spPr>
-        <p:txBody>
-          <a:bodyPr vert="horz" lIns="91440" tIns="45720" rIns="91440" bIns="45720" rtlCol="0">
-            <a:normAutofit/>
-          </a:bodyPr>
-          <a:lstStyle>
-            <a:lvl1pPr marL="342900" indent="-342900" algn="l" defTabSz="457200" rtl="0" eaLnBrk="1" latinLnBrk="0" hangingPunct="1">
-              <a:spcBef>
-                <a:spcPct val="20000"/>
-              </a:spcBef>
-              <a:buFont typeface="Arial"/>
-              <a:buChar char="•"/>
-              <a:defRPr sz="3200" kern="1200">
-                <a:solidFill>
-                  <a:schemeClr val="tx1"/>
-                </a:solidFill>
-                <a:latin typeface="+mn-lt"/>
-                <a:ea typeface="+mn-ea"/>
-                <a:cs typeface="+mn-cs"/>
-              </a:defRPr>
-            </a:lvl1pPr>
-            <a:lvl2pPr marL="742950" indent="-285750" algn="l" defTabSz="457200" rtl="0" eaLnBrk="1" latinLnBrk="0" hangingPunct="1">
-              <a:spcBef>
-                <a:spcPct val="20000"/>
-              </a:spcBef>
-              <a:buFont typeface="Arial"/>
-              <a:buChar char="–"/>
-              <a:defRPr sz="2800" kern="1200">
-                <a:solidFill>
-                  <a:schemeClr val="tx1"/>
-                </a:solidFill>
-                <a:latin typeface="+mn-lt"/>
-                <a:ea typeface="+mn-ea"/>
-                <a:cs typeface="+mn-cs"/>
-              </a:defRPr>
-            </a:lvl2pPr>
-            <a:lvl3pPr marL="1143000" indent="-228600" algn="l" defTabSz="457200" rtl="0" eaLnBrk="1" latinLnBrk="0" hangingPunct="1">
-              <a:spcBef>
-                <a:spcPct val="20000"/>
-              </a:spcBef>
-              <a:buFont typeface="Arial"/>
-              <a:buChar char="•"/>
-              <a:defRPr sz="2400" kern="1200">
-                <a:solidFill>
-                  <a:schemeClr val="tx1"/>
-                </a:solidFill>
-                <a:latin typeface="+mn-lt"/>
-                <a:ea typeface="+mn-ea"/>
-                <a:cs typeface="+mn-cs"/>
-              </a:defRPr>
-            </a:lvl3pPr>
-            <a:lvl4pPr marL="1600200" indent="-228600" algn="l" defTabSz="457200" rtl="0" eaLnBrk="1" latinLnBrk="0" hangingPunct="1">
-              <a:spcBef>
-                <a:spcPct val="20000"/>
-              </a:spcBef>
-              <a:buFont typeface="Arial"/>
-              <a:buChar char="–"/>
-              <a:defRPr sz="2000" kern="1200">
-                <a:solidFill>
-                  <a:schemeClr val="tx1"/>
-                </a:solidFill>
-                <a:latin typeface="+mn-lt"/>
-                <a:ea typeface="+mn-ea"/>
-                <a:cs typeface="+mn-cs"/>
-              </a:defRPr>
-            </a:lvl4pPr>
-            <a:lvl5pPr marL="2057400" indent="-228600" algn="l" defTabSz="457200" rtl="0" eaLnBrk="1" latinLnBrk="0" hangingPunct="1">
-              <a:spcBef>
-                <a:spcPct val="20000"/>
-              </a:spcBef>
-              <a:buFont typeface="Arial"/>
-              <a:buChar char="»"/>
-              <a:defRPr sz="2000" kern="1200">
-                <a:solidFill>
-                  <a:schemeClr val="tx1"/>
-                </a:solidFill>
-                <a:latin typeface="+mn-lt"/>
-                <a:ea typeface="+mn-ea"/>
-                <a:cs typeface="+mn-cs"/>
-              </a:defRPr>
-            </a:lvl5pPr>
-            <a:lvl6pPr marL="2514600" indent="-228600" algn="l" defTabSz="457200" rtl="0" eaLnBrk="1" latinLnBrk="0" hangingPunct="1">
-              <a:spcBef>
-                <a:spcPct val="20000"/>
-              </a:spcBef>
-              <a:buFont typeface="Arial"/>
-              <a:buChar char="•"/>
-              <a:defRPr sz="2000" kern="1200">
-                <a:solidFill>
-                  <a:schemeClr val="tx1"/>
-                </a:solidFill>
-                <a:latin typeface="+mn-lt"/>
-                <a:ea typeface="+mn-ea"/>
-                <a:cs typeface="+mn-cs"/>
-              </a:defRPr>
-            </a:lvl6pPr>
-            <a:lvl7pPr marL="2971800" indent="-228600" algn="l" defTabSz="457200" rtl="0" eaLnBrk="1" latinLnBrk="0" hangingPunct="1">
-              <a:spcBef>
-                <a:spcPct val="20000"/>
-              </a:spcBef>
-              <a:buFont typeface="Arial"/>
-              <a:buChar char="•"/>
-              <a:defRPr sz="2000" kern="1200">
-                <a:solidFill>
-                  <a:schemeClr val="tx1"/>
-                </a:solidFill>
-                <a:latin typeface="+mn-lt"/>
-                <a:ea typeface="+mn-ea"/>
-                <a:cs typeface="+mn-cs"/>
-              </a:defRPr>
-            </a:lvl7pPr>
-            <a:lvl8pPr marL="3429000" indent="-228600" algn="l" defTabSz="457200" rtl="0" eaLnBrk="1" latinLnBrk="0" hangingPunct="1">
-              <a:spcBef>
-                <a:spcPct val="20000"/>
-              </a:spcBef>
-              <a:buFont typeface="Arial"/>
-              <a:buChar char="•"/>
-              <a:defRPr sz="2000" kern="1200">
-                <a:solidFill>
-                  <a:schemeClr val="tx1"/>
-                </a:solidFill>
-                <a:latin typeface="+mn-lt"/>
-                <a:ea typeface="+mn-ea"/>
-                <a:cs typeface="+mn-cs"/>
-              </a:defRPr>
-            </a:lvl8pPr>
-            <a:lvl9pPr marL="3886200" indent="-228600" algn="l" defTabSz="457200" rtl="0" eaLnBrk="1" latinLnBrk="0" hangingPunct="1">
-              <a:spcBef>
-                <a:spcPct val="20000"/>
-              </a:spcBef>
-              <a:buFont typeface="Arial"/>
-              <a:buChar char="•"/>
-              <a:defRPr sz="2000" kern="1200">
-                <a:solidFill>
-                  <a:schemeClr val="tx1"/>
-                </a:solidFill>
-                <a:latin typeface="+mn-lt"/>
-                <a:ea typeface="+mn-ea"/>
-                <a:cs typeface="+mn-cs"/>
-              </a:defRPr>
-            </a:lvl9pPr>
-          </a:lstStyle>
-          <a:p>
-            <a:r>
-              <a:rPr lang="en-US" dirty="0" smtClean="0"/>
-              <a:t>Pro Spring 3</a:t>
-            </a:r>
-          </a:p>
-          <a:p>
-            <a:r>
-              <a:rPr lang="en-US" dirty="0" smtClean="0"/>
-              <a:t>Clarence Ho, Rob </a:t>
-            </a:r>
-            <a:r>
-              <a:rPr lang="en-US" dirty="0" err="1" smtClean="0"/>
-              <a:t>Harrop</a:t>
-            </a:r>
-            <a:endParaRPr lang="en-US" dirty="0" smtClean="0"/>
-          </a:p>
-          <a:p>
-            <a:r>
-              <a:rPr lang="en-US" dirty="0" smtClean="0"/>
-              <a:t>Published April 18, 2012</a:t>
-            </a:r>
-          </a:p>
-          <a:p>
-            <a:r>
-              <a:rPr lang="en-US" dirty="0" smtClean="0"/>
-              <a:t>ISBN: 978-1-4302-4107-2</a:t>
-            </a:r>
-          </a:p>
-          <a:p>
-            <a:r>
-              <a:rPr lang="en-US" dirty="0" smtClean="0"/>
-              <a:t>Spring 3.0 &amp; 3.1</a:t>
-            </a:r>
-          </a:p>
-          <a:p>
-            <a:pPr marL="0" indent="0">
-              <a:buFont typeface="Arial"/>
-              <a:buNone/>
-            </a:pPr>
-            <a:endParaRPr lang="en-US" dirty="0" smtClean="0"/>
-          </a:p>
-          <a:p>
-            <a:endParaRPr lang="en-US" dirty="0"/>
-          </a:p>
-        </p:txBody>
-      </p:sp>
-    </p:spTree>
-    <p:extLst>
-      <p:ext uri="{BB962C8B-B14F-4D97-AF65-F5344CB8AC3E}">
-        <p14:creationId xmlns:p14="http://schemas.microsoft.com/office/powerpoint/2010/main" val="2673388275"/>
-      </p:ext>
-    </p:extLst>
-  </p:cSld>
-  <p:clrMapOvr>
-    <a:masterClrMapping/>
-  </p:clrMapOvr>
-  <p:timing>
-    <p:tnLst>
-      <p:par>
-        <p:cTn xmlns:p14="http://schemas.microsoft.com/office/powerpoint/2010/main" id="1" dur="indefinite" restart="never" nodeType="tmRoot"/>
-      </p:par>
-    </p:tnLst>
-  </p:timing>
-</p:sld>
-</file>
-
-<file path=ppt/slides/slide30.xml><?xml version="1.0" encoding="utf-8"?>
-<p:sld xmlns:a="http://schemas.openxmlformats.org/drawingml/2006/main" xmlns:r="http://schemas.openxmlformats.org/officeDocument/2006/relationships" xmlns:p="http://schemas.openxmlformats.org/presentationml/2006/main">
-  <p:cSld>
-    <p:spTree>
-      <p:nvGrpSpPr>
-        <p:cNvPr id="1" name=""/>
-        <p:cNvGrpSpPr/>
-        <p:nvPr/>
-      </p:nvGrpSpPr>
-      <p:grpSpPr>
-        <a:xfrm>
-          <a:off x="0" y="0"/>
-          <a:ext cx="0" cy="0"/>
-          <a:chOff x="0" y="0"/>
-          <a:chExt cx="0" cy="0"/>
-        </a:xfrm>
-      </p:grpSpPr>
-      <p:sp>
-        <p:nvSpPr>
-          <p:cNvPr id="2" name="Title 1"/>
-          <p:cNvSpPr>
-            <a:spLocks noGrp="1"/>
-          </p:cNvSpPr>
-          <p:nvPr>
-            <p:ph type="title"/>
-          </p:nvPr>
-        </p:nvSpPr>
-        <p:spPr/>
-        <p:txBody>
-          <a:bodyPr/>
-          <a:lstStyle/>
-          <a:p>
-            <a:r>
-              <a:rPr lang="en-US" dirty="0" smtClean="0"/>
-              <a:t>Auto Discovery</a:t>
-            </a:r>
-            <a:endParaRPr lang="en-US" dirty="0"/>
-          </a:p>
-        </p:txBody>
-      </p:sp>
-      <p:pic>
-        <p:nvPicPr>
-          <p:cNvPr id="4" name="Content Placeholder 3" descr="Context - Auto Discovery.png"/>
-          <p:cNvPicPr>
-            <a:picLocks noGrp="1" noChangeAspect="1"/>
-          </p:cNvPicPr>
-          <p:nvPr>
-            <p:ph idx="1"/>
-          </p:nvPr>
-        </p:nvPicPr>
-        <p:blipFill>
-          <a:blip r:embed="rId3">
-            <a:extLst>
-              <a:ext uri="{28A0092B-C50C-407E-A947-70E740481C1C}">
-                <a14:useLocalDpi xmlns:a14="http://schemas.microsoft.com/office/drawing/2010/main" val="0"/>
-              </a:ext>
-            </a:extLst>
-          </a:blip>
-          <a:srcRect t="-39827" b="-39827"/>
-          <a:stretch>
-            <a:fillRect/>
-          </a:stretch>
-        </p:blipFill>
-        <p:spPr/>
-      </p:pic>
-    </p:spTree>
-    <p:extLst>
-      <p:ext uri="{BB962C8B-B14F-4D97-AF65-F5344CB8AC3E}">
-        <p14:creationId xmlns:p14="http://schemas.microsoft.com/office/powerpoint/2010/main" val="636896017"/>
-      </p:ext>
-    </p:extLst>
-  </p:cSld>
-  <p:clrMapOvr>
-    <a:masterClrMapping/>
-  </p:clrMapOvr>
-  <p:timing>
-    <p:tnLst>
-      <p:par>
-        <p:cTn xmlns:p14="http://schemas.microsoft.com/office/powerpoint/2010/main" id="1" dur="indefinite" restart="never" nodeType="tmRoot"/>
-      </p:par>
-    </p:tnLst>
-  </p:timing>
-</p:sld>
-</file>
-
-<file path=ppt/slides/slide31.xml><?xml version="1.0" encoding="utf-8"?>
-<p:sld xmlns:a="http://schemas.openxmlformats.org/drawingml/2006/main" xmlns:r="http://schemas.openxmlformats.org/officeDocument/2006/relationships" xmlns:p="http://schemas.openxmlformats.org/presentationml/2006/main">
-  <p:cSld>
-    <p:spTree>
-      <p:nvGrpSpPr>
-        <p:cNvPr id="1" name=""/>
-        <p:cNvGrpSpPr/>
-        <p:nvPr/>
-      </p:nvGrpSpPr>
-      <p:grpSpPr>
-        <a:xfrm>
-          <a:off x="0" y="0"/>
-          <a:ext cx="0" cy="0"/>
-          <a:chOff x="0" y="0"/>
-          <a:chExt cx="0" cy="0"/>
-        </a:xfrm>
-      </p:grpSpPr>
-      <p:sp>
-        <p:nvSpPr>
-          <p:cNvPr id="2" name="Title 1"/>
-          <p:cNvSpPr>
-            <a:spLocks noGrp="1"/>
-          </p:cNvSpPr>
-          <p:nvPr>
-            <p:ph type="title"/>
-          </p:nvPr>
-        </p:nvSpPr>
-        <p:spPr/>
-        <p:txBody>
-          <a:bodyPr/>
-          <a:lstStyle/>
-          <a:p>
-            <a:r>
-              <a:rPr lang="en-US" dirty="0" smtClean="0"/>
-              <a:t>Auto Discovery (Cont’d)</a:t>
-            </a:r>
-            <a:endParaRPr lang="en-US" dirty="0"/>
-          </a:p>
-        </p:txBody>
-      </p:sp>
-      <p:pic>
-        <p:nvPicPr>
-          <p:cNvPr id="4" name="Content Placeholder 3" descr="CSVReporter - Auto Discovery.png"/>
-          <p:cNvPicPr>
-            <a:picLocks noGrp="1" noChangeAspect="1"/>
-          </p:cNvPicPr>
-          <p:nvPr>
-            <p:ph idx="1"/>
-          </p:nvPr>
-        </p:nvPicPr>
-        <p:blipFill>
-          <a:blip r:embed="rId2">
-            <a:extLst>
-              <a:ext uri="{28A0092B-C50C-407E-A947-70E740481C1C}">
-                <a14:useLocalDpi xmlns:a14="http://schemas.microsoft.com/office/drawing/2010/main" val="0"/>
-              </a:ext>
-            </a:extLst>
-          </a:blip>
-          <a:srcRect t="-8663" b="-8663"/>
-          <a:stretch>
-            <a:fillRect/>
-          </a:stretch>
-        </p:blipFill>
-        <p:spPr>
-          <a:xfrm>
-            <a:off x="1388406" y="1678146"/>
-            <a:ext cx="6367188" cy="3501708"/>
-          </a:xfrm>
-        </p:spPr>
-      </p:pic>
-    </p:spTree>
-    <p:extLst>
-      <p:ext uri="{BB962C8B-B14F-4D97-AF65-F5344CB8AC3E}">
-        <p14:creationId xmlns:p14="http://schemas.microsoft.com/office/powerpoint/2010/main" val="1831374277"/>
-      </p:ext>
-    </p:extLst>
-  </p:cSld>
-  <p:clrMapOvr>
-    <a:masterClrMapping/>
-  </p:clrMapOvr>
-  <p:timing>
-    <p:tnLst>
-      <p:par>
-        <p:cTn xmlns:p14="http://schemas.microsoft.com/office/powerpoint/2010/main" id="1" dur="indefinite" restart="never" nodeType="tmRoot"/>
-      </p:par>
-    </p:tnLst>
-  </p:timing>
-</p:sld>
-</file>
-
-<file path=ppt/slides/slide32.xml><?xml version="1.0" encoding="utf-8"?>
-<p:sld xmlns:a="http://schemas.openxmlformats.org/drawingml/2006/main" xmlns:r="http://schemas.openxmlformats.org/officeDocument/2006/relationships" xmlns:p="http://schemas.openxmlformats.org/presentationml/2006/main">
-  <p:cSld>
-    <p:spTree>
-      <p:nvGrpSpPr>
-        <p:cNvPr id="1" name=""/>
-        <p:cNvGrpSpPr/>
-        <p:nvPr/>
-      </p:nvGrpSpPr>
-      <p:grpSpPr>
-        <a:xfrm>
-          <a:off x="0" y="0"/>
-          <a:ext cx="0" cy="0"/>
-          <a:chOff x="0" y="0"/>
-          <a:chExt cx="0" cy="0"/>
-        </a:xfrm>
-      </p:grpSpPr>
-      <p:sp>
-        <p:nvSpPr>
-          <p:cNvPr id="2" name="Title 1"/>
-          <p:cNvSpPr>
-            <a:spLocks noGrp="1"/>
-          </p:cNvSpPr>
-          <p:nvPr>
-            <p:ph type="title"/>
-          </p:nvPr>
-        </p:nvSpPr>
-        <p:spPr/>
-        <p:txBody>
-          <a:bodyPr/>
-          <a:lstStyle/>
-          <a:p>
-            <a:r>
-              <a:rPr lang="en-US" dirty="0" smtClean="0"/>
-              <a:t>Auto Discovery (Cont’d)</a:t>
-            </a:r>
-            <a:endParaRPr lang="en-US" dirty="0"/>
-          </a:p>
-        </p:txBody>
-      </p:sp>
-      <p:pic>
-        <p:nvPicPr>
-          <p:cNvPr id="4" name="Content Placeholder 3"/>
-          <p:cNvPicPr>
-            <a:picLocks noGrp="1" noChangeAspect="1"/>
-          </p:cNvPicPr>
-          <p:nvPr>
-            <p:ph idx="1"/>
-          </p:nvPr>
-        </p:nvPicPr>
-        <p:blipFill>
-          <a:blip r:embed="rId3">
-            <a:extLst>
-              <a:ext uri="{28A0092B-C50C-407E-A947-70E740481C1C}">
-                <a14:useLocalDpi xmlns:a14="http://schemas.microsoft.com/office/drawing/2010/main" val="0"/>
-              </a:ext>
-            </a:extLst>
-          </a:blip>
-          <a:srcRect/>
-          <a:stretch>
-            <a:fillRect/>
-          </a:stretch>
-        </p:blipFill>
-        <p:spPr>
-          <a:xfrm>
-            <a:off x="457200" y="1734837"/>
-            <a:ext cx="8229600" cy="4256689"/>
-          </a:xfrm>
-        </p:spPr>
-      </p:pic>
-    </p:spTree>
-    <p:extLst>
-      <p:ext uri="{BB962C8B-B14F-4D97-AF65-F5344CB8AC3E}">
-        <p14:creationId xmlns:p14="http://schemas.microsoft.com/office/powerpoint/2010/main" val="3418974121"/>
-      </p:ext>
-    </p:extLst>
-  </p:cSld>
-  <p:clrMapOvr>
-    <a:masterClrMapping/>
-  </p:clrMapOvr>
-  <p:timing>
-    <p:tnLst>
-      <p:par>
-        <p:cTn xmlns:p14="http://schemas.microsoft.com/office/powerpoint/2010/main" id="1" dur="indefinite" restart="never" nodeType="tmRoot"/>
-      </p:par>
-    </p:tnLst>
-  </p:timing>
-</p:sld>
-</file>
-
-<file path=ppt/slides/slide33.xml><?xml version="1.0" encoding="utf-8"?>
-<p:sld xmlns:a="http://schemas.openxmlformats.org/drawingml/2006/main" xmlns:r="http://schemas.openxmlformats.org/officeDocument/2006/relationships" xmlns:p="http://schemas.openxmlformats.org/presentationml/2006/main">
-  <p:cSld>
-    <p:spTree>
-      <p:nvGrpSpPr>
-        <p:cNvPr id="1" name=""/>
-        <p:cNvGrpSpPr/>
-        <p:nvPr/>
-      </p:nvGrpSpPr>
-      <p:grpSpPr>
-        <a:xfrm>
-          <a:off x="0" y="0"/>
-          <a:ext cx="0" cy="0"/>
-          <a:chOff x="0" y="0"/>
-          <a:chExt cx="0" cy="0"/>
-        </a:xfrm>
-      </p:grpSpPr>
-      <p:sp>
-        <p:nvSpPr>
-          <p:cNvPr id="2" name="Title 1"/>
-          <p:cNvSpPr>
-            <a:spLocks noGrp="1"/>
-          </p:cNvSpPr>
-          <p:nvPr>
-            <p:ph type="title"/>
-          </p:nvPr>
-        </p:nvSpPr>
-        <p:spPr/>
-        <p:txBody>
-          <a:bodyPr/>
-          <a:lstStyle/>
-          <a:p>
-            <a:r>
-              <a:rPr lang="en-US" dirty="0" smtClean="0"/>
-              <a:t>Constructor</a:t>
-            </a:r>
-            <a:endParaRPr lang="en-US" dirty="0"/>
-          </a:p>
-        </p:txBody>
-      </p:sp>
-      <p:pic>
-        <p:nvPicPr>
-          <p:cNvPr id="4" name="Content Placeholder 3" descr="ReporterApp - Constructor.png"/>
-          <p:cNvPicPr>
-            <a:picLocks noGrp="1" noChangeAspect="1"/>
-          </p:cNvPicPr>
-          <p:nvPr>
-            <p:ph idx="1"/>
-          </p:nvPr>
-        </p:nvPicPr>
-        <p:blipFill>
-          <a:blip r:embed="rId2">
-            <a:extLst>
-              <a:ext uri="{28A0092B-C50C-407E-A947-70E740481C1C}">
-                <a14:useLocalDpi xmlns:a14="http://schemas.microsoft.com/office/drawing/2010/main" val="0"/>
-              </a:ext>
-            </a:extLst>
-          </a:blip>
-          <a:srcRect t="-5226" b="-5226"/>
-          <a:stretch>
-            <a:fillRect/>
-          </a:stretch>
-        </p:blipFill>
-        <p:spPr/>
-      </p:pic>
-    </p:spTree>
-    <p:extLst>
-      <p:ext uri="{BB962C8B-B14F-4D97-AF65-F5344CB8AC3E}">
-        <p14:creationId xmlns:p14="http://schemas.microsoft.com/office/powerpoint/2010/main" val="1625794875"/>
-      </p:ext>
-    </p:extLst>
-  </p:cSld>
-  <p:clrMapOvr>
-    <a:masterClrMapping/>
-  </p:clrMapOvr>
-  <p:timing>
-    <p:tnLst>
-      <p:par>
-        <p:cTn xmlns:p14="http://schemas.microsoft.com/office/powerpoint/2010/main" id="1" dur="indefinite" restart="never" nodeType="tmRoot"/>
-      </p:par>
-    </p:tnLst>
-  </p:timing>
-</p:sld>
-</file>
-
-<file path=ppt/slides/slide34.xml><?xml version="1.0" encoding="utf-8"?>
-<p:sld xmlns:a="http://schemas.openxmlformats.org/drawingml/2006/main" xmlns:r="http://schemas.openxmlformats.org/officeDocument/2006/relationships" xmlns:p="http://schemas.openxmlformats.org/presentationml/2006/main">
-  <p:cSld>
-    <p:spTree>
-      <p:nvGrpSpPr>
-        <p:cNvPr id="1" name=""/>
-        <p:cNvGrpSpPr/>
-        <p:nvPr/>
-      </p:nvGrpSpPr>
-      <p:grpSpPr>
-        <a:xfrm>
-          <a:off x="0" y="0"/>
-          <a:ext cx="0" cy="0"/>
-          <a:chOff x="0" y="0"/>
-          <a:chExt cx="0" cy="0"/>
-        </a:xfrm>
-      </p:grpSpPr>
-      <p:sp>
-        <p:nvSpPr>
-          <p:cNvPr id="2" name="Title 1"/>
-          <p:cNvSpPr>
-            <a:spLocks noGrp="1"/>
-          </p:cNvSpPr>
-          <p:nvPr>
-            <p:ph type="title"/>
-          </p:nvPr>
-        </p:nvSpPr>
-        <p:spPr/>
-        <p:txBody>
-          <a:bodyPr/>
-          <a:lstStyle/>
-          <a:p>
-            <a:r>
-              <a:rPr lang="en-US" dirty="0" smtClean="0"/>
-              <a:t>Constructor (Cont’d)</a:t>
-            </a:r>
-            <a:endParaRPr lang="en-US" dirty="0"/>
-          </a:p>
-        </p:txBody>
-      </p:sp>
-      <p:pic>
-        <p:nvPicPr>
-          <p:cNvPr id="4" name="Content Placeholder 3" descr="Context - Constructor.png"/>
-          <p:cNvPicPr>
-            <a:picLocks noGrp="1" noChangeAspect="1"/>
-          </p:cNvPicPr>
-          <p:nvPr>
-            <p:ph idx="1"/>
-          </p:nvPr>
-        </p:nvPicPr>
-        <p:blipFill>
-          <a:blip r:embed="rId2">
-            <a:extLst>
-              <a:ext uri="{28A0092B-C50C-407E-A947-70E740481C1C}">
-                <a14:useLocalDpi xmlns:a14="http://schemas.microsoft.com/office/drawing/2010/main" val="0"/>
-              </a:ext>
-            </a:extLst>
-          </a:blip>
-          <a:srcRect t="-175118" b="-175118"/>
-          <a:stretch>
-            <a:fillRect/>
-          </a:stretch>
-        </p:blipFill>
-        <p:spPr/>
-      </p:pic>
-    </p:spTree>
-    <p:extLst>
-      <p:ext uri="{BB962C8B-B14F-4D97-AF65-F5344CB8AC3E}">
-        <p14:creationId xmlns:p14="http://schemas.microsoft.com/office/powerpoint/2010/main" val="1562893742"/>
-      </p:ext>
-    </p:extLst>
-  </p:cSld>
-  <p:clrMapOvr>
-    <a:masterClrMapping/>
-  </p:clrMapOvr>
-  <p:timing>
-    <p:tnLst>
-      <p:par>
-        <p:cTn xmlns:p14="http://schemas.microsoft.com/office/powerpoint/2010/main" id="1" dur="indefinite" restart="never" nodeType="tmRoot"/>
-      </p:par>
-    </p:tnLst>
-  </p:timing>
-</p:sld>
-</file>
-
-<file path=ppt/slides/slide35.xml><?xml version="1.0" encoding="utf-8"?>
-<p:sld xmlns:a="http://schemas.openxmlformats.org/drawingml/2006/main" xmlns:r="http://schemas.openxmlformats.org/officeDocument/2006/relationships" xmlns:p="http://schemas.openxmlformats.org/presentationml/2006/main">
-  <p:cSld>
-    <p:spTree>
-      <p:nvGrpSpPr>
-        <p:cNvPr id="1" name=""/>
-        <p:cNvGrpSpPr/>
-        <p:nvPr/>
-      </p:nvGrpSpPr>
-      <p:grpSpPr>
-        <a:xfrm>
-          <a:off x="0" y="0"/>
-          <a:ext cx="0" cy="0"/>
-          <a:chOff x="0" y="0"/>
-          <a:chExt cx="0" cy="0"/>
-        </a:xfrm>
-      </p:grpSpPr>
-      <p:sp>
-        <p:nvSpPr>
-          <p:cNvPr id="2" name="Title 1"/>
-          <p:cNvSpPr>
-            <a:spLocks noGrp="1"/>
-          </p:cNvSpPr>
-          <p:nvPr>
-            <p:ph type="title"/>
-          </p:nvPr>
-        </p:nvSpPr>
-        <p:spPr/>
-        <p:txBody>
-          <a:bodyPr/>
-          <a:lstStyle/>
-          <a:p>
-            <a:r>
-              <a:rPr lang="en-US" dirty="0" smtClean="0"/>
-              <a:t>XML Based Configuration</a:t>
-            </a:r>
-            <a:endParaRPr lang="en-US" dirty="0"/>
-          </a:p>
-        </p:txBody>
-      </p:sp>
-      <p:sp>
-        <p:nvSpPr>
-          <p:cNvPr id="3" name="Content Placeholder 2"/>
-          <p:cNvSpPr>
-            <a:spLocks noGrp="1"/>
-          </p:cNvSpPr>
-          <p:nvPr>
-            <p:ph idx="1"/>
-          </p:nvPr>
-        </p:nvSpPr>
-        <p:spPr/>
-        <p:txBody>
-          <a:bodyPr/>
-          <a:lstStyle/>
-          <a:p>
-            <a:r>
-              <a:rPr lang="en-US" dirty="0" smtClean="0"/>
-              <a:t>“XML Programming”</a:t>
-            </a:r>
-          </a:p>
-          <a:p>
-            <a:r>
-              <a:rPr lang="en-US" dirty="0" smtClean="0"/>
-              <a:t>No Unit Testing</a:t>
-            </a:r>
-          </a:p>
-          <a:p>
-            <a:r>
-              <a:rPr lang="en-US" dirty="0" smtClean="0"/>
-              <a:t>Error Message is not Helpful</a:t>
-            </a:r>
-          </a:p>
-          <a:p>
-            <a:r>
-              <a:rPr lang="en-US" dirty="0" smtClean="0"/>
-              <a:t>Difficult to Catch Typo</a:t>
-            </a:r>
-          </a:p>
-          <a:p>
-            <a:r>
-              <a:rPr lang="en-US" dirty="0" smtClean="0"/>
-              <a:t>Difficult to Troubleshoot</a:t>
-            </a:r>
-          </a:p>
-          <a:p>
-            <a:endParaRPr lang="en-US" dirty="0" smtClean="0"/>
-          </a:p>
-          <a:p>
-            <a:endParaRPr lang="en-US" dirty="0"/>
-          </a:p>
-        </p:txBody>
-      </p:sp>
-    </p:spTree>
-    <p:extLst>
-      <p:ext uri="{BB962C8B-B14F-4D97-AF65-F5344CB8AC3E}">
-        <p14:creationId xmlns:p14="http://schemas.microsoft.com/office/powerpoint/2010/main" val="3700004050"/>
-      </p:ext>
-    </p:extLst>
-  </p:cSld>
-  <p:clrMapOvr>
-    <a:masterClrMapping/>
-  </p:clrMapOvr>
-  <p:timing>
-    <p:tnLst>
-      <p:par>
-        <p:cTn xmlns:p14="http://schemas.microsoft.com/office/powerpoint/2010/main" id="1" dur="indefinite" restart="never" nodeType="tmRoot"/>
-      </p:par>
-    </p:tnLst>
-  </p:timing>
-</p:sld>
-</file>
-
-<file path=ppt/slides/slide36.xml><?xml version="1.0" encoding="utf-8"?>
-<p:sld xmlns:a="http://schemas.openxmlformats.org/drawingml/2006/main" xmlns:r="http://schemas.openxmlformats.org/officeDocument/2006/relationships" xmlns:p="http://schemas.openxmlformats.org/presentationml/2006/main">
-  <p:cSld>
-    <p:spTree>
-      <p:nvGrpSpPr>
-        <p:cNvPr id="1" name=""/>
-        <p:cNvGrpSpPr/>
-        <p:nvPr/>
-      </p:nvGrpSpPr>
-      <p:grpSpPr>
-        <a:xfrm>
-          <a:off x="0" y="0"/>
-          <a:ext cx="0" cy="0"/>
-          <a:chOff x="0" y="0"/>
-          <a:chExt cx="0" cy="0"/>
-        </a:xfrm>
-      </p:grpSpPr>
-      <p:sp>
-        <p:nvSpPr>
-          <p:cNvPr id="2" name="Title 1"/>
-          <p:cNvSpPr>
-            <a:spLocks noGrp="1"/>
-          </p:cNvSpPr>
-          <p:nvPr>
-            <p:ph type="title"/>
-          </p:nvPr>
-        </p:nvSpPr>
-        <p:spPr/>
-        <p:txBody>
-          <a:bodyPr/>
-          <a:lstStyle/>
-          <a:p>
-            <a:r>
-              <a:rPr lang="en-US" dirty="0" err="1" smtClean="0"/>
-              <a:t>JavaConfig</a:t>
-            </a:r>
-            <a:endParaRPr lang="en-US" dirty="0"/>
-          </a:p>
-        </p:txBody>
-      </p:sp>
-      <p:sp>
-        <p:nvSpPr>
-          <p:cNvPr id="3" name="Content Placeholder 2"/>
-          <p:cNvSpPr>
-            <a:spLocks noGrp="1"/>
-          </p:cNvSpPr>
-          <p:nvPr>
-            <p:ph idx="1"/>
-          </p:nvPr>
-        </p:nvSpPr>
-        <p:spPr/>
-        <p:txBody>
-          <a:bodyPr/>
-          <a:lstStyle/>
-          <a:p>
-            <a:r>
-              <a:rPr lang="en-US" dirty="0" smtClean="0"/>
-              <a:t>Spring 3.0+</a:t>
-            </a:r>
-          </a:p>
-          <a:p>
-            <a:r>
-              <a:rPr lang="en-US" dirty="0" smtClean="0"/>
-              <a:t>Answer to Google’s </a:t>
-            </a:r>
-            <a:r>
-              <a:rPr lang="en-US" dirty="0" err="1" smtClean="0"/>
-              <a:t>Guice</a:t>
-            </a:r>
-            <a:endParaRPr lang="en-US" dirty="0" smtClean="0"/>
-          </a:p>
-          <a:p>
-            <a:r>
-              <a:rPr lang="en-US" dirty="0" smtClean="0"/>
-              <a:t>Annotation/Java Based DI</a:t>
-            </a:r>
-          </a:p>
-          <a:p>
-            <a:r>
-              <a:rPr lang="en-US" dirty="0" smtClean="0"/>
-              <a:t>Same Level of Isolation as XML Configuration </a:t>
-            </a:r>
-          </a:p>
-          <a:p>
-            <a:r>
-              <a:rPr lang="en-US" dirty="0" smtClean="0"/>
-              <a:t>Work with XML Configuration</a:t>
-            </a:r>
-          </a:p>
-          <a:p>
-            <a:r>
-              <a:rPr lang="en-US" dirty="0" smtClean="0"/>
-              <a:t>Constructor is Useful again – Immutable</a:t>
-            </a:r>
-          </a:p>
-          <a:p>
-            <a:r>
-              <a:rPr lang="en-US" dirty="0" smtClean="0"/>
-              <a:t>Unit Testing?</a:t>
-            </a:r>
-          </a:p>
-          <a:p>
-            <a:endParaRPr lang="en-US" dirty="0" smtClean="0"/>
-          </a:p>
-        </p:txBody>
-      </p:sp>
-    </p:spTree>
-    <p:extLst>
-      <p:ext uri="{BB962C8B-B14F-4D97-AF65-F5344CB8AC3E}">
-        <p14:creationId xmlns:p14="http://schemas.microsoft.com/office/powerpoint/2010/main" val="706890363"/>
-      </p:ext>
-    </p:extLst>
-  </p:cSld>
-  <p:clrMapOvr>
-    <a:masterClrMapping/>
-  </p:clrMapOvr>
-  <p:timing>
-    <p:tnLst>
-      <p:par>
-        <p:cTn xmlns:p14="http://schemas.microsoft.com/office/powerpoint/2010/main" id="1" dur="indefinite" restart="never" nodeType="tmRoot"/>
-      </p:par>
-    </p:tnLst>
-  </p:timing>
-</p:sld>
-</file>
-
-<file path=ppt/slides/slide37.xml><?xml version="1.0" encoding="utf-8"?>
-<p:sld xmlns:a="http://schemas.openxmlformats.org/drawingml/2006/main" xmlns:r="http://schemas.openxmlformats.org/officeDocument/2006/relationships" xmlns:p="http://schemas.openxmlformats.org/presentationml/2006/main">
-  <p:cSld>
-    <p:spTree>
-      <p:nvGrpSpPr>
-        <p:cNvPr id="1" name=""/>
-        <p:cNvGrpSpPr/>
-        <p:nvPr/>
-      </p:nvGrpSpPr>
-      <p:grpSpPr>
-        <a:xfrm>
-          <a:off x="0" y="0"/>
-          <a:ext cx="0" cy="0"/>
-          <a:chOff x="0" y="0"/>
-          <a:chExt cx="0" cy="0"/>
-        </a:xfrm>
-      </p:grpSpPr>
-      <p:sp>
-        <p:nvSpPr>
-          <p:cNvPr id="2" name="Title 1"/>
-          <p:cNvSpPr>
-            <a:spLocks noGrp="1"/>
-          </p:cNvSpPr>
-          <p:nvPr>
-            <p:ph type="title"/>
-          </p:nvPr>
-        </p:nvSpPr>
-        <p:spPr/>
-        <p:txBody>
-          <a:bodyPr/>
-          <a:lstStyle/>
-          <a:p>
-            <a:r>
-              <a:rPr lang="en-US" dirty="0" err="1" smtClean="0"/>
-              <a:t>JavaConfig</a:t>
-            </a:r>
-            <a:r>
-              <a:rPr lang="en-US" dirty="0" smtClean="0"/>
-              <a:t> (Cont’d)</a:t>
-            </a:r>
-            <a:endParaRPr lang="en-US" dirty="0"/>
-          </a:p>
-        </p:txBody>
-      </p:sp>
-      <p:pic>
-        <p:nvPicPr>
-          <p:cNvPr id="4" name="Content Placeholder 3" descr="cglib.png"/>
-          <p:cNvPicPr>
-            <a:picLocks noGrp="1" noChangeAspect="1"/>
-          </p:cNvPicPr>
-          <p:nvPr>
-            <p:ph idx="1"/>
-          </p:nvPr>
-        </p:nvPicPr>
-        <p:blipFill>
-          <a:blip r:embed="rId3">
-            <a:extLst>
-              <a:ext uri="{28A0092B-C50C-407E-A947-70E740481C1C}">
-                <a14:useLocalDpi xmlns:a14="http://schemas.microsoft.com/office/drawing/2010/main" val="0"/>
-              </a:ext>
-            </a:extLst>
-          </a:blip>
-          <a:srcRect t="-60756" b="-60756"/>
-          <a:stretch>
-            <a:fillRect/>
-          </a:stretch>
-        </p:blipFill>
-        <p:spPr>
-          <a:xfrm>
-            <a:off x="2029863" y="2030923"/>
-            <a:ext cx="5084275" cy="2796155"/>
-          </a:xfrm>
-        </p:spPr>
-      </p:pic>
-    </p:spTree>
-    <p:extLst>
-      <p:ext uri="{BB962C8B-B14F-4D97-AF65-F5344CB8AC3E}">
-        <p14:creationId xmlns:p14="http://schemas.microsoft.com/office/powerpoint/2010/main" val="4060068925"/>
-      </p:ext>
-    </p:extLst>
-  </p:cSld>
-  <p:clrMapOvr>
-    <a:masterClrMapping/>
-  </p:clrMapOvr>
-  <p:timing>
-    <p:tnLst>
-      <p:par>
-        <p:cTn xmlns:p14="http://schemas.microsoft.com/office/powerpoint/2010/main" id="1" dur="indefinite" restart="never" nodeType="tmRoot"/>
-      </p:par>
-    </p:tnLst>
-  </p:timing>
-</p:sld>
-</file>
-
-<file path=ppt/slides/slide38.xml><?xml version="1.0" encoding="utf-8"?>
-<p:sld xmlns:a="http://schemas.openxmlformats.org/drawingml/2006/main" xmlns:r="http://schemas.openxmlformats.org/officeDocument/2006/relationships" xmlns:p="http://schemas.openxmlformats.org/presentationml/2006/main">
-  <p:cSld>
-    <p:spTree>
-      <p:nvGrpSpPr>
-        <p:cNvPr id="1" name=""/>
-        <p:cNvGrpSpPr/>
-        <p:nvPr/>
-      </p:nvGrpSpPr>
-      <p:grpSpPr>
-        <a:xfrm>
-          <a:off x="0" y="0"/>
-          <a:ext cx="0" cy="0"/>
-          <a:chOff x="0" y="0"/>
-          <a:chExt cx="0" cy="0"/>
-        </a:xfrm>
-      </p:grpSpPr>
-      <p:sp>
-        <p:nvSpPr>
-          <p:cNvPr id="2" name="Title 1"/>
-          <p:cNvSpPr>
-            <a:spLocks noGrp="1"/>
-          </p:cNvSpPr>
-          <p:nvPr>
-            <p:ph type="title"/>
-          </p:nvPr>
-        </p:nvSpPr>
-        <p:spPr/>
-        <p:txBody>
-          <a:bodyPr/>
-          <a:lstStyle/>
-          <a:p>
-            <a:r>
-              <a:rPr lang="en-US" dirty="0" err="1" smtClean="0"/>
-              <a:t>JavaConfig</a:t>
-            </a:r>
-            <a:r>
-              <a:rPr lang="en-US" dirty="0" smtClean="0"/>
-              <a:t> (Cont’d)</a:t>
-            </a:r>
-            <a:endParaRPr lang="en-US" dirty="0"/>
-          </a:p>
-        </p:txBody>
-      </p:sp>
-      <p:pic>
-        <p:nvPicPr>
-          <p:cNvPr id="4" name="Content Placeholder 3"/>
-          <p:cNvPicPr>
-            <a:picLocks noGrp="1" noChangeAspect="1"/>
-          </p:cNvPicPr>
-          <p:nvPr>
-            <p:ph idx="1"/>
-          </p:nvPr>
-        </p:nvPicPr>
-        <p:blipFill>
-          <a:blip r:embed="rId2">
-            <a:extLst>
-              <a:ext uri="{28A0092B-C50C-407E-A947-70E740481C1C}">
-                <a14:useLocalDpi xmlns:a14="http://schemas.microsoft.com/office/drawing/2010/main" val="0"/>
-              </a:ext>
-            </a:extLst>
-          </a:blip>
-          <a:srcRect/>
-          <a:stretch>
-            <a:fillRect/>
-          </a:stretch>
-        </p:blipFill>
-        <p:spPr>
-          <a:xfrm>
-            <a:off x="457200" y="2083530"/>
-            <a:ext cx="8229600" cy="3559302"/>
-          </a:xfrm>
-        </p:spPr>
-      </p:pic>
-    </p:spTree>
-    <p:extLst>
-      <p:ext uri="{BB962C8B-B14F-4D97-AF65-F5344CB8AC3E}">
-        <p14:creationId xmlns:p14="http://schemas.microsoft.com/office/powerpoint/2010/main" val="321060620"/>
-      </p:ext>
-    </p:extLst>
-  </p:cSld>
-  <p:clrMapOvr>
-    <a:masterClrMapping/>
-  </p:clrMapOvr>
-  <p:timing>
-    <p:tnLst>
-      <p:par>
-        <p:cTn xmlns:p14="http://schemas.microsoft.com/office/powerpoint/2010/main" id="1" dur="indefinite" restart="never" nodeType="tmRoot"/>
-      </p:par>
-    </p:tnLst>
-  </p:timing>
-</p:sld>
-</file>
-
-<file path=ppt/slides/slide39.xml><?xml version="1.0" encoding="utf-8"?>
-<p:sld xmlns:a="http://schemas.openxmlformats.org/drawingml/2006/main" xmlns:r="http://schemas.openxmlformats.org/officeDocument/2006/relationships" xmlns:p="http://schemas.openxmlformats.org/presentationml/2006/main">
-  <p:cSld>
-    <p:spTree>
-      <p:nvGrpSpPr>
-        <p:cNvPr id="1" name=""/>
-        <p:cNvGrpSpPr/>
-        <p:nvPr/>
-      </p:nvGrpSpPr>
-      <p:grpSpPr>
-        <a:xfrm>
-          <a:off x="0" y="0"/>
-          <a:ext cx="0" cy="0"/>
-          <a:chOff x="0" y="0"/>
-          <a:chExt cx="0" cy="0"/>
-        </a:xfrm>
-      </p:grpSpPr>
-      <p:sp>
-        <p:nvSpPr>
-          <p:cNvPr id="2" name="Title 1"/>
-          <p:cNvSpPr>
-            <a:spLocks noGrp="1"/>
-          </p:cNvSpPr>
-          <p:nvPr>
-            <p:ph type="title"/>
-          </p:nvPr>
-        </p:nvSpPr>
-        <p:spPr/>
-        <p:txBody>
-          <a:bodyPr/>
-          <a:lstStyle/>
-          <a:p>
-            <a:r>
-              <a:rPr lang="en-US" dirty="0" err="1" smtClean="0"/>
-              <a:t>JavaConfig</a:t>
-            </a:r>
-            <a:r>
-              <a:rPr lang="en-US" dirty="0" smtClean="0"/>
-              <a:t> (Cont’d)</a:t>
-            </a:r>
-            <a:endParaRPr lang="en-US" dirty="0"/>
-          </a:p>
-        </p:txBody>
-      </p:sp>
-      <p:pic>
-        <p:nvPicPr>
-          <p:cNvPr id="4" name="Content Placeholder 3" descr="javaconfig.png"/>
-          <p:cNvPicPr>
-            <a:picLocks noGrp="1" noChangeAspect="1"/>
-          </p:cNvPicPr>
-          <p:nvPr>
-            <p:ph idx="1"/>
-          </p:nvPr>
-        </p:nvPicPr>
-        <p:blipFill>
-          <a:blip r:embed="rId2">
-            <a:extLst>
-              <a:ext uri="{28A0092B-C50C-407E-A947-70E740481C1C}">
-                <a14:useLocalDpi xmlns:a14="http://schemas.microsoft.com/office/drawing/2010/main" val="0"/>
-              </a:ext>
-            </a:extLst>
-          </a:blip>
-          <a:srcRect l="-14681" r="-14681"/>
-          <a:stretch>
-            <a:fillRect/>
-          </a:stretch>
-        </p:blipFill>
-        <p:spPr/>
-      </p:pic>
-    </p:spTree>
-    <p:extLst>
-      <p:ext uri="{BB962C8B-B14F-4D97-AF65-F5344CB8AC3E}">
-        <p14:creationId xmlns:p14="http://schemas.microsoft.com/office/powerpoint/2010/main" val="754781842"/>
-      </p:ext>
-    </p:extLst>
-  </p:cSld>
-  <p:clrMapOvr>
-    <a:masterClrMapping/>
-  </p:clrMapOvr>
-  <p:timing>
-    <p:tnLst>
-      <p:par>
-        <p:cTn xmlns:p14="http://schemas.microsoft.com/office/powerpoint/2010/main" id="1" dur="indefinite" restart="never" nodeType="tmRoot"/>
-      </p:par>
-    </p:tnLst>
-  </p:timing>
-</p:sld>
-</file>
-
-<file path=ppt/slides/slide4.xml><?xml version="1.0" encoding="utf-8"?>
-<p:sld xmlns:a="http://schemas.openxmlformats.org/drawingml/2006/main" xmlns:r="http://schemas.openxmlformats.org/officeDocument/2006/relationships" xmlns:p="http://schemas.openxmlformats.org/presentationml/2006/main">
-  <p:cSld>
-    <p:spTree>
-      <p:nvGrpSpPr>
-        <p:cNvPr id="1" name=""/>
-        <p:cNvGrpSpPr/>
-        <p:nvPr/>
-      </p:nvGrpSpPr>
-      <p:grpSpPr>
-        <a:xfrm>
-          <a:off x="0" y="0"/>
-          <a:ext cx="0" cy="0"/>
-          <a:chOff x="0" y="0"/>
-          <a:chExt cx="0" cy="0"/>
-        </a:xfrm>
-      </p:grpSpPr>
-      <p:sp>
-        <p:nvSpPr>
-          <p:cNvPr id="2" name="Title 1"/>
-          <p:cNvSpPr>
-            <a:spLocks noGrp="1"/>
-          </p:cNvSpPr>
-          <p:nvPr>
-            <p:ph type="title"/>
-          </p:nvPr>
-        </p:nvSpPr>
-        <p:spPr/>
-        <p:txBody>
-          <a:bodyPr/>
-          <a:lstStyle/>
-          <a:p>
-            <a:r>
-              <a:rPr lang="en-US" dirty="0" smtClean="0"/>
               <a:t>What is Spring?</a:t>
             </a:r>
             <a:endParaRPr lang="en-US" dirty="0"/>
@@ -9729,7 +7309,7 @@
   <p:timing>
     <p:tnLst>
       <p:par>
-        <p:cTn xmlns:p14="http://schemas.microsoft.com/office/powerpoint/2010/main" id="1" dur="indefinite" restart="never" nodeType="tmRoot">
+        <p:cTn id="1" dur="indefinite" restart="never" nodeType="tmRoot">
           <p:childTnLst>
             <p:seq concurrent="1" nextAc="seek">
               <p:cTn id="2" dur="indefinite" nodeType="mainSeq">
@@ -9807,7 +7387,7 @@
 </p:sld>
 </file>
 
-<file path=ppt/slides/slide40.xml><?xml version="1.0" encoding="utf-8"?>
+<file path=ppt/slides/slide20.xml><?xml version="1.0" encoding="utf-8"?>
 <p:sld xmlns:a="http://schemas.openxmlformats.org/drawingml/2006/main" xmlns:r="http://schemas.openxmlformats.org/officeDocument/2006/relationships" xmlns:p="http://schemas.openxmlformats.org/presentationml/2006/main">
   <p:cSld>
     <p:spTree>
@@ -9831,31 +7411,56 @@
             <a:spLocks noGrp="1"/>
           </p:cNvSpPr>
           <p:nvPr>
-            <p:ph type="ctrTitle"/>
-          </p:nvPr>
-        </p:nvSpPr>
+            <p:ph type="title"/>
+          </p:nvPr>
+        </p:nvSpPr>
+        <p:spPr/>
+        <p:txBody>
+          <a:bodyPr/>
+          <a:lstStyle/>
+          <a:p>
+            <a:r>
+              <a:rPr lang="en-US" dirty="0" smtClean="0"/>
+              <a:t>Maven &amp; Spring 3.0/3.1</a:t>
+            </a:r>
+            <a:endParaRPr lang="en-US" dirty="0"/>
+          </a:p>
+        </p:txBody>
+      </p:sp>
+      <p:pic>
+        <p:nvPicPr>
+          <p:cNvPr id="4" name="Content Placeholder 3" descr="Maven - Spring Dependencies.png"/>
+          <p:cNvPicPr>
+            <a:picLocks noGrp="1" noChangeAspect="1"/>
+          </p:cNvPicPr>
+          <p:nvPr>
+            <p:ph idx="1"/>
+          </p:nvPr>
+        </p:nvPicPr>
+        <p:blipFill>
+          <a:blip r:embed="rId3">
+            <a:extLst>
+              <a:ext uri="{28A0092B-C50C-407E-A947-70E740481C1C}">
+                <a14:useLocalDpi xmlns:a14="http://schemas.microsoft.com/office/drawing/2010/main" val="0"/>
+              </a:ext>
+            </a:extLst>
+          </a:blip>
+          <a:srcRect l="-16586" r="-16586"/>
+          <a:stretch>
+            <a:fillRect/>
+          </a:stretch>
+        </p:blipFill>
         <p:spPr>
           <a:xfrm>
-            <a:off x="685800" y="2693988"/>
-            <a:ext cx="7772400" cy="1470025"/>
+            <a:off x="1602225" y="1795738"/>
+            <a:ext cx="5939550" cy="3266524"/>
           </a:xfrm>
         </p:spPr>
-        <p:txBody>
-          <a:bodyPr/>
-          <a:lstStyle/>
-          <a:p>
-            <a:r>
-              <a:rPr lang="en-US" dirty="0" smtClean="0"/>
-              <a:t>Property Management</a:t>
-            </a:r>
-            <a:endParaRPr lang="en-US" dirty="0"/>
-          </a:p>
-        </p:txBody>
-      </p:sp>
+      </p:pic>
     </p:spTree>
     <p:extLst>
       <p:ext uri="{BB962C8B-B14F-4D97-AF65-F5344CB8AC3E}">
-        <p14:creationId xmlns:p14="http://schemas.microsoft.com/office/powerpoint/2010/main" val="1982762496"/>
+        <p14:creationId xmlns:p14="http://schemas.microsoft.com/office/powerpoint/2010/main" val="352196537"/>
       </p:ext>
     </p:extLst>
   </p:cSld>
@@ -9865,14 +7470,14 @@
   <p:timing>
     <p:tnLst>
       <p:par>
-        <p:cTn xmlns:p14="http://schemas.microsoft.com/office/powerpoint/2010/main" id="1" dur="indefinite" restart="never" nodeType="tmRoot"/>
+        <p:cTn id="1" dur="indefinite" restart="never" nodeType="tmRoot"/>
       </p:par>
     </p:tnLst>
   </p:timing>
 </p:sld>
 </file>
 
-<file path=ppt/slides/slide41.xml><?xml version="1.0" encoding="utf-8"?>
+<file path=ppt/slides/slide21.xml><?xml version="1.0" encoding="utf-8"?>
 <p:sld xmlns:a="http://schemas.openxmlformats.org/drawingml/2006/main" xmlns:r="http://schemas.openxmlformats.org/officeDocument/2006/relationships" xmlns:p="http://schemas.openxmlformats.org/presentationml/2006/main">
   <p:cSld>
     <p:spTree>
@@ -9906,6 +7511,1733 @@
           <a:p>
             <a:r>
               <a:rPr lang="en-US" dirty="0" smtClean="0"/>
+              <a:t>Spring </a:t>
+            </a:r>
+            <a:r>
+              <a:rPr lang="en-US" dirty="0" err="1" smtClean="0"/>
+              <a:t>IoC</a:t>
+            </a:r>
+            <a:r>
+              <a:rPr lang="en-US" dirty="0" smtClean="0"/>
+              <a:t> Container</a:t>
+            </a:r>
+            <a:endParaRPr lang="en-US" dirty="0"/>
+          </a:p>
+        </p:txBody>
+      </p:sp>
+      <p:pic>
+        <p:nvPicPr>
+          <p:cNvPr id="4" name="Content Placeholder 3" descr="ReporterApp - Spring.png"/>
+          <p:cNvPicPr>
+            <a:picLocks noGrp="1" noChangeAspect="1"/>
+          </p:cNvPicPr>
+          <p:nvPr>
+            <p:ph idx="1"/>
+          </p:nvPr>
+        </p:nvPicPr>
+        <p:blipFill>
+          <a:blip r:embed="rId2">
+            <a:extLst>
+              <a:ext uri="{28A0092B-C50C-407E-A947-70E740481C1C}">
+                <a14:useLocalDpi xmlns:a14="http://schemas.microsoft.com/office/drawing/2010/main" val="0"/>
+              </a:ext>
+            </a:extLst>
+          </a:blip>
+          <a:srcRect t="-38727" b="-38727"/>
+          <a:stretch>
+            <a:fillRect/>
+          </a:stretch>
+        </p:blipFill>
+        <p:spPr/>
+      </p:pic>
+    </p:spTree>
+    <p:extLst>
+      <p:ext uri="{BB962C8B-B14F-4D97-AF65-F5344CB8AC3E}">
+        <p14:creationId xmlns:p14="http://schemas.microsoft.com/office/powerpoint/2010/main" val="1593691144"/>
+      </p:ext>
+    </p:extLst>
+  </p:cSld>
+  <p:clrMapOvr>
+    <a:masterClrMapping/>
+  </p:clrMapOvr>
+  <p:timing>
+    <p:tnLst>
+      <p:par>
+        <p:cTn id="1" dur="indefinite" restart="never" nodeType="tmRoot"/>
+      </p:par>
+    </p:tnLst>
+  </p:timing>
+</p:sld>
+</file>
+
+<file path=ppt/slides/slide22.xml><?xml version="1.0" encoding="utf-8"?>
+<p:sld xmlns:a="http://schemas.openxmlformats.org/drawingml/2006/main" xmlns:r="http://schemas.openxmlformats.org/officeDocument/2006/relationships" xmlns:p="http://schemas.openxmlformats.org/presentationml/2006/main">
+  <p:cSld>
+    <p:spTree>
+      <p:nvGrpSpPr>
+        <p:cNvPr id="1" name=""/>
+        <p:cNvGrpSpPr/>
+        <p:nvPr/>
+      </p:nvGrpSpPr>
+      <p:grpSpPr>
+        <a:xfrm>
+          <a:off x="0" y="0"/>
+          <a:ext cx="0" cy="0"/>
+          <a:chOff x="0" y="0"/>
+          <a:chExt cx="0" cy="0"/>
+        </a:xfrm>
+      </p:grpSpPr>
+      <p:sp>
+        <p:nvSpPr>
+          <p:cNvPr id="2" name="Title 1"/>
+          <p:cNvSpPr>
+            <a:spLocks noGrp="1"/>
+          </p:cNvSpPr>
+          <p:nvPr>
+            <p:ph type="title"/>
+          </p:nvPr>
+        </p:nvSpPr>
+        <p:spPr/>
+        <p:txBody>
+          <a:bodyPr/>
+          <a:lstStyle/>
+          <a:p>
+            <a:r>
+              <a:rPr lang="en-US" dirty="0" smtClean="0"/>
+              <a:t>Spring </a:t>
+            </a:r>
+            <a:r>
+              <a:rPr lang="en-US" dirty="0" err="1" smtClean="0"/>
+              <a:t>IoC</a:t>
+            </a:r>
+            <a:r>
+              <a:rPr lang="en-US" dirty="0" smtClean="0"/>
+              <a:t> Container</a:t>
+            </a:r>
+            <a:endParaRPr lang="en-US" dirty="0"/>
+          </a:p>
+        </p:txBody>
+      </p:sp>
+      <p:pic>
+        <p:nvPicPr>
+          <p:cNvPr id="4" name="Content Placeholder 3" descr="IoC - ApplicationContext.png"/>
+          <p:cNvPicPr>
+            <a:picLocks noGrp="1" noChangeAspect="1"/>
+          </p:cNvPicPr>
+          <p:nvPr>
+            <p:ph idx="1"/>
+          </p:nvPr>
+        </p:nvPicPr>
+        <p:blipFill>
+          <a:blip r:embed="rId3">
+            <a:extLst>
+              <a:ext uri="{28A0092B-C50C-407E-A947-70E740481C1C}">
+                <a14:useLocalDpi xmlns:a14="http://schemas.microsoft.com/office/drawing/2010/main" val="0"/>
+              </a:ext>
+            </a:extLst>
+          </a:blip>
+          <a:srcRect t="-46243" b="-46243"/>
+          <a:stretch>
+            <a:fillRect/>
+          </a:stretch>
+        </p:blipFill>
+        <p:spPr/>
+      </p:pic>
+    </p:spTree>
+    <p:extLst>
+      <p:ext uri="{BB962C8B-B14F-4D97-AF65-F5344CB8AC3E}">
+        <p14:creationId xmlns:p14="http://schemas.microsoft.com/office/powerpoint/2010/main" val="3651935560"/>
+      </p:ext>
+    </p:extLst>
+  </p:cSld>
+  <p:clrMapOvr>
+    <a:masterClrMapping/>
+  </p:clrMapOvr>
+  <p:timing>
+    <p:tnLst>
+      <p:par>
+        <p:cTn id="1" dur="indefinite" restart="never" nodeType="tmRoot"/>
+      </p:par>
+    </p:tnLst>
+  </p:timing>
+</p:sld>
+</file>
+
+<file path=ppt/slides/slide23.xml><?xml version="1.0" encoding="utf-8"?>
+<p:sld xmlns:a="http://schemas.openxmlformats.org/drawingml/2006/main" xmlns:r="http://schemas.openxmlformats.org/officeDocument/2006/relationships" xmlns:p="http://schemas.openxmlformats.org/presentationml/2006/main">
+  <p:cSld>
+    <p:spTree>
+      <p:nvGrpSpPr>
+        <p:cNvPr id="1" name=""/>
+        <p:cNvGrpSpPr/>
+        <p:nvPr/>
+      </p:nvGrpSpPr>
+      <p:grpSpPr>
+        <a:xfrm>
+          <a:off x="0" y="0"/>
+          <a:ext cx="0" cy="0"/>
+          <a:chOff x="0" y="0"/>
+          <a:chExt cx="0" cy="0"/>
+        </a:xfrm>
+      </p:grpSpPr>
+      <p:sp>
+        <p:nvSpPr>
+          <p:cNvPr id="2" name="Title 1"/>
+          <p:cNvSpPr>
+            <a:spLocks noGrp="1"/>
+          </p:cNvSpPr>
+          <p:nvPr>
+            <p:ph type="title"/>
+          </p:nvPr>
+        </p:nvSpPr>
+        <p:spPr/>
+        <p:txBody>
+          <a:bodyPr/>
+          <a:lstStyle/>
+          <a:p>
+            <a:r>
+              <a:rPr lang="en-US" dirty="0" smtClean="0"/>
+              <a:t>Bean Scopes</a:t>
+            </a:r>
+            <a:endParaRPr lang="en-US" dirty="0"/>
+          </a:p>
+        </p:txBody>
+      </p:sp>
+      <p:pic>
+        <p:nvPicPr>
+          <p:cNvPr id="4" name="Content Placeholder 3" descr="Bean Scope.png"/>
+          <p:cNvPicPr>
+            <a:picLocks noGrp="1" noChangeAspect="1"/>
+          </p:cNvPicPr>
+          <p:nvPr>
+            <p:ph idx="1"/>
+          </p:nvPr>
+        </p:nvPicPr>
+        <p:blipFill>
+          <a:blip r:embed="rId3">
+            <a:extLst>
+              <a:ext uri="{28A0092B-C50C-407E-A947-70E740481C1C}">
+                <a14:useLocalDpi xmlns:a14="http://schemas.microsoft.com/office/drawing/2010/main" val="0"/>
+              </a:ext>
+            </a:extLst>
+          </a:blip>
+          <a:srcRect t="-34799" b="-34799"/>
+          <a:stretch>
+            <a:fillRect/>
+          </a:stretch>
+        </p:blipFill>
+        <p:spPr/>
+      </p:pic>
+    </p:spTree>
+    <p:extLst>
+      <p:ext uri="{BB962C8B-B14F-4D97-AF65-F5344CB8AC3E}">
+        <p14:creationId xmlns:p14="http://schemas.microsoft.com/office/powerpoint/2010/main" val="2870620205"/>
+      </p:ext>
+    </p:extLst>
+  </p:cSld>
+  <p:clrMapOvr>
+    <a:masterClrMapping/>
+  </p:clrMapOvr>
+  <p:timing>
+    <p:tnLst>
+      <p:par>
+        <p:cTn id="1" dur="indefinite" restart="never" nodeType="tmRoot"/>
+      </p:par>
+    </p:tnLst>
+  </p:timing>
+</p:sld>
+</file>
+
+<file path=ppt/slides/slide24.xml><?xml version="1.0" encoding="utf-8"?>
+<p:sld xmlns:a="http://schemas.openxmlformats.org/drawingml/2006/main" xmlns:r="http://schemas.openxmlformats.org/officeDocument/2006/relationships" xmlns:p="http://schemas.openxmlformats.org/presentationml/2006/main">
+  <p:cSld>
+    <p:spTree>
+      <p:nvGrpSpPr>
+        <p:cNvPr id="1" name=""/>
+        <p:cNvGrpSpPr/>
+        <p:nvPr/>
+      </p:nvGrpSpPr>
+      <p:grpSpPr>
+        <a:xfrm>
+          <a:off x="0" y="0"/>
+          <a:ext cx="0" cy="0"/>
+          <a:chOff x="0" y="0"/>
+          <a:chExt cx="0" cy="0"/>
+        </a:xfrm>
+      </p:grpSpPr>
+      <p:sp>
+        <p:nvSpPr>
+          <p:cNvPr id="2" name="Title 1"/>
+          <p:cNvSpPr>
+            <a:spLocks noGrp="1"/>
+          </p:cNvSpPr>
+          <p:nvPr>
+            <p:ph type="title"/>
+          </p:nvPr>
+        </p:nvSpPr>
+        <p:spPr/>
+        <p:txBody>
+          <a:bodyPr/>
+          <a:lstStyle/>
+          <a:p>
+            <a:r>
+              <a:rPr lang="en-US" dirty="0" smtClean="0"/>
+              <a:t>Spring </a:t>
+            </a:r>
+            <a:r>
+              <a:rPr lang="en-US" dirty="0" err="1" smtClean="0"/>
+              <a:t>IoC</a:t>
+            </a:r>
+            <a:r>
+              <a:rPr lang="en-US" dirty="0" smtClean="0"/>
+              <a:t> Container</a:t>
+            </a:r>
+            <a:endParaRPr lang="en-US" dirty="0"/>
+          </a:p>
+        </p:txBody>
+      </p:sp>
+      <p:pic>
+        <p:nvPicPr>
+          <p:cNvPr id="4" name="Content Placeholder 3" descr="ReporterApp - 2.png"/>
+          <p:cNvPicPr>
+            <a:picLocks noGrp="1" noChangeAspect="1"/>
+          </p:cNvPicPr>
+          <p:nvPr>
+            <p:ph idx="1"/>
+          </p:nvPr>
+        </p:nvPicPr>
+        <p:blipFill>
+          <a:blip r:embed="rId2">
+            <a:extLst>
+              <a:ext uri="{28A0092B-C50C-407E-A947-70E740481C1C}">
+                <a14:useLocalDpi xmlns:a14="http://schemas.microsoft.com/office/drawing/2010/main" val="0"/>
+              </a:ext>
+            </a:extLst>
+          </a:blip>
+          <a:srcRect l="-4574" r="-4574"/>
+          <a:stretch>
+            <a:fillRect/>
+          </a:stretch>
+        </p:blipFill>
+        <p:spPr/>
+      </p:pic>
+    </p:spTree>
+    <p:extLst>
+      <p:ext uri="{BB962C8B-B14F-4D97-AF65-F5344CB8AC3E}">
+        <p14:creationId xmlns:p14="http://schemas.microsoft.com/office/powerpoint/2010/main" val="1930834261"/>
+      </p:ext>
+    </p:extLst>
+  </p:cSld>
+  <p:clrMapOvr>
+    <a:masterClrMapping/>
+  </p:clrMapOvr>
+  <p:timing>
+    <p:tnLst>
+      <p:par>
+        <p:cTn id="1" dur="indefinite" restart="never" nodeType="tmRoot"/>
+      </p:par>
+    </p:tnLst>
+  </p:timing>
+</p:sld>
+</file>
+
+<file path=ppt/slides/slide25.xml><?xml version="1.0" encoding="utf-8"?>
+<p:sld xmlns:a="http://schemas.openxmlformats.org/drawingml/2006/main" xmlns:r="http://schemas.openxmlformats.org/officeDocument/2006/relationships" xmlns:p="http://schemas.openxmlformats.org/presentationml/2006/main">
+  <p:cSld>
+    <p:spTree>
+      <p:nvGrpSpPr>
+        <p:cNvPr id="1" name=""/>
+        <p:cNvGrpSpPr/>
+        <p:nvPr/>
+      </p:nvGrpSpPr>
+      <p:grpSpPr>
+        <a:xfrm>
+          <a:off x="0" y="0"/>
+          <a:ext cx="0" cy="0"/>
+          <a:chOff x="0" y="0"/>
+          <a:chExt cx="0" cy="0"/>
+        </a:xfrm>
+      </p:grpSpPr>
+      <p:sp>
+        <p:nvSpPr>
+          <p:cNvPr id="2" name="Title 1"/>
+          <p:cNvSpPr>
+            <a:spLocks noGrp="1"/>
+          </p:cNvSpPr>
+          <p:nvPr>
+            <p:ph type="title"/>
+          </p:nvPr>
+        </p:nvSpPr>
+        <p:spPr/>
+        <p:txBody>
+          <a:bodyPr/>
+          <a:lstStyle/>
+          <a:p>
+            <a:r>
+              <a:rPr lang="en-US" dirty="0" smtClean="0"/>
+              <a:t>Spring </a:t>
+            </a:r>
+            <a:r>
+              <a:rPr lang="en-US" dirty="0" err="1" smtClean="0"/>
+              <a:t>IoC</a:t>
+            </a:r>
+            <a:r>
+              <a:rPr lang="en-US" dirty="0" smtClean="0"/>
+              <a:t> Container</a:t>
+            </a:r>
+            <a:endParaRPr lang="en-US" dirty="0"/>
+          </a:p>
+        </p:txBody>
+      </p:sp>
+      <p:pic>
+        <p:nvPicPr>
+          <p:cNvPr id="4" name="Content Placeholder 3" descr="Context - 2.png"/>
+          <p:cNvPicPr>
+            <a:picLocks noGrp="1" noChangeAspect="1"/>
+          </p:cNvPicPr>
+          <p:nvPr>
+            <p:ph idx="1"/>
+          </p:nvPr>
+        </p:nvPicPr>
+        <p:blipFill>
+          <a:blip r:embed="rId2">
+            <a:extLst>
+              <a:ext uri="{28A0092B-C50C-407E-A947-70E740481C1C}">
+                <a14:useLocalDpi xmlns:a14="http://schemas.microsoft.com/office/drawing/2010/main" val="0"/>
+              </a:ext>
+            </a:extLst>
+          </a:blip>
+          <a:srcRect t="-181876" b="-181876"/>
+          <a:stretch>
+            <a:fillRect/>
+          </a:stretch>
+        </p:blipFill>
+        <p:spPr/>
+      </p:pic>
+    </p:spTree>
+    <p:extLst>
+      <p:ext uri="{BB962C8B-B14F-4D97-AF65-F5344CB8AC3E}">
+        <p14:creationId xmlns:p14="http://schemas.microsoft.com/office/powerpoint/2010/main" val="1345651031"/>
+      </p:ext>
+    </p:extLst>
+  </p:cSld>
+  <p:clrMapOvr>
+    <a:masterClrMapping/>
+  </p:clrMapOvr>
+  <p:timing>
+    <p:tnLst>
+      <p:par>
+        <p:cTn id="1" dur="indefinite" restart="never" nodeType="tmRoot"/>
+      </p:par>
+    </p:tnLst>
+  </p:timing>
+</p:sld>
+</file>
+
+<file path=ppt/slides/slide26.xml><?xml version="1.0" encoding="utf-8"?>
+<p:sld xmlns:a="http://schemas.openxmlformats.org/drawingml/2006/main" xmlns:r="http://schemas.openxmlformats.org/officeDocument/2006/relationships" xmlns:p="http://schemas.openxmlformats.org/presentationml/2006/main">
+  <p:cSld>
+    <p:spTree>
+      <p:nvGrpSpPr>
+        <p:cNvPr id="1" name=""/>
+        <p:cNvGrpSpPr/>
+        <p:nvPr/>
+      </p:nvGrpSpPr>
+      <p:grpSpPr>
+        <a:xfrm>
+          <a:off x="0" y="0"/>
+          <a:ext cx="0" cy="0"/>
+          <a:chOff x="0" y="0"/>
+          <a:chExt cx="0" cy="0"/>
+        </a:xfrm>
+      </p:grpSpPr>
+      <p:sp>
+        <p:nvSpPr>
+          <p:cNvPr id="2" name="Title 1"/>
+          <p:cNvSpPr>
+            <a:spLocks noGrp="1"/>
+          </p:cNvSpPr>
+          <p:nvPr>
+            <p:ph type="title"/>
+          </p:nvPr>
+        </p:nvSpPr>
+        <p:spPr/>
+        <p:txBody>
+          <a:bodyPr/>
+          <a:lstStyle/>
+          <a:p>
+            <a:r>
+              <a:rPr lang="en-US" dirty="0" smtClean="0"/>
+              <a:t>Auto Wiring</a:t>
+            </a:r>
+            <a:endParaRPr lang="en-US" dirty="0"/>
+          </a:p>
+        </p:txBody>
+      </p:sp>
+      <p:pic>
+        <p:nvPicPr>
+          <p:cNvPr id="4" name="Content Placeholder 3" descr="ReporterApp - AutoWired.png"/>
+          <p:cNvPicPr>
+            <a:picLocks noGrp="1" noChangeAspect="1"/>
+          </p:cNvPicPr>
+          <p:nvPr>
+            <p:ph idx="1"/>
+          </p:nvPr>
+        </p:nvPicPr>
+        <p:blipFill>
+          <a:blip r:embed="rId2">
+            <a:extLst>
+              <a:ext uri="{28A0092B-C50C-407E-A947-70E740481C1C}">
+                <a14:useLocalDpi xmlns:a14="http://schemas.microsoft.com/office/drawing/2010/main" val="0"/>
+              </a:ext>
+            </a:extLst>
+          </a:blip>
+          <a:srcRect l="-4852" r="-4852"/>
+          <a:stretch>
+            <a:fillRect/>
+          </a:stretch>
+        </p:blipFill>
+        <p:spPr/>
+      </p:pic>
+    </p:spTree>
+    <p:extLst>
+      <p:ext uri="{BB962C8B-B14F-4D97-AF65-F5344CB8AC3E}">
+        <p14:creationId xmlns:p14="http://schemas.microsoft.com/office/powerpoint/2010/main" val="3423019798"/>
+      </p:ext>
+    </p:extLst>
+  </p:cSld>
+  <p:clrMapOvr>
+    <a:masterClrMapping/>
+  </p:clrMapOvr>
+  <p:timing>
+    <p:tnLst>
+      <p:par>
+        <p:cTn id="1" dur="indefinite" restart="never" nodeType="tmRoot"/>
+      </p:par>
+    </p:tnLst>
+  </p:timing>
+</p:sld>
+</file>
+
+<file path=ppt/slides/slide27.xml><?xml version="1.0" encoding="utf-8"?>
+<p:sld xmlns:a="http://schemas.openxmlformats.org/drawingml/2006/main" xmlns:r="http://schemas.openxmlformats.org/officeDocument/2006/relationships" xmlns:p="http://schemas.openxmlformats.org/presentationml/2006/main">
+  <p:cSld>
+    <p:spTree>
+      <p:nvGrpSpPr>
+        <p:cNvPr id="1" name=""/>
+        <p:cNvGrpSpPr/>
+        <p:nvPr/>
+      </p:nvGrpSpPr>
+      <p:grpSpPr>
+        <a:xfrm>
+          <a:off x="0" y="0"/>
+          <a:ext cx="0" cy="0"/>
+          <a:chOff x="0" y="0"/>
+          <a:chExt cx="0" cy="0"/>
+        </a:xfrm>
+      </p:grpSpPr>
+      <p:sp>
+        <p:nvSpPr>
+          <p:cNvPr id="2" name="Title 1"/>
+          <p:cNvSpPr>
+            <a:spLocks noGrp="1"/>
+          </p:cNvSpPr>
+          <p:nvPr>
+            <p:ph type="title"/>
+          </p:nvPr>
+        </p:nvSpPr>
+        <p:spPr/>
+        <p:txBody>
+          <a:bodyPr/>
+          <a:lstStyle/>
+          <a:p>
+            <a:r>
+              <a:rPr lang="en-US" dirty="0" smtClean="0"/>
+              <a:t>Auto Wiring (Cont’d)</a:t>
+            </a:r>
+            <a:endParaRPr lang="en-US" dirty="0"/>
+          </a:p>
+        </p:txBody>
+      </p:sp>
+      <p:pic>
+        <p:nvPicPr>
+          <p:cNvPr id="4" name="Content Placeholder 3" descr="Context - Autowired.png"/>
+          <p:cNvPicPr>
+            <a:picLocks noGrp="1" noChangeAspect="1"/>
+          </p:cNvPicPr>
+          <p:nvPr>
+            <p:ph idx="1"/>
+          </p:nvPr>
+        </p:nvPicPr>
+        <p:blipFill>
+          <a:blip r:embed="rId2">
+            <a:extLst>
+              <a:ext uri="{28A0092B-C50C-407E-A947-70E740481C1C}">
+                <a14:useLocalDpi xmlns:a14="http://schemas.microsoft.com/office/drawing/2010/main" val="0"/>
+              </a:ext>
+            </a:extLst>
+          </a:blip>
+          <a:srcRect t="-216817" b="-216817"/>
+          <a:stretch>
+            <a:fillRect/>
+          </a:stretch>
+        </p:blipFill>
+        <p:spPr/>
+      </p:pic>
+    </p:spTree>
+    <p:extLst>
+      <p:ext uri="{BB962C8B-B14F-4D97-AF65-F5344CB8AC3E}">
+        <p14:creationId xmlns:p14="http://schemas.microsoft.com/office/powerpoint/2010/main" val="29615334"/>
+      </p:ext>
+    </p:extLst>
+  </p:cSld>
+  <p:clrMapOvr>
+    <a:masterClrMapping/>
+  </p:clrMapOvr>
+  <p:timing>
+    <p:tnLst>
+      <p:par>
+        <p:cTn id="1" dur="indefinite" restart="never" nodeType="tmRoot"/>
+      </p:par>
+    </p:tnLst>
+  </p:timing>
+</p:sld>
+</file>
+
+<file path=ppt/slides/slide28.xml><?xml version="1.0" encoding="utf-8"?>
+<p:sld xmlns:a="http://schemas.openxmlformats.org/drawingml/2006/main" xmlns:r="http://schemas.openxmlformats.org/officeDocument/2006/relationships" xmlns:p="http://schemas.openxmlformats.org/presentationml/2006/main">
+  <p:cSld>
+    <p:spTree>
+      <p:nvGrpSpPr>
+        <p:cNvPr id="1" name=""/>
+        <p:cNvGrpSpPr/>
+        <p:nvPr/>
+      </p:nvGrpSpPr>
+      <p:grpSpPr>
+        <a:xfrm>
+          <a:off x="0" y="0"/>
+          <a:ext cx="0" cy="0"/>
+          <a:chOff x="0" y="0"/>
+          <a:chExt cx="0" cy="0"/>
+        </a:xfrm>
+      </p:grpSpPr>
+      <p:sp>
+        <p:nvSpPr>
+          <p:cNvPr id="2" name="Title 1"/>
+          <p:cNvSpPr>
+            <a:spLocks noGrp="1"/>
+          </p:cNvSpPr>
+          <p:nvPr>
+            <p:ph type="title"/>
+          </p:nvPr>
+        </p:nvSpPr>
+        <p:spPr/>
+        <p:txBody>
+          <a:bodyPr/>
+          <a:lstStyle/>
+          <a:p>
+            <a:r>
+              <a:rPr lang="en-US" dirty="0" smtClean="0"/>
+              <a:t>Auto Discovery</a:t>
+            </a:r>
+            <a:endParaRPr lang="en-US" dirty="0"/>
+          </a:p>
+        </p:txBody>
+      </p:sp>
+      <p:pic>
+        <p:nvPicPr>
+          <p:cNvPr id="4" name="Content Placeholder 3" descr="Context - Auto Discovery.png"/>
+          <p:cNvPicPr>
+            <a:picLocks noGrp="1" noChangeAspect="1"/>
+          </p:cNvPicPr>
+          <p:nvPr>
+            <p:ph idx="1"/>
+          </p:nvPr>
+        </p:nvPicPr>
+        <p:blipFill>
+          <a:blip r:embed="rId3">
+            <a:extLst>
+              <a:ext uri="{28A0092B-C50C-407E-A947-70E740481C1C}">
+                <a14:useLocalDpi xmlns:a14="http://schemas.microsoft.com/office/drawing/2010/main" val="0"/>
+              </a:ext>
+            </a:extLst>
+          </a:blip>
+          <a:srcRect t="-39827" b="-39827"/>
+          <a:stretch>
+            <a:fillRect/>
+          </a:stretch>
+        </p:blipFill>
+        <p:spPr/>
+      </p:pic>
+    </p:spTree>
+    <p:extLst>
+      <p:ext uri="{BB962C8B-B14F-4D97-AF65-F5344CB8AC3E}">
+        <p14:creationId xmlns:p14="http://schemas.microsoft.com/office/powerpoint/2010/main" val="636896017"/>
+      </p:ext>
+    </p:extLst>
+  </p:cSld>
+  <p:clrMapOvr>
+    <a:masterClrMapping/>
+  </p:clrMapOvr>
+  <p:timing>
+    <p:tnLst>
+      <p:par>
+        <p:cTn id="1" dur="indefinite" restart="never" nodeType="tmRoot"/>
+      </p:par>
+    </p:tnLst>
+  </p:timing>
+</p:sld>
+</file>
+
+<file path=ppt/slides/slide29.xml><?xml version="1.0" encoding="utf-8"?>
+<p:sld xmlns:a="http://schemas.openxmlformats.org/drawingml/2006/main" xmlns:r="http://schemas.openxmlformats.org/officeDocument/2006/relationships" xmlns:p="http://schemas.openxmlformats.org/presentationml/2006/main">
+  <p:cSld>
+    <p:spTree>
+      <p:nvGrpSpPr>
+        <p:cNvPr id="1" name=""/>
+        <p:cNvGrpSpPr/>
+        <p:nvPr/>
+      </p:nvGrpSpPr>
+      <p:grpSpPr>
+        <a:xfrm>
+          <a:off x="0" y="0"/>
+          <a:ext cx="0" cy="0"/>
+          <a:chOff x="0" y="0"/>
+          <a:chExt cx="0" cy="0"/>
+        </a:xfrm>
+      </p:grpSpPr>
+      <p:sp>
+        <p:nvSpPr>
+          <p:cNvPr id="2" name="Title 1"/>
+          <p:cNvSpPr>
+            <a:spLocks noGrp="1"/>
+          </p:cNvSpPr>
+          <p:nvPr>
+            <p:ph type="title"/>
+          </p:nvPr>
+        </p:nvSpPr>
+        <p:spPr/>
+        <p:txBody>
+          <a:bodyPr/>
+          <a:lstStyle/>
+          <a:p>
+            <a:r>
+              <a:rPr lang="en-US" dirty="0" smtClean="0"/>
+              <a:t>Auto Discovery (Cont’d)</a:t>
+            </a:r>
+            <a:endParaRPr lang="en-US" dirty="0"/>
+          </a:p>
+        </p:txBody>
+      </p:sp>
+      <p:pic>
+        <p:nvPicPr>
+          <p:cNvPr id="4" name="Content Placeholder 3" descr="CSVReporter - Auto Discovery.png"/>
+          <p:cNvPicPr>
+            <a:picLocks noGrp="1" noChangeAspect="1"/>
+          </p:cNvPicPr>
+          <p:nvPr>
+            <p:ph idx="1"/>
+          </p:nvPr>
+        </p:nvPicPr>
+        <p:blipFill>
+          <a:blip r:embed="rId2">
+            <a:extLst>
+              <a:ext uri="{28A0092B-C50C-407E-A947-70E740481C1C}">
+                <a14:useLocalDpi xmlns:a14="http://schemas.microsoft.com/office/drawing/2010/main" val="0"/>
+              </a:ext>
+            </a:extLst>
+          </a:blip>
+          <a:srcRect t="-8663" b="-8663"/>
+          <a:stretch>
+            <a:fillRect/>
+          </a:stretch>
+        </p:blipFill>
+        <p:spPr>
+          <a:xfrm>
+            <a:off x="1388406" y="1678146"/>
+            <a:ext cx="6367188" cy="3501708"/>
+          </a:xfrm>
+        </p:spPr>
+      </p:pic>
+    </p:spTree>
+    <p:extLst>
+      <p:ext uri="{BB962C8B-B14F-4D97-AF65-F5344CB8AC3E}">
+        <p14:creationId xmlns:p14="http://schemas.microsoft.com/office/powerpoint/2010/main" val="1831374277"/>
+      </p:ext>
+    </p:extLst>
+  </p:cSld>
+  <p:clrMapOvr>
+    <a:masterClrMapping/>
+  </p:clrMapOvr>
+  <p:timing>
+    <p:tnLst>
+      <p:par>
+        <p:cTn id="1" dur="indefinite" restart="never" nodeType="tmRoot"/>
+      </p:par>
+    </p:tnLst>
+  </p:timing>
+</p:sld>
+</file>
+
+<file path=ppt/slides/slide3.xml><?xml version="1.0" encoding="utf-8"?>
+<p:sld xmlns:a="http://schemas.openxmlformats.org/drawingml/2006/main" xmlns:r="http://schemas.openxmlformats.org/officeDocument/2006/relationships" xmlns:p="http://schemas.openxmlformats.org/presentationml/2006/main">
+  <p:cSld>
+    <p:spTree>
+      <p:nvGrpSpPr>
+        <p:cNvPr id="1" name=""/>
+        <p:cNvGrpSpPr/>
+        <p:nvPr/>
+      </p:nvGrpSpPr>
+      <p:grpSpPr>
+        <a:xfrm>
+          <a:off x="0" y="0"/>
+          <a:ext cx="0" cy="0"/>
+          <a:chOff x="0" y="0"/>
+          <a:chExt cx="0" cy="0"/>
+        </a:xfrm>
+      </p:grpSpPr>
+      <p:sp>
+        <p:nvSpPr>
+          <p:cNvPr id="2" name="Title 1"/>
+          <p:cNvSpPr>
+            <a:spLocks noGrp="1"/>
+          </p:cNvSpPr>
+          <p:nvPr>
+            <p:ph type="title"/>
+          </p:nvPr>
+        </p:nvSpPr>
+        <p:spPr/>
+        <p:txBody>
+          <a:bodyPr/>
+          <a:lstStyle/>
+          <a:p>
+            <a:r>
+              <a:rPr lang="en-US" dirty="0" smtClean="0"/>
+              <a:t>History</a:t>
+            </a:r>
+            <a:endParaRPr lang="en-US" dirty="0"/>
+          </a:p>
+        </p:txBody>
+      </p:sp>
+      <p:pic>
+        <p:nvPicPr>
+          <p:cNvPr id="4" name="Content Placeholder 3" descr="Spring Development Timeline.png"/>
+          <p:cNvPicPr>
+            <a:picLocks noGrp="1" noChangeAspect="1"/>
+          </p:cNvPicPr>
+          <p:nvPr>
+            <p:ph idx="1"/>
+          </p:nvPr>
+        </p:nvPicPr>
+        <p:blipFill>
+          <a:blip r:embed="rId3">
+            <a:extLst>
+              <a:ext uri="{28A0092B-C50C-407E-A947-70E740481C1C}">
+                <a14:useLocalDpi xmlns:a14="http://schemas.microsoft.com/office/drawing/2010/main" val="0"/>
+              </a:ext>
+            </a:extLst>
+          </a:blip>
+          <a:srcRect t="-4510" b="-4510"/>
+          <a:stretch>
+            <a:fillRect/>
+          </a:stretch>
+        </p:blipFill>
+        <p:spPr/>
+      </p:pic>
+    </p:spTree>
+    <p:extLst>
+      <p:ext uri="{BB962C8B-B14F-4D97-AF65-F5344CB8AC3E}">
+        <p14:creationId xmlns:p14="http://schemas.microsoft.com/office/powerpoint/2010/main" val="3711910823"/>
+      </p:ext>
+    </p:extLst>
+  </p:cSld>
+  <p:clrMapOvr>
+    <a:masterClrMapping/>
+  </p:clrMapOvr>
+  <p:timing>
+    <p:tnLst>
+      <p:par>
+        <p:cTn id="1" dur="indefinite" restart="never" nodeType="tmRoot"/>
+      </p:par>
+    </p:tnLst>
+  </p:timing>
+</p:sld>
+</file>
+
+<file path=ppt/slides/slide30.xml><?xml version="1.0" encoding="utf-8"?>
+<p:sld xmlns:a="http://schemas.openxmlformats.org/drawingml/2006/main" xmlns:r="http://schemas.openxmlformats.org/officeDocument/2006/relationships" xmlns:p="http://schemas.openxmlformats.org/presentationml/2006/main">
+  <p:cSld>
+    <p:spTree>
+      <p:nvGrpSpPr>
+        <p:cNvPr id="1" name=""/>
+        <p:cNvGrpSpPr/>
+        <p:nvPr/>
+      </p:nvGrpSpPr>
+      <p:grpSpPr>
+        <a:xfrm>
+          <a:off x="0" y="0"/>
+          <a:ext cx="0" cy="0"/>
+          <a:chOff x="0" y="0"/>
+          <a:chExt cx="0" cy="0"/>
+        </a:xfrm>
+      </p:grpSpPr>
+      <p:sp>
+        <p:nvSpPr>
+          <p:cNvPr id="2" name="Title 1"/>
+          <p:cNvSpPr>
+            <a:spLocks noGrp="1"/>
+          </p:cNvSpPr>
+          <p:nvPr>
+            <p:ph type="title"/>
+          </p:nvPr>
+        </p:nvSpPr>
+        <p:spPr/>
+        <p:txBody>
+          <a:bodyPr/>
+          <a:lstStyle/>
+          <a:p>
+            <a:r>
+              <a:rPr lang="en-US" dirty="0" smtClean="0"/>
+              <a:t>Auto Discovery (Cont’d)</a:t>
+            </a:r>
+            <a:endParaRPr lang="en-US" dirty="0"/>
+          </a:p>
+        </p:txBody>
+      </p:sp>
+      <p:pic>
+        <p:nvPicPr>
+          <p:cNvPr id="4" name="Content Placeholder 3"/>
+          <p:cNvPicPr>
+            <a:picLocks noGrp="1" noChangeAspect="1"/>
+          </p:cNvPicPr>
+          <p:nvPr>
+            <p:ph idx="1"/>
+          </p:nvPr>
+        </p:nvPicPr>
+        <p:blipFill>
+          <a:blip r:embed="rId3">
+            <a:extLst>
+              <a:ext uri="{28A0092B-C50C-407E-A947-70E740481C1C}">
+                <a14:useLocalDpi xmlns:a14="http://schemas.microsoft.com/office/drawing/2010/main" val="0"/>
+              </a:ext>
+            </a:extLst>
+          </a:blip>
+          <a:srcRect/>
+          <a:stretch>
+            <a:fillRect/>
+          </a:stretch>
+        </p:blipFill>
+        <p:spPr>
+          <a:xfrm>
+            <a:off x="457200" y="1734837"/>
+            <a:ext cx="8229600" cy="4256689"/>
+          </a:xfrm>
+        </p:spPr>
+      </p:pic>
+    </p:spTree>
+    <p:extLst>
+      <p:ext uri="{BB962C8B-B14F-4D97-AF65-F5344CB8AC3E}">
+        <p14:creationId xmlns:p14="http://schemas.microsoft.com/office/powerpoint/2010/main" val="3418974121"/>
+      </p:ext>
+    </p:extLst>
+  </p:cSld>
+  <p:clrMapOvr>
+    <a:masterClrMapping/>
+  </p:clrMapOvr>
+  <p:timing>
+    <p:tnLst>
+      <p:par>
+        <p:cTn id="1" dur="indefinite" restart="never" nodeType="tmRoot"/>
+      </p:par>
+    </p:tnLst>
+  </p:timing>
+</p:sld>
+</file>
+
+<file path=ppt/slides/slide31.xml><?xml version="1.0" encoding="utf-8"?>
+<p:sld xmlns:a="http://schemas.openxmlformats.org/drawingml/2006/main" xmlns:r="http://schemas.openxmlformats.org/officeDocument/2006/relationships" xmlns:p="http://schemas.openxmlformats.org/presentationml/2006/main">
+  <p:cSld>
+    <p:spTree>
+      <p:nvGrpSpPr>
+        <p:cNvPr id="1" name=""/>
+        <p:cNvGrpSpPr/>
+        <p:nvPr/>
+      </p:nvGrpSpPr>
+      <p:grpSpPr>
+        <a:xfrm>
+          <a:off x="0" y="0"/>
+          <a:ext cx="0" cy="0"/>
+          <a:chOff x="0" y="0"/>
+          <a:chExt cx="0" cy="0"/>
+        </a:xfrm>
+      </p:grpSpPr>
+      <p:sp>
+        <p:nvSpPr>
+          <p:cNvPr id="2" name="Title 1"/>
+          <p:cNvSpPr>
+            <a:spLocks noGrp="1"/>
+          </p:cNvSpPr>
+          <p:nvPr>
+            <p:ph type="title"/>
+          </p:nvPr>
+        </p:nvSpPr>
+        <p:spPr/>
+        <p:txBody>
+          <a:bodyPr/>
+          <a:lstStyle/>
+          <a:p>
+            <a:r>
+              <a:rPr lang="en-US" dirty="0" smtClean="0"/>
+              <a:t>Constructor</a:t>
+            </a:r>
+            <a:endParaRPr lang="en-US" dirty="0"/>
+          </a:p>
+        </p:txBody>
+      </p:sp>
+      <p:pic>
+        <p:nvPicPr>
+          <p:cNvPr id="4" name="Content Placeholder 3" descr="ReporterApp - Constructor.png"/>
+          <p:cNvPicPr>
+            <a:picLocks noGrp="1" noChangeAspect="1"/>
+          </p:cNvPicPr>
+          <p:nvPr>
+            <p:ph idx="1"/>
+          </p:nvPr>
+        </p:nvPicPr>
+        <p:blipFill>
+          <a:blip r:embed="rId2">
+            <a:extLst>
+              <a:ext uri="{28A0092B-C50C-407E-A947-70E740481C1C}">
+                <a14:useLocalDpi xmlns:a14="http://schemas.microsoft.com/office/drawing/2010/main" val="0"/>
+              </a:ext>
+            </a:extLst>
+          </a:blip>
+          <a:srcRect t="-5226" b="-5226"/>
+          <a:stretch>
+            <a:fillRect/>
+          </a:stretch>
+        </p:blipFill>
+        <p:spPr/>
+      </p:pic>
+    </p:spTree>
+    <p:extLst>
+      <p:ext uri="{BB962C8B-B14F-4D97-AF65-F5344CB8AC3E}">
+        <p14:creationId xmlns:p14="http://schemas.microsoft.com/office/powerpoint/2010/main" val="1625794875"/>
+      </p:ext>
+    </p:extLst>
+  </p:cSld>
+  <p:clrMapOvr>
+    <a:masterClrMapping/>
+  </p:clrMapOvr>
+  <p:timing>
+    <p:tnLst>
+      <p:par>
+        <p:cTn id="1" dur="indefinite" restart="never" nodeType="tmRoot"/>
+      </p:par>
+    </p:tnLst>
+  </p:timing>
+</p:sld>
+</file>
+
+<file path=ppt/slides/slide32.xml><?xml version="1.0" encoding="utf-8"?>
+<p:sld xmlns:a="http://schemas.openxmlformats.org/drawingml/2006/main" xmlns:r="http://schemas.openxmlformats.org/officeDocument/2006/relationships" xmlns:p="http://schemas.openxmlformats.org/presentationml/2006/main">
+  <p:cSld>
+    <p:spTree>
+      <p:nvGrpSpPr>
+        <p:cNvPr id="1" name=""/>
+        <p:cNvGrpSpPr/>
+        <p:nvPr/>
+      </p:nvGrpSpPr>
+      <p:grpSpPr>
+        <a:xfrm>
+          <a:off x="0" y="0"/>
+          <a:ext cx="0" cy="0"/>
+          <a:chOff x="0" y="0"/>
+          <a:chExt cx="0" cy="0"/>
+        </a:xfrm>
+      </p:grpSpPr>
+      <p:sp>
+        <p:nvSpPr>
+          <p:cNvPr id="2" name="Title 1"/>
+          <p:cNvSpPr>
+            <a:spLocks noGrp="1"/>
+          </p:cNvSpPr>
+          <p:nvPr>
+            <p:ph type="title"/>
+          </p:nvPr>
+        </p:nvSpPr>
+        <p:spPr/>
+        <p:txBody>
+          <a:bodyPr/>
+          <a:lstStyle/>
+          <a:p>
+            <a:r>
+              <a:rPr lang="en-US" dirty="0" smtClean="0"/>
+              <a:t>Constructor (Cont’d)</a:t>
+            </a:r>
+            <a:endParaRPr lang="en-US" dirty="0"/>
+          </a:p>
+        </p:txBody>
+      </p:sp>
+      <p:pic>
+        <p:nvPicPr>
+          <p:cNvPr id="4" name="Content Placeholder 3" descr="Context - Constructor.png"/>
+          <p:cNvPicPr>
+            <a:picLocks noGrp="1" noChangeAspect="1"/>
+          </p:cNvPicPr>
+          <p:nvPr>
+            <p:ph idx="1"/>
+          </p:nvPr>
+        </p:nvPicPr>
+        <p:blipFill>
+          <a:blip r:embed="rId2">
+            <a:extLst>
+              <a:ext uri="{28A0092B-C50C-407E-A947-70E740481C1C}">
+                <a14:useLocalDpi xmlns:a14="http://schemas.microsoft.com/office/drawing/2010/main" val="0"/>
+              </a:ext>
+            </a:extLst>
+          </a:blip>
+          <a:srcRect t="-175118" b="-175118"/>
+          <a:stretch>
+            <a:fillRect/>
+          </a:stretch>
+        </p:blipFill>
+        <p:spPr/>
+      </p:pic>
+    </p:spTree>
+    <p:extLst>
+      <p:ext uri="{BB962C8B-B14F-4D97-AF65-F5344CB8AC3E}">
+        <p14:creationId xmlns:p14="http://schemas.microsoft.com/office/powerpoint/2010/main" val="1562893742"/>
+      </p:ext>
+    </p:extLst>
+  </p:cSld>
+  <p:clrMapOvr>
+    <a:masterClrMapping/>
+  </p:clrMapOvr>
+  <p:timing>
+    <p:tnLst>
+      <p:par>
+        <p:cTn id="1" dur="indefinite" restart="never" nodeType="tmRoot"/>
+      </p:par>
+    </p:tnLst>
+  </p:timing>
+</p:sld>
+</file>
+
+<file path=ppt/slides/slide33.xml><?xml version="1.0" encoding="utf-8"?>
+<p:sld xmlns:a="http://schemas.openxmlformats.org/drawingml/2006/main" xmlns:r="http://schemas.openxmlformats.org/officeDocument/2006/relationships" xmlns:p="http://schemas.openxmlformats.org/presentationml/2006/main">
+  <p:cSld>
+    <p:spTree>
+      <p:nvGrpSpPr>
+        <p:cNvPr id="1" name=""/>
+        <p:cNvGrpSpPr/>
+        <p:nvPr/>
+      </p:nvGrpSpPr>
+      <p:grpSpPr>
+        <a:xfrm>
+          <a:off x="0" y="0"/>
+          <a:ext cx="0" cy="0"/>
+          <a:chOff x="0" y="0"/>
+          <a:chExt cx="0" cy="0"/>
+        </a:xfrm>
+      </p:grpSpPr>
+      <p:sp>
+        <p:nvSpPr>
+          <p:cNvPr id="2" name="Title 1"/>
+          <p:cNvSpPr>
+            <a:spLocks noGrp="1"/>
+          </p:cNvSpPr>
+          <p:nvPr>
+            <p:ph type="title"/>
+          </p:nvPr>
+        </p:nvSpPr>
+        <p:spPr/>
+        <p:txBody>
+          <a:bodyPr/>
+          <a:lstStyle/>
+          <a:p>
+            <a:r>
+              <a:rPr lang="en-US" dirty="0" smtClean="0"/>
+              <a:t>XML Based Configuration</a:t>
+            </a:r>
+            <a:endParaRPr lang="en-US" dirty="0"/>
+          </a:p>
+        </p:txBody>
+      </p:sp>
+      <p:sp>
+        <p:nvSpPr>
+          <p:cNvPr id="3" name="Content Placeholder 2"/>
+          <p:cNvSpPr>
+            <a:spLocks noGrp="1"/>
+          </p:cNvSpPr>
+          <p:nvPr>
+            <p:ph idx="1"/>
+          </p:nvPr>
+        </p:nvSpPr>
+        <p:spPr/>
+        <p:txBody>
+          <a:bodyPr/>
+          <a:lstStyle/>
+          <a:p>
+            <a:r>
+              <a:rPr lang="en-US" dirty="0" smtClean="0"/>
+              <a:t>“XML Programming”</a:t>
+            </a:r>
+          </a:p>
+          <a:p>
+            <a:r>
+              <a:rPr lang="en-US" dirty="0" smtClean="0"/>
+              <a:t>No Unit Testing</a:t>
+            </a:r>
+          </a:p>
+          <a:p>
+            <a:r>
+              <a:rPr lang="en-US" dirty="0" smtClean="0"/>
+              <a:t>Error Message is not Helpful</a:t>
+            </a:r>
+          </a:p>
+          <a:p>
+            <a:r>
+              <a:rPr lang="en-US" dirty="0" smtClean="0"/>
+              <a:t>Difficult to Catch Typo</a:t>
+            </a:r>
+          </a:p>
+          <a:p>
+            <a:r>
+              <a:rPr lang="en-US" dirty="0" smtClean="0"/>
+              <a:t>Difficult to Troubleshoot</a:t>
+            </a:r>
+          </a:p>
+          <a:p>
+            <a:endParaRPr lang="en-US" dirty="0" smtClean="0"/>
+          </a:p>
+          <a:p>
+            <a:endParaRPr lang="en-US" dirty="0"/>
+          </a:p>
+        </p:txBody>
+      </p:sp>
+    </p:spTree>
+    <p:extLst>
+      <p:ext uri="{BB962C8B-B14F-4D97-AF65-F5344CB8AC3E}">
+        <p14:creationId xmlns:p14="http://schemas.microsoft.com/office/powerpoint/2010/main" val="3700004050"/>
+      </p:ext>
+    </p:extLst>
+  </p:cSld>
+  <p:clrMapOvr>
+    <a:masterClrMapping/>
+  </p:clrMapOvr>
+  <p:timing>
+    <p:tnLst>
+      <p:par>
+        <p:cTn id="1" dur="indefinite" restart="never" nodeType="tmRoot"/>
+      </p:par>
+    </p:tnLst>
+  </p:timing>
+</p:sld>
+</file>
+
+<file path=ppt/slides/slide34.xml><?xml version="1.0" encoding="utf-8"?>
+<p:sld xmlns:a="http://schemas.openxmlformats.org/drawingml/2006/main" xmlns:r="http://schemas.openxmlformats.org/officeDocument/2006/relationships" xmlns:p="http://schemas.openxmlformats.org/presentationml/2006/main">
+  <p:cSld>
+    <p:spTree>
+      <p:nvGrpSpPr>
+        <p:cNvPr id="1" name=""/>
+        <p:cNvGrpSpPr/>
+        <p:nvPr/>
+      </p:nvGrpSpPr>
+      <p:grpSpPr>
+        <a:xfrm>
+          <a:off x="0" y="0"/>
+          <a:ext cx="0" cy="0"/>
+          <a:chOff x="0" y="0"/>
+          <a:chExt cx="0" cy="0"/>
+        </a:xfrm>
+      </p:grpSpPr>
+      <p:sp>
+        <p:nvSpPr>
+          <p:cNvPr id="2" name="Title 1"/>
+          <p:cNvSpPr>
+            <a:spLocks noGrp="1"/>
+          </p:cNvSpPr>
+          <p:nvPr>
+            <p:ph type="title"/>
+          </p:nvPr>
+        </p:nvSpPr>
+        <p:spPr/>
+        <p:txBody>
+          <a:bodyPr/>
+          <a:lstStyle/>
+          <a:p>
+            <a:r>
+              <a:rPr lang="en-US" dirty="0" err="1" smtClean="0"/>
+              <a:t>JavaConfig</a:t>
+            </a:r>
+            <a:endParaRPr lang="en-US" dirty="0"/>
+          </a:p>
+        </p:txBody>
+      </p:sp>
+      <p:sp>
+        <p:nvSpPr>
+          <p:cNvPr id="3" name="Content Placeholder 2"/>
+          <p:cNvSpPr>
+            <a:spLocks noGrp="1"/>
+          </p:cNvSpPr>
+          <p:nvPr>
+            <p:ph idx="1"/>
+          </p:nvPr>
+        </p:nvSpPr>
+        <p:spPr/>
+        <p:txBody>
+          <a:bodyPr/>
+          <a:lstStyle/>
+          <a:p>
+            <a:r>
+              <a:rPr lang="en-US" dirty="0" smtClean="0"/>
+              <a:t>Spring 3.0+</a:t>
+            </a:r>
+          </a:p>
+          <a:p>
+            <a:r>
+              <a:rPr lang="en-US" dirty="0" smtClean="0"/>
+              <a:t>Answer to Google’s </a:t>
+            </a:r>
+            <a:r>
+              <a:rPr lang="en-US" dirty="0" err="1" smtClean="0"/>
+              <a:t>Guice</a:t>
+            </a:r>
+            <a:endParaRPr lang="en-US" dirty="0" smtClean="0"/>
+          </a:p>
+          <a:p>
+            <a:r>
+              <a:rPr lang="en-US" dirty="0" smtClean="0"/>
+              <a:t>Annotation/Java Based DI</a:t>
+            </a:r>
+          </a:p>
+          <a:p>
+            <a:r>
+              <a:rPr lang="en-US" dirty="0" smtClean="0"/>
+              <a:t>Same Level of Isolation as XML Configuration </a:t>
+            </a:r>
+          </a:p>
+          <a:p>
+            <a:r>
+              <a:rPr lang="en-US" dirty="0" smtClean="0"/>
+              <a:t>Work with XML Configuration</a:t>
+            </a:r>
+          </a:p>
+          <a:p>
+            <a:r>
+              <a:rPr lang="en-US" dirty="0" smtClean="0"/>
+              <a:t>Constructor is Useful again – Immutable</a:t>
+            </a:r>
+          </a:p>
+          <a:p>
+            <a:r>
+              <a:rPr lang="en-US" dirty="0" smtClean="0"/>
+              <a:t>Unit Testing?</a:t>
+            </a:r>
+          </a:p>
+          <a:p>
+            <a:endParaRPr lang="en-US" dirty="0" smtClean="0"/>
+          </a:p>
+        </p:txBody>
+      </p:sp>
+    </p:spTree>
+    <p:extLst>
+      <p:ext uri="{BB962C8B-B14F-4D97-AF65-F5344CB8AC3E}">
+        <p14:creationId xmlns:p14="http://schemas.microsoft.com/office/powerpoint/2010/main" val="706890363"/>
+      </p:ext>
+    </p:extLst>
+  </p:cSld>
+  <p:clrMapOvr>
+    <a:masterClrMapping/>
+  </p:clrMapOvr>
+  <p:timing>
+    <p:tnLst>
+      <p:par>
+        <p:cTn id="1" dur="indefinite" restart="never" nodeType="tmRoot"/>
+      </p:par>
+    </p:tnLst>
+  </p:timing>
+</p:sld>
+</file>
+
+<file path=ppt/slides/slide35.xml><?xml version="1.0" encoding="utf-8"?>
+<p:sld xmlns:a="http://schemas.openxmlformats.org/drawingml/2006/main" xmlns:r="http://schemas.openxmlformats.org/officeDocument/2006/relationships" xmlns:p="http://schemas.openxmlformats.org/presentationml/2006/main">
+  <p:cSld>
+    <p:spTree>
+      <p:nvGrpSpPr>
+        <p:cNvPr id="1" name=""/>
+        <p:cNvGrpSpPr/>
+        <p:nvPr/>
+      </p:nvGrpSpPr>
+      <p:grpSpPr>
+        <a:xfrm>
+          <a:off x="0" y="0"/>
+          <a:ext cx="0" cy="0"/>
+          <a:chOff x="0" y="0"/>
+          <a:chExt cx="0" cy="0"/>
+        </a:xfrm>
+      </p:grpSpPr>
+      <p:sp>
+        <p:nvSpPr>
+          <p:cNvPr id="2" name="Title 1"/>
+          <p:cNvSpPr>
+            <a:spLocks noGrp="1"/>
+          </p:cNvSpPr>
+          <p:nvPr>
+            <p:ph type="title"/>
+          </p:nvPr>
+        </p:nvSpPr>
+        <p:spPr/>
+        <p:txBody>
+          <a:bodyPr/>
+          <a:lstStyle/>
+          <a:p>
+            <a:r>
+              <a:rPr lang="en-US" dirty="0" err="1" smtClean="0"/>
+              <a:t>JavaConfig</a:t>
+            </a:r>
+            <a:r>
+              <a:rPr lang="en-US" dirty="0" smtClean="0"/>
+              <a:t> (Cont’d)</a:t>
+            </a:r>
+            <a:endParaRPr lang="en-US" dirty="0"/>
+          </a:p>
+        </p:txBody>
+      </p:sp>
+      <p:pic>
+        <p:nvPicPr>
+          <p:cNvPr id="4" name="Content Placeholder 3" descr="cglib.png"/>
+          <p:cNvPicPr>
+            <a:picLocks noGrp="1" noChangeAspect="1"/>
+          </p:cNvPicPr>
+          <p:nvPr>
+            <p:ph idx="1"/>
+          </p:nvPr>
+        </p:nvPicPr>
+        <p:blipFill>
+          <a:blip r:embed="rId3">
+            <a:extLst>
+              <a:ext uri="{28A0092B-C50C-407E-A947-70E740481C1C}">
+                <a14:useLocalDpi xmlns:a14="http://schemas.microsoft.com/office/drawing/2010/main" val="0"/>
+              </a:ext>
+            </a:extLst>
+          </a:blip>
+          <a:srcRect t="-60756" b="-60756"/>
+          <a:stretch>
+            <a:fillRect/>
+          </a:stretch>
+        </p:blipFill>
+        <p:spPr>
+          <a:xfrm>
+            <a:off x="2029863" y="2030923"/>
+            <a:ext cx="5084275" cy="2796155"/>
+          </a:xfrm>
+        </p:spPr>
+      </p:pic>
+    </p:spTree>
+    <p:extLst>
+      <p:ext uri="{BB962C8B-B14F-4D97-AF65-F5344CB8AC3E}">
+        <p14:creationId xmlns:p14="http://schemas.microsoft.com/office/powerpoint/2010/main" val="4060068925"/>
+      </p:ext>
+    </p:extLst>
+  </p:cSld>
+  <p:clrMapOvr>
+    <a:masterClrMapping/>
+  </p:clrMapOvr>
+  <p:timing>
+    <p:tnLst>
+      <p:par>
+        <p:cTn id="1" dur="indefinite" restart="never" nodeType="tmRoot"/>
+      </p:par>
+    </p:tnLst>
+  </p:timing>
+</p:sld>
+</file>
+
+<file path=ppt/slides/slide36.xml><?xml version="1.0" encoding="utf-8"?>
+<p:sld xmlns:a="http://schemas.openxmlformats.org/drawingml/2006/main" xmlns:r="http://schemas.openxmlformats.org/officeDocument/2006/relationships" xmlns:p="http://schemas.openxmlformats.org/presentationml/2006/main">
+  <p:cSld>
+    <p:spTree>
+      <p:nvGrpSpPr>
+        <p:cNvPr id="1" name=""/>
+        <p:cNvGrpSpPr/>
+        <p:nvPr/>
+      </p:nvGrpSpPr>
+      <p:grpSpPr>
+        <a:xfrm>
+          <a:off x="0" y="0"/>
+          <a:ext cx="0" cy="0"/>
+          <a:chOff x="0" y="0"/>
+          <a:chExt cx="0" cy="0"/>
+        </a:xfrm>
+      </p:grpSpPr>
+      <p:sp>
+        <p:nvSpPr>
+          <p:cNvPr id="2" name="Title 1"/>
+          <p:cNvSpPr>
+            <a:spLocks noGrp="1"/>
+          </p:cNvSpPr>
+          <p:nvPr>
+            <p:ph type="title"/>
+          </p:nvPr>
+        </p:nvSpPr>
+        <p:spPr/>
+        <p:txBody>
+          <a:bodyPr/>
+          <a:lstStyle/>
+          <a:p>
+            <a:r>
+              <a:rPr lang="en-US" dirty="0" err="1" smtClean="0"/>
+              <a:t>JavaConfig</a:t>
+            </a:r>
+            <a:r>
+              <a:rPr lang="en-US" dirty="0" smtClean="0"/>
+              <a:t> (Cont’d)</a:t>
+            </a:r>
+            <a:endParaRPr lang="en-US" dirty="0"/>
+          </a:p>
+        </p:txBody>
+      </p:sp>
+      <p:pic>
+        <p:nvPicPr>
+          <p:cNvPr id="4" name="Content Placeholder 3"/>
+          <p:cNvPicPr>
+            <a:picLocks noGrp="1" noChangeAspect="1"/>
+          </p:cNvPicPr>
+          <p:nvPr>
+            <p:ph idx="1"/>
+          </p:nvPr>
+        </p:nvPicPr>
+        <p:blipFill>
+          <a:blip r:embed="rId2">
+            <a:extLst>
+              <a:ext uri="{28A0092B-C50C-407E-A947-70E740481C1C}">
+                <a14:useLocalDpi xmlns:a14="http://schemas.microsoft.com/office/drawing/2010/main" val="0"/>
+              </a:ext>
+            </a:extLst>
+          </a:blip>
+          <a:srcRect/>
+          <a:stretch>
+            <a:fillRect/>
+          </a:stretch>
+        </p:blipFill>
+        <p:spPr>
+          <a:xfrm>
+            <a:off x="457200" y="2083530"/>
+            <a:ext cx="8229600" cy="3559302"/>
+          </a:xfrm>
+        </p:spPr>
+      </p:pic>
+    </p:spTree>
+    <p:extLst>
+      <p:ext uri="{BB962C8B-B14F-4D97-AF65-F5344CB8AC3E}">
+        <p14:creationId xmlns:p14="http://schemas.microsoft.com/office/powerpoint/2010/main" val="321060620"/>
+      </p:ext>
+    </p:extLst>
+  </p:cSld>
+  <p:clrMapOvr>
+    <a:masterClrMapping/>
+  </p:clrMapOvr>
+  <p:timing>
+    <p:tnLst>
+      <p:par>
+        <p:cTn id="1" dur="indefinite" restart="never" nodeType="tmRoot"/>
+      </p:par>
+    </p:tnLst>
+  </p:timing>
+</p:sld>
+</file>
+
+<file path=ppt/slides/slide37.xml><?xml version="1.0" encoding="utf-8"?>
+<p:sld xmlns:a="http://schemas.openxmlformats.org/drawingml/2006/main" xmlns:r="http://schemas.openxmlformats.org/officeDocument/2006/relationships" xmlns:p="http://schemas.openxmlformats.org/presentationml/2006/main">
+  <p:cSld>
+    <p:spTree>
+      <p:nvGrpSpPr>
+        <p:cNvPr id="1" name=""/>
+        <p:cNvGrpSpPr/>
+        <p:nvPr/>
+      </p:nvGrpSpPr>
+      <p:grpSpPr>
+        <a:xfrm>
+          <a:off x="0" y="0"/>
+          <a:ext cx="0" cy="0"/>
+          <a:chOff x="0" y="0"/>
+          <a:chExt cx="0" cy="0"/>
+        </a:xfrm>
+      </p:grpSpPr>
+      <p:sp>
+        <p:nvSpPr>
+          <p:cNvPr id="2" name="Title 1"/>
+          <p:cNvSpPr>
+            <a:spLocks noGrp="1"/>
+          </p:cNvSpPr>
+          <p:nvPr>
+            <p:ph type="title"/>
+          </p:nvPr>
+        </p:nvSpPr>
+        <p:spPr/>
+        <p:txBody>
+          <a:bodyPr/>
+          <a:lstStyle/>
+          <a:p>
+            <a:r>
+              <a:rPr lang="en-US" dirty="0" err="1" smtClean="0"/>
+              <a:t>JavaConfig</a:t>
+            </a:r>
+            <a:r>
+              <a:rPr lang="en-US" dirty="0" smtClean="0"/>
+              <a:t> (Cont’d)</a:t>
+            </a:r>
+            <a:endParaRPr lang="en-US" dirty="0"/>
+          </a:p>
+        </p:txBody>
+      </p:sp>
+      <p:pic>
+        <p:nvPicPr>
+          <p:cNvPr id="4" name="Content Placeholder 3" descr="javaconfig.png"/>
+          <p:cNvPicPr>
+            <a:picLocks noGrp="1" noChangeAspect="1"/>
+          </p:cNvPicPr>
+          <p:nvPr>
+            <p:ph idx="1"/>
+          </p:nvPr>
+        </p:nvPicPr>
+        <p:blipFill>
+          <a:blip r:embed="rId2">
+            <a:extLst>
+              <a:ext uri="{28A0092B-C50C-407E-A947-70E740481C1C}">
+                <a14:useLocalDpi xmlns:a14="http://schemas.microsoft.com/office/drawing/2010/main" val="0"/>
+              </a:ext>
+            </a:extLst>
+          </a:blip>
+          <a:srcRect l="-14681" r="-14681"/>
+          <a:stretch>
+            <a:fillRect/>
+          </a:stretch>
+        </p:blipFill>
+        <p:spPr/>
+      </p:pic>
+    </p:spTree>
+    <p:extLst>
+      <p:ext uri="{BB962C8B-B14F-4D97-AF65-F5344CB8AC3E}">
+        <p14:creationId xmlns:p14="http://schemas.microsoft.com/office/powerpoint/2010/main" val="754781842"/>
+      </p:ext>
+    </p:extLst>
+  </p:cSld>
+  <p:clrMapOvr>
+    <a:masterClrMapping/>
+  </p:clrMapOvr>
+  <p:timing>
+    <p:tnLst>
+      <p:par>
+        <p:cTn id="1" dur="indefinite" restart="never" nodeType="tmRoot"/>
+      </p:par>
+    </p:tnLst>
+  </p:timing>
+</p:sld>
+</file>
+
+<file path=ppt/slides/slide38.xml><?xml version="1.0" encoding="utf-8"?>
+<p:sld xmlns:a="http://schemas.openxmlformats.org/drawingml/2006/main" xmlns:r="http://schemas.openxmlformats.org/officeDocument/2006/relationships" xmlns:p="http://schemas.openxmlformats.org/presentationml/2006/main">
+  <p:cSld>
+    <p:spTree>
+      <p:nvGrpSpPr>
+        <p:cNvPr id="1" name=""/>
+        <p:cNvGrpSpPr/>
+        <p:nvPr/>
+      </p:nvGrpSpPr>
+      <p:grpSpPr>
+        <a:xfrm>
+          <a:off x="0" y="0"/>
+          <a:ext cx="0" cy="0"/>
+          <a:chOff x="0" y="0"/>
+          <a:chExt cx="0" cy="0"/>
+        </a:xfrm>
+      </p:grpSpPr>
+      <p:sp>
+        <p:nvSpPr>
+          <p:cNvPr id="2" name="Title 1"/>
+          <p:cNvSpPr>
+            <a:spLocks noGrp="1"/>
+          </p:cNvSpPr>
+          <p:nvPr>
+            <p:ph type="ctrTitle"/>
+          </p:nvPr>
+        </p:nvSpPr>
+        <p:spPr>
+          <a:xfrm>
+            <a:off x="685800" y="2693988"/>
+            <a:ext cx="7772400" cy="1470025"/>
+          </a:xfrm>
+        </p:spPr>
+        <p:txBody>
+          <a:bodyPr/>
+          <a:lstStyle/>
+          <a:p>
+            <a:r>
+              <a:rPr lang="en-US" dirty="0" smtClean="0"/>
+              <a:t>Property Management</a:t>
+            </a:r>
+            <a:endParaRPr lang="en-US" dirty="0"/>
+          </a:p>
+        </p:txBody>
+      </p:sp>
+    </p:spTree>
+    <p:extLst>
+      <p:ext uri="{BB962C8B-B14F-4D97-AF65-F5344CB8AC3E}">
+        <p14:creationId xmlns:p14="http://schemas.microsoft.com/office/powerpoint/2010/main" val="1982762496"/>
+      </p:ext>
+    </p:extLst>
+  </p:cSld>
+  <p:clrMapOvr>
+    <a:masterClrMapping/>
+  </p:clrMapOvr>
+  <p:timing>
+    <p:tnLst>
+      <p:par>
+        <p:cTn id="1" dur="indefinite" restart="never" nodeType="tmRoot"/>
+      </p:par>
+    </p:tnLst>
+  </p:timing>
+</p:sld>
+</file>
+
+<file path=ppt/slides/slide39.xml><?xml version="1.0" encoding="utf-8"?>
+<p:sld xmlns:a="http://schemas.openxmlformats.org/drawingml/2006/main" xmlns:r="http://schemas.openxmlformats.org/officeDocument/2006/relationships" xmlns:p="http://schemas.openxmlformats.org/presentationml/2006/main">
+  <p:cSld>
+    <p:spTree>
+      <p:nvGrpSpPr>
+        <p:cNvPr id="1" name=""/>
+        <p:cNvGrpSpPr/>
+        <p:nvPr/>
+      </p:nvGrpSpPr>
+      <p:grpSpPr>
+        <a:xfrm>
+          <a:off x="0" y="0"/>
+          <a:ext cx="0" cy="0"/>
+          <a:chOff x="0" y="0"/>
+          <a:chExt cx="0" cy="0"/>
+        </a:xfrm>
+      </p:grpSpPr>
+      <p:sp>
+        <p:nvSpPr>
+          <p:cNvPr id="2" name="Title 1"/>
+          <p:cNvSpPr>
+            <a:spLocks noGrp="1"/>
+          </p:cNvSpPr>
+          <p:nvPr>
+            <p:ph type="title"/>
+          </p:nvPr>
+        </p:nvSpPr>
+        <p:spPr/>
+        <p:txBody>
+          <a:bodyPr/>
+          <a:lstStyle/>
+          <a:p>
+            <a:r>
+              <a:rPr lang="en-US" dirty="0" smtClean="0"/>
               <a:t>Maven Profile</a:t>
             </a:r>
             <a:endParaRPr lang="en-US" dirty="0"/>
@@ -9950,14 +9282,212 @@
   <p:timing>
     <p:tnLst>
       <p:par>
-        <p:cTn xmlns:p14="http://schemas.microsoft.com/office/powerpoint/2010/main" id="1" dur="indefinite" restart="never" nodeType="tmRoot"/>
+        <p:cTn id="1" dur="indefinite" restart="never" nodeType="tmRoot"/>
       </p:par>
     </p:tnLst>
   </p:timing>
 </p:sld>
 </file>
 
-<file path=ppt/slides/slide42.xml><?xml version="1.0" encoding="utf-8"?>
+<file path=ppt/slides/slide4.xml><?xml version="1.0" encoding="utf-8"?>
+<p:sld xmlns:a="http://schemas.openxmlformats.org/drawingml/2006/main" xmlns:r="http://schemas.openxmlformats.org/officeDocument/2006/relationships" xmlns:p="http://schemas.openxmlformats.org/presentationml/2006/main">
+  <p:cSld>
+    <p:spTree>
+      <p:nvGrpSpPr>
+        <p:cNvPr id="1" name=""/>
+        <p:cNvGrpSpPr/>
+        <p:nvPr/>
+      </p:nvGrpSpPr>
+      <p:grpSpPr>
+        <a:xfrm>
+          <a:off x="0" y="0"/>
+          <a:ext cx="0" cy="0"/>
+          <a:chOff x="0" y="0"/>
+          <a:chExt cx="0" cy="0"/>
+        </a:xfrm>
+      </p:grpSpPr>
+      <p:sp>
+        <p:nvSpPr>
+          <p:cNvPr id="2" name="Title 1"/>
+          <p:cNvSpPr>
+            <a:spLocks noGrp="1"/>
+          </p:cNvSpPr>
+          <p:nvPr>
+            <p:ph type="title"/>
+          </p:nvPr>
+        </p:nvSpPr>
+        <p:spPr/>
+        <p:txBody>
+          <a:bodyPr/>
+          <a:lstStyle/>
+          <a:p>
+            <a:r>
+              <a:rPr lang="en-US" dirty="0" smtClean="0"/>
+              <a:t>Spring Overview</a:t>
+            </a:r>
+            <a:endParaRPr lang="en-US" dirty="0"/>
+          </a:p>
+        </p:txBody>
+      </p:sp>
+      <p:sp>
+        <p:nvSpPr>
+          <p:cNvPr id="3" name="Content Placeholder 2"/>
+          <p:cNvSpPr>
+            <a:spLocks noGrp="1"/>
+          </p:cNvSpPr>
+          <p:nvPr>
+            <p:ph sz="half" idx="1"/>
+          </p:nvPr>
+        </p:nvSpPr>
+        <p:spPr/>
+        <p:txBody>
+          <a:bodyPr/>
+          <a:lstStyle/>
+          <a:p>
+            <a:r>
+              <a:rPr lang="en-US" dirty="0" smtClean="0"/>
+              <a:t>Spring Framework</a:t>
+            </a:r>
+          </a:p>
+          <a:p>
+            <a:r>
+              <a:rPr lang="en-US" dirty="0" smtClean="0"/>
+              <a:t>Spring Batch</a:t>
+            </a:r>
+          </a:p>
+          <a:p>
+            <a:r>
+              <a:rPr lang="en-US" dirty="0" smtClean="0"/>
+              <a:t>Spring Integration</a:t>
+            </a:r>
+          </a:p>
+          <a:p>
+            <a:r>
+              <a:rPr lang="en-US" dirty="0" smtClean="0"/>
+              <a:t>Spring Security</a:t>
+            </a:r>
+          </a:p>
+          <a:p>
+            <a:r>
+              <a:rPr lang="en-US" dirty="0" smtClean="0"/>
+              <a:t>Spring Web Service</a:t>
+            </a:r>
+          </a:p>
+          <a:p>
+            <a:r>
+              <a:rPr lang="en-US" dirty="0" smtClean="0"/>
+              <a:t>Spring Data</a:t>
+            </a:r>
+          </a:p>
+          <a:p>
+            <a:r>
+              <a:rPr lang="en-US" dirty="0" smtClean="0"/>
+              <a:t>Spring </a:t>
+            </a:r>
+            <a:r>
+              <a:rPr lang="en-US" dirty="0" err="1" smtClean="0"/>
+              <a:t>Hadoop</a:t>
+            </a:r>
+            <a:endParaRPr lang="en-US" dirty="0" smtClean="0"/>
+          </a:p>
+        </p:txBody>
+      </p:sp>
+      <p:sp>
+        <p:nvSpPr>
+          <p:cNvPr id="4" name="Content Placeholder 3"/>
+          <p:cNvSpPr>
+            <a:spLocks noGrp="1"/>
+          </p:cNvSpPr>
+          <p:nvPr>
+            <p:ph sz="half" idx="2"/>
+          </p:nvPr>
+        </p:nvSpPr>
+        <p:spPr/>
+        <p:txBody>
+          <a:bodyPr/>
+          <a:lstStyle/>
+          <a:p>
+            <a:r>
+              <a:rPr lang="en-US" dirty="0" smtClean="0"/>
+              <a:t>Spring Mobile</a:t>
+            </a:r>
+          </a:p>
+          <a:p>
+            <a:r>
+              <a:rPr lang="en-US" dirty="0" smtClean="0"/>
+              <a:t>Spring Social</a:t>
+            </a:r>
+          </a:p>
+          <a:p>
+            <a:r>
+              <a:rPr lang="en-US" dirty="0" smtClean="0"/>
+              <a:t>Spring Web Flow</a:t>
+            </a:r>
+          </a:p>
+          <a:p>
+            <a:r>
+              <a:rPr lang="en-US" dirty="0" smtClean="0"/>
+              <a:t>Spring </a:t>
+            </a:r>
+            <a:r>
+              <a:rPr lang="en-US" dirty="0" err="1" smtClean="0"/>
+              <a:t>BlazeDS</a:t>
+            </a:r>
+            <a:endParaRPr lang="en-US" dirty="0" smtClean="0"/>
+          </a:p>
+          <a:p>
+            <a:r>
+              <a:rPr lang="en-US" dirty="0" smtClean="0"/>
+              <a:t>Spring </a:t>
+            </a:r>
+            <a:r>
+              <a:rPr lang="en-US" dirty="0" err="1" smtClean="0"/>
+              <a:t>Roo</a:t>
+            </a:r>
+            <a:endParaRPr lang="en-US" dirty="0" smtClean="0"/>
+          </a:p>
+          <a:p>
+            <a:r>
+              <a:rPr lang="en-US" dirty="0" smtClean="0"/>
+              <a:t>Spring .NET</a:t>
+            </a:r>
+          </a:p>
+          <a:p>
+            <a:r>
+              <a:rPr lang="en-US" dirty="0" smtClean="0"/>
+              <a:t>Spring Python</a:t>
+            </a:r>
+          </a:p>
+          <a:p>
+            <a:r>
+              <a:rPr lang="en-US" dirty="0" smtClean="0"/>
+              <a:t>…</a:t>
+            </a:r>
+            <a:endParaRPr lang="en-US" dirty="0"/>
+          </a:p>
+        </p:txBody>
+      </p:sp>
+    </p:spTree>
+    <p:extLst>
+      <p:ext uri="{BB962C8B-B14F-4D97-AF65-F5344CB8AC3E}">
+        <p14:creationId xmlns:p14="http://schemas.microsoft.com/office/powerpoint/2010/main" val="460493154"/>
+      </p:ext>
+    </p:extLst>
+  </p:cSld>
+  <p:clrMapOvr>
+    <a:masterClrMapping/>
+  </p:clrMapOvr>
+  <p:timing>
+    <p:tnLst>
+      <p:par>
+        <p:cTn id="1" dur="indefinite" restart="never" nodeType="tmRoot"/>
+      </p:par>
+    </p:tnLst>
+  </p:timing>
+</p:sld>
+</file>
+
+<file path=ppt/slides/slide40.xml><?xml version="1.0" encoding="utf-8"?>
 <p:sld xmlns:a="http://schemas.openxmlformats.org/drawingml/2006/main" xmlns:r="http://schemas.openxmlformats.org/officeDocument/2006/relationships" xmlns:p="http://schemas.openxmlformats.org/presentationml/2006/main">
   <p:cSld>
     <p:spTree>
@@ -10068,7 +9598,7 @@
 </p:sld>
 </file>
 
-<file path=ppt/slides/slide43.xml><?xml version="1.0" encoding="utf-8"?>
+<file path=ppt/slides/slide41.xml><?xml version="1.0" encoding="utf-8"?>
 <p:sld xmlns:a="http://schemas.openxmlformats.org/drawingml/2006/main" xmlns:r="http://schemas.openxmlformats.org/officeDocument/2006/relationships" xmlns:p="http://schemas.openxmlformats.org/presentationml/2006/main">
   <p:cSld>
     <p:spTree>
@@ -10163,7 +9693,7 @@
 </p:sld>
 </file>
 
-<file path=ppt/slides/slide44.xml><?xml version="1.0" encoding="utf-8"?>
+<file path=ppt/slides/slide42.xml><?xml version="1.0" encoding="utf-8"?>
 <p:sld xmlns:a="http://schemas.openxmlformats.org/drawingml/2006/main" xmlns:r="http://schemas.openxmlformats.org/officeDocument/2006/relationships" xmlns:p="http://schemas.openxmlformats.org/presentationml/2006/main">
   <p:cSld>
     <p:spTree>
@@ -10245,7 +9775,7 @@
 </p:sld>
 </file>
 
-<file path=ppt/slides/slide45.xml><?xml version="1.0" encoding="utf-8"?>
+<file path=ppt/slides/slide43.xml><?xml version="1.0" encoding="utf-8"?>
 <p:sld xmlns:a="http://schemas.openxmlformats.org/drawingml/2006/main" xmlns:r="http://schemas.openxmlformats.org/officeDocument/2006/relationships" xmlns:p="http://schemas.openxmlformats.org/presentationml/2006/main">
   <p:cSld>
     <p:spTree>
@@ -10353,6 +9883,180 @@
 </p:sld>
 </file>
 
+<file path=ppt/slides/slide44.xml><?xml version="1.0" encoding="utf-8"?>
+<p:sld xmlns:a="http://schemas.openxmlformats.org/drawingml/2006/main" xmlns:r="http://schemas.openxmlformats.org/officeDocument/2006/relationships" xmlns:p="http://schemas.openxmlformats.org/presentationml/2006/main">
+  <p:cSld>
+    <p:spTree>
+      <p:nvGrpSpPr>
+        <p:cNvPr id="1" name=""/>
+        <p:cNvGrpSpPr/>
+        <p:nvPr/>
+      </p:nvGrpSpPr>
+      <p:grpSpPr>
+        <a:xfrm>
+          <a:off x="0" y="0"/>
+          <a:ext cx="0" cy="0"/>
+          <a:chOff x="0" y="0"/>
+          <a:chExt cx="0" cy="0"/>
+        </a:xfrm>
+      </p:grpSpPr>
+      <p:sp>
+        <p:nvSpPr>
+          <p:cNvPr id="2" name="Title 1"/>
+          <p:cNvSpPr>
+            <a:spLocks noGrp="1"/>
+          </p:cNvSpPr>
+          <p:nvPr>
+            <p:ph type="title"/>
+          </p:nvPr>
+        </p:nvSpPr>
+        <p:spPr/>
+        <p:txBody>
+          <a:bodyPr/>
+          <a:lstStyle/>
+          <a:p>
+            <a:r>
+              <a:rPr lang="en-US" dirty="0" smtClean="0"/>
+              <a:t>Spring &amp; Properties (Cont’d)</a:t>
+            </a:r>
+            <a:endParaRPr lang="en-US" dirty="0"/>
+          </a:p>
+        </p:txBody>
+      </p:sp>
+      <p:sp>
+        <p:nvSpPr>
+          <p:cNvPr id="3" name="Content Placeholder 2"/>
+          <p:cNvSpPr>
+            <a:spLocks noGrp="1"/>
+          </p:cNvSpPr>
+          <p:nvPr>
+            <p:ph idx="1"/>
+          </p:nvPr>
+        </p:nvSpPr>
+        <p:spPr/>
+        <p:txBody>
+          <a:bodyPr/>
+          <a:lstStyle/>
+          <a:p>
+            <a:r>
+              <a:rPr lang="en-US" dirty="0" smtClean="0"/>
+              <a:t>Managed Properties File Safely</a:t>
+            </a:r>
+          </a:p>
+          <a:p>
+            <a:r>
+              <a:rPr lang="en-US" dirty="0" smtClean="0"/>
+              <a:t>No Rebuild if Configurations Need Change</a:t>
+            </a:r>
+          </a:p>
+          <a:p>
+            <a:r>
+              <a:rPr lang="en-US" dirty="0" smtClean="0"/>
+              <a:t>Can Use </a:t>
+            </a:r>
+            <a:r>
+              <a:rPr lang="en-US" dirty="0" err="1" smtClean="0"/>
+              <a:t>JavaConfig</a:t>
+            </a:r>
+            <a:r>
+              <a:rPr lang="en-US" dirty="0" smtClean="0"/>
+              <a:t> &amp; Auto Wiring</a:t>
+            </a:r>
+            <a:endParaRPr lang="en-US" dirty="0"/>
+          </a:p>
+        </p:txBody>
+      </p:sp>
+    </p:spTree>
+    <p:extLst>
+      <p:ext uri="{BB962C8B-B14F-4D97-AF65-F5344CB8AC3E}">
+        <p14:creationId xmlns:p14="http://schemas.microsoft.com/office/powerpoint/2010/main" val="335051375"/>
+      </p:ext>
+    </p:extLst>
+  </p:cSld>
+  <p:clrMapOvr>
+    <a:masterClrMapping/>
+  </p:clrMapOvr>
+</p:sld>
+</file>
+
+<file path=ppt/slides/slide45.xml><?xml version="1.0" encoding="utf-8"?>
+<p:sld xmlns:a="http://schemas.openxmlformats.org/drawingml/2006/main" xmlns:r="http://schemas.openxmlformats.org/officeDocument/2006/relationships" xmlns:p="http://schemas.openxmlformats.org/presentationml/2006/main">
+  <p:cSld>
+    <p:spTree>
+      <p:nvGrpSpPr>
+        <p:cNvPr id="1" name=""/>
+        <p:cNvGrpSpPr/>
+        <p:nvPr/>
+      </p:nvGrpSpPr>
+      <p:grpSpPr>
+        <a:xfrm>
+          <a:off x="0" y="0"/>
+          <a:ext cx="0" cy="0"/>
+          <a:chOff x="0" y="0"/>
+          <a:chExt cx="0" cy="0"/>
+        </a:xfrm>
+      </p:grpSpPr>
+      <p:sp>
+        <p:nvSpPr>
+          <p:cNvPr id="2" name="Title 1"/>
+          <p:cNvSpPr>
+            <a:spLocks noGrp="1"/>
+          </p:cNvSpPr>
+          <p:nvPr>
+            <p:ph type="title"/>
+          </p:nvPr>
+        </p:nvSpPr>
+        <p:spPr/>
+        <p:txBody>
+          <a:bodyPr/>
+          <a:lstStyle/>
+          <a:p>
+            <a:r>
+              <a:rPr lang="en-US" dirty="0" smtClean="0"/>
+              <a:t>Spring Profile</a:t>
+            </a:r>
+            <a:endParaRPr lang="en-US" dirty="0"/>
+          </a:p>
+        </p:txBody>
+      </p:sp>
+      <p:pic>
+        <p:nvPicPr>
+          <p:cNvPr id="4" name="Content Placeholder 3" descr="Spring Profile 1.png"/>
+          <p:cNvPicPr>
+            <a:picLocks noGrp="1" noChangeAspect="1"/>
+          </p:cNvPicPr>
+          <p:nvPr>
+            <p:ph idx="1"/>
+          </p:nvPr>
+        </p:nvPicPr>
+        <p:blipFill>
+          <a:blip r:embed="rId2">
+            <a:extLst>
+              <a:ext uri="{28A0092B-C50C-407E-A947-70E740481C1C}">
+                <a14:useLocalDpi xmlns:a14="http://schemas.microsoft.com/office/drawing/2010/main" val="0"/>
+              </a:ext>
+            </a:extLst>
+          </a:blip>
+          <a:srcRect t="-13523" b="-13523"/>
+          <a:stretch>
+            <a:fillRect/>
+          </a:stretch>
+        </p:blipFill>
+        <p:spPr/>
+      </p:pic>
+    </p:spTree>
+    <p:extLst>
+      <p:ext uri="{BB962C8B-B14F-4D97-AF65-F5344CB8AC3E}">
+        <p14:creationId xmlns:p14="http://schemas.microsoft.com/office/powerpoint/2010/main" val="1727581588"/>
+      </p:ext>
+    </p:extLst>
+  </p:cSld>
+  <p:clrMapOvr>
+    <a:masterClrMapping/>
+  </p:clrMapOvr>
+</p:sld>
+</file>
+
 <file path=ppt/slides/slide46.xml><?xml version="1.0" encoding="utf-8"?>
 <p:sld xmlns:a="http://schemas.openxmlformats.org/drawingml/2006/main" xmlns:r="http://schemas.openxmlformats.org/officeDocument/2006/relationships" xmlns:p="http://schemas.openxmlformats.org/presentationml/2006/main">
   <p:cSld>
@@ -10387,59 +10091,41 @@
           <a:p>
             <a:r>
               <a:rPr lang="en-US" dirty="0" smtClean="0"/>
-              <a:t>Spring &amp; Properties (Cont’d)</a:t>
+              <a:t>Spring Profile (Cont’d)</a:t>
             </a:r>
             <a:endParaRPr lang="en-US" dirty="0"/>
           </a:p>
         </p:txBody>
       </p:sp>
-      <p:sp>
-        <p:nvSpPr>
-          <p:cNvPr id="3" name="Content Placeholder 2"/>
-          <p:cNvSpPr>
-            <a:spLocks noGrp="1"/>
-          </p:cNvSpPr>
+      <p:pic>
+        <p:nvPicPr>
+          <p:cNvPr id="4" name="Content Placeholder 3" descr="Spring Profile 2.png"/>
+          <p:cNvPicPr>
+            <a:picLocks noGrp="1" noChangeAspect="1"/>
+          </p:cNvPicPr>
           <p:nvPr>
             <p:ph idx="1"/>
           </p:nvPr>
-        </p:nvSpPr>
-        <p:spPr/>
-        <p:txBody>
-          <a:bodyPr/>
-          <a:lstStyle/>
-          <a:p>
-            <a:r>
-              <a:rPr lang="en-US" dirty="0" smtClean="0"/>
-              <a:t>Managed Properties File Safely</a:t>
-            </a:r>
-          </a:p>
-          <a:p>
-            <a:r>
-              <a:rPr lang="en-US" dirty="0" smtClean="0"/>
-              <a:t>No Rebuild if Configurations Need Change</a:t>
-            </a:r>
-          </a:p>
-          <a:p>
-            <a:r>
-              <a:rPr lang="en-US" dirty="0" smtClean="0"/>
-              <a:t>Can Use </a:t>
-            </a:r>
-            <a:r>
-              <a:rPr lang="en-US" dirty="0" err="1" smtClean="0"/>
-              <a:t>JavaConfig</a:t>
-            </a:r>
-            <a:r>
-              <a:rPr lang="en-US" dirty="0" smtClean="0"/>
-              <a:t> &amp; Auto Wiring</a:t>
-            </a:r>
-            <a:endParaRPr lang="en-US" dirty="0"/>
-          </a:p>
-        </p:txBody>
-      </p:sp>
+        </p:nvPicPr>
+        <p:blipFill>
+          <a:blip r:embed="rId2">
+            <a:extLst>
+              <a:ext uri="{28A0092B-C50C-407E-A947-70E740481C1C}">
+                <a14:useLocalDpi xmlns:a14="http://schemas.microsoft.com/office/drawing/2010/main" val="0"/>
+              </a:ext>
+            </a:extLst>
+          </a:blip>
+          <a:srcRect t="-28152" b="-28152"/>
+          <a:stretch>
+            <a:fillRect/>
+          </a:stretch>
+        </p:blipFill>
+        <p:spPr/>
+      </p:pic>
     </p:spTree>
     <p:extLst>
       <p:ext uri="{BB962C8B-B14F-4D97-AF65-F5344CB8AC3E}">
-        <p14:creationId xmlns:p14="http://schemas.microsoft.com/office/powerpoint/2010/main" val="335051375"/>
+        <p14:creationId xmlns:p14="http://schemas.microsoft.com/office/powerpoint/2010/main" val="3291680090"/>
       </p:ext>
     </p:extLst>
   </p:cSld>
@@ -10483,7 +10169,7 @@
           <a:p>
             <a:r>
               <a:rPr lang="en-US" dirty="0" smtClean="0"/>
-              <a:t>Spring Profile</a:t>
+              <a:t>Spring Profile (Cont’d)</a:t>
             </a:r>
             <a:endParaRPr lang="en-US" dirty="0"/>
           </a:p>
@@ -10491,7 +10177,7 @@
       </p:sp>
       <p:pic>
         <p:nvPicPr>
-          <p:cNvPr id="4" name="Content Placeholder 3" descr="Spring Profile 1.png"/>
+          <p:cNvPr id="4" name="Content Placeholder 3" descr="Spring Profile 3.png"/>
           <p:cNvPicPr>
             <a:picLocks noGrp="1" noChangeAspect="1"/>
           </p:cNvPicPr>
@@ -10507,7 +10193,7 @@
               </a:ext>
             </a:extLst>
           </a:blip>
-          <a:srcRect t="-13523" b="-13523"/>
+          <a:srcRect l="-6784" r="-6784"/>
           <a:stretch>
             <a:fillRect/>
           </a:stretch>
@@ -10517,7 +10203,7 @@
     </p:spTree>
     <p:extLst>
       <p:ext uri="{BB962C8B-B14F-4D97-AF65-F5344CB8AC3E}">
-        <p14:creationId xmlns:p14="http://schemas.microsoft.com/office/powerpoint/2010/main" val="1727581588"/>
+        <p14:creationId xmlns:p14="http://schemas.microsoft.com/office/powerpoint/2010/main" val="2961480352"/>
       </p:ext>
     </p:extLst>
   </p:cSld>
@@ -10569,7 +10255,7 @@
       </p:sp>
       <p:pic>
         <p:nvPicPr>
-          <p:cNvPr id="4" name="Content Placeholder 3" descr="Spring Profile 2.png"/>
+          <p:cNvPr id="4" name="Content Placeholder 3" descr="Spring Profile 4.png"/>
           <p:cNvPicPr>
             <a:picLocks noGrp="1" noChangeAspect="1"/>
           </p:cNvPicPr>
@@ -10585,7 +10271,7 @@
               </a:ext>
             </a:extLst>
           </a:blip>
-          <a:srcRect t="-28152" b="-28152"/>
+          <a:srcRect t="-47240" b="-47240"/>
           <a:stretch>
             <a:fillRect/>
           </a:stretch>
@@ -10595,7 +10281,7 @@
     </p:spTree>
     <p:extLst>
       <p:ext uri="{BB962C8B-B14F-4D97-AF65-F5344CB8AC3E}">
-        <p14:creationId xmlns:p14="http://schemas.microsoft.com/office/powerpoint/2010/main" val="3291680090"/>
+        <p14:creationId xmlns:p14="http://schemas.microsoft.com/office/powerpoint/2010/main" val="4157412487"/>
       </p:ext>
     </p:extLst>
   </p:cSld>
@@ -10645,35 +10331,96 @@
           </a:p>
         </p:txBody>
       </p:sp>
-      <p:pic>
-        <p:nvPicPr>
-          <p:cNvPr id="4" name="Content Placeholder 3" descr="Spring Profile 3.png"/>
-          <p:cNvPicPr>
-            <a:picLocks noGrp="1" noChangeAspect="1"/>
-          </p:cNvPicPr>
+      <p:sp>
+        <p:nvSpPr>
+          <p:cNvPr id="3" name="Content Placeholder 2"/>
+          <p:cNvSpPr>
+            <a:spLocks noGrp="1"/>
+          </p:cNvSpPr>
           <p:nvPr>
             <p:ph idx="1"/>
           </p:nvPr>
-        </p:nvPicPr>
-        <p:blipFill>
-          <a:blip r:embed="rId2">
-            <a:extLst>
-              <a:ext uri="{28A0092B-C50C-407E-A947-70E740481C1C}">
-                <a14:useLocalDpi xmlns:a14="http://schemas.microsoft.com/office/drawing/2010/main" val="0"/>
-              </a:ext>
-            </a:extLst>
-          </a:blip>
-          <a:srcRect l="-6784" r="-6784"/>
-          <a:stretch>
-            <a:fillRect/>
-          </a:stretch>
-        </p:blipFill>
-        <p:spPr/>
-      </p:pic>
+        </p:nvSpPr>
+        <p:spPr/>
+        <p:txBody>
+          <a:bodyPr/>
+          <a:lstStyle/>
+          <a:p>
+            <a:r>
+              <a:rPr lang="en-US" dirty="0" smtClean="0"/>
+              <a:t>Different implementations based on Profile</a:t>
+            </a:r>
+          </a:p>
+          <a:p>
+            <a:r>
+              <a:rPr lang="en-US" dirty="0" smtClean="0"/>
+              <a:t>Use Cases</a:t>
+            </a:r>
+          </a:p>
+          <a:p>
+            <a:pPr lvl="1"/>
+            <a:r>
+              <a:rPr lang="en-US" dirty="0" smtClean="0"/>
+              <a:t>Integration Testing </a:t>
+            </a:r>
+            <a:r>
+              <a:rPr lang="en-US" dirty="0" err="1" smtClean="0"/>
+              <a:t>vs</a:t>
+            </a:r>
+            <a:r>
+              <a:rPr lang="en-US" dirty="0" smtClean="0"/>
+              <a:t> Production Deployment</a:t>
+            </a:r>
+          </a:p>
+          <a:p>
+            <a:pPr lvl="1"/>
+            <a:r>
+              <a:rPr lang="en-US" dirty="0" smtClean="0"/>
+              <a:t>Embedding RDBMS </a:t>
+            </a:r>
+            <a:r>
+              <a:rPr lang="en-US" dirty="0" err="1" smtClean="0"/>
+              <a:t>vs</a:t>
+            </a:r>
+            <a:r>
+              <a:rPr lang="en-US" dirty="0" smtClean="0"/>
+              <a:t> Oracle</a:t>
+            </a:r>
+          </a:p>
+          <a:p>
+            <a:pPr lvl="1"/>
+            <a:r>
+              <a:rPr lang="en-US" dirty="0" smtClean="0"/>
+              <a:t>Embedding </a:t>
+            </a:r>
+            <a:r>
+              <a:rPr lang="en-US" dirty="0" err="1" smtClean="0"/>
+              <a:t>ActiveMQ</a:t>
+            </a:r>
+            <a:r>
+              <a:rPr lang="en-US" dirty="0" smtClean="0"/>
+              <a:t> </a:t>
+            </a:r>
+            <a:r>
+              <a:rPr lang="en-US" dirty="0" err="1" smtClean="0"/>
+              <a:t>vs</a:t>
+            </a:r>
+            <a:r>
+              <a:rPr lang="en-US" dirty="0" smtClean="0"/>
+              <a:t> Standalone </a:t>
+            </a:r>
+            <a:r>
+              <a:rPr lang="en-US" dirty="0" err="1" smtClean="0"/>
+              <a:t>ActiveMQ</a:t>
+            </a:r>
+            <a:endParaRPr lang="en-US" dirty="0"/>
+          </a:p>
+        </p:txBody>
+      </p:sp>
     </p:spTree>
     <p:extLst>
       <p:ext uri="{BB962C8B-B14F-4D97-AF65-F5344CB8AC3E}">
-        <p14:creationId xmlns:p14="http://schemas.microsoft.com/office/powerpoint/2010/main" val="2961480352"/>
+        <p14:creationId xmlns:p14="http://schemas.microsoft.com/office/powerpoint/2010/main" val="1503663931"/>
       </p:ext>
     </p:extLst>
   </p:cSld>
@@ -10717,41 +10464,158 @@
           <a:p>
             <a:r>
               <a:rPr lang="en-US" dirty="0" smtClean="0"/>
-              <a:t>History</a:t>
+              <a:t>Spring Overview</a:t>
             </a:r>
             <a:endParaRPr lang="en-US" dirty="0"/>
           </a:p>
         </p:txBody>
       </p:sp>
-      <p:pic>
-        <p:nvPicPr>
-          <p:cNvPr id="4" name="Content Placeholder 3" descr="Spring Development Timeline.png"/>
-          <p:cNvPicPr>
-            <a:picLocks noGrp="1" noChangeAspect="1"/>
-          </p:cNvPicPr>
-          <p:nvPr>
-            <p:ph idx="1"/>
-          </p:nvPr>
-        </p:nvPicPr>
-        <p:blipFill>
-          <a:blip r:embed="rId3">
-            <a:extLst>
-              <a:ext uri="{28A0092B-C50C-407E-A947-70E740481C1C}">
-                <a14:useLocalDpi xmlns:a14="http://schemas.microsoft.com/office/drawing/2010/main" val="0"/>
-              </a:ext>
-            </a:extLst>
-          </a:blip>
-          <a:srcRect t="-4510" b="-4510"/>
-          <a:stretch>
-            <a:fillRect/>
-          </a:stretch>
-        </p:blipFill>
-        <p:spPr/>
-      </p:pic>
+      <p:sp>
+        <p:nvSpPr>
+          <p:cNvPr id="3" name="Content Placeholder 2"/>
+          <p:cNvSpPr>
+            <a:spLocks noGrp="1"/>
+          </p:cNvSpPr>
+          <p:nvPr>
+            <p:ph sz="half" idx="1"/>
+          </p:nvPr>
+        </p:nvSpPr>
+        <p:spPr/>
+        <p:txBody>
+          <a:bodyPr/>
+          <a:lstStyle/>
+          <a:p>
+            <a:r>
+              <a:rPr lang="en-US" dirty="0" smtClean="0">
+                <a:solidFill>
+                  <a:srgbClr val="FF0000"/>
+                </a:solidFill>
+              </a:rPr>
+              <a:t>Spring Framework</a:t>
+            </a:r>
+          </a:p>
+          <a:p>
+            <a:r>
+              <a:rPr lang="en-US" dirty="0" smtClean="0"/>
+              <a:t>Spring Batch</a:t>
+            </a:r>
+          </a:p>
+          <a:p>
+            <a:r>
+              <a:rPr lang="en-US" dirty="0" smtClean="0"/>
+              <a:t>Spring Integration</a:t>
+            </a:r>
+          </a:p>
+          <a:p>
+            <a:r>
+              <a:rPr lang="en-US" dirty="0" smtClean="0"/>
+              <a:t>Spring Security</a:t>
+            </a:r>
+          </a:p>
+          <a:p>
+            <a:r>
+              <a:rPr lang="en-US" dirty="0" smtClean="0"/>
+              <a:t>Spring Web Service</a:t>
+            </a:r>
+          </a:p>
+          <a:p>
+            <a:r>
+              <a:rPr lang="en-US" dirty="0" smtClean="0"/>
+              <a:t>Spring Data</a:t>
+            </a:r>
+          </a:p>
+          <a:p>
+            <a:r>
+              <a:rPr lang="en-US" dirty="0" smtClean="0"/>
+              <a:t>Spring </a:t>
+            </a:r>
+            <a:r>
+              <a:rPr lang="en-US" dirty="0" err="1" smtClean="0"/>
+              <a:t>Hadoop</a:t>
+            </a:r>
+            <a:endParaRPr lang="en-US" dirty="0" smtClean="0"/>
+          </a:p>
+        </p:txBody>
+      </p:sp>
+      <p:sp>
+        <p:nvSpPr>
+          <p:cNvPr id="4" name="Content Placeholder 3"/>
+          <p:cNvSpPr>
+            <a:spLocks noGrp="1"/>
+          </p:cNvSpPr>
+          <p:nvPr>
+            <p:ph sz="half" idx="2"/>
+          </p:nvPr>
+        </p:nvSpPr>
+        <p:spPr/>
+        <p:txBody>
+          <a:bodyPr/>
+          <a:lstStyle/>
+          <a:p>
+            <a:r>
+              <a:rPr lang="en-US" dirty="0" smtClean="0"/>
+              <a:t>Spring Mobile</a:t>
+            </a:r>
+          </a:p>
+          <a:p>
+            <a:r>
+              <a:rPr lang="en-US" dirty="0" smtClean="0"/>
+              <a:t>Spring Social</a:t>
+            </a:r>
+          </a:p>
+          <a:p>
+            <a:r>
+              <a:rPr lang="en-US" dirty="0" smtClean="0"/>
+              <a:t>Spring Web Flow</a:t>
+            </a:r>
+          </a:p>
+          <a:p>
+            <a:r>
+              <a:rPr lang="en-US" dirty="0" smtClean="0"/>
+              <a:t>Spring </a:t>
+            </a:r>
+            <a:r>
+              <a:rPr lang="en-US" dirty="0" err="1" smtClean="0"/>
+              <a:t>BlazeDS</a:t>
+            </a:r>
+            <a:endParaRPr lang="en-US" dirty="0" smtClean="0"/>
+          </a:p>
+          <a:p>
+            <a:r>
+              <a:rPr lang="en-US" dirty="0" smtClean="0"/>
+              <a:t>Spring </a:t>
+            </a:r>
+            <a:r>
+              <a:rPr lang="en-US" dirty="0" err="1" smtClean="0"/>
+              <a:t>Roo</a:t>
+            </a:r>
+            <a:endParaRPr lang="en-US" dirty="0" smtClean="0"/>
+          </a:p>
+          <a:p>
+            <a:r>
+              <a:rPr lang="en-US" dirty="0" smtClean="0"/>
+              <a:t>Spring .NET</a:t>
+            </a:r>
+          </a:p>
+          <a:p>
+            <a:r>
+              <a:rPr lang="en-US" dirty="0" smtClean="0"/>
+              <a:t>Spring Python</a:t>
+            </a:r>
+          </a:p>
+          <a:p>
+            <a:r>
+              <a:rPr lang="en-US" dirty="0" smtClean="0"/>
+              <a:t>…</a:t>
+            </a:r>
+            <a:endParaRPr lang="en-US" dirty="0"/>
+          </a:p>
+        </p:txBody>
+      </p:sp>
     </p:spTree>
     <p:extLst>
       <p:ext uri="{BB962C8B-B14F-4D97-AF65-F5344CB8AC3E}">
-        <p14:creationId xmlns:p14="http://schemas.microsoft.com/office/powerpoint/2010/main" val="3711910823"/>
+        <p14:creationId xmlns:p14="http://schemas.microsoft.com/office/powerpoint/2010/main" val="1227226639"/>
       </p:ext>
     </p:extLst>
   </p:cSld>
@@ -10761,7 +10625,7 @@
   <p:timing>
     <p:tnLst>
       <p:par>
-        <p:cTn xmlns:p14="http://schemas.microsoft.com/office/powerpoint/2010/main" id="1" dur="indefinite" restart="never" nodeType="tmRoot"/>
+        <p:cTn id="1" dur="indefinite" restart="never" nodeType="tmRoot"/>
       </p:par>
     </p:tnLst>
   </p:timing>
@@ -10792,57 +10656,44 @@
             <a:spLocks noGrp="1"/>
           </p:cNvSpPr>
           <p:nvPr>
-            <p:ph type="title"/>
-          </p:nvPr>
-        </p:nvSpPr>
-        <p:spPr/>
-        <p:txBody>
-          <a:bodyPr/>
-          <a:lstStyle/>
-          <a:p>
-            <a:r>
-              <a:rPr lang="en-US" dirty="0" smtClean="0"/>
-              <a:t>Spring Profile (Cont’d)</a:t>
+            <p:ph type="ctrTitle"/>
+          </p:nvPr>
+        </p:nvSpPr>
+        <p:spPr>
+          <a:xfrm>
+            <a:off x="685800" y="2693988"/>
+            <a:ext cx="7772400" cy="1470025"/>
+          </a:xfrm>
+        </p:spPr>
+        <p:txBody>
+          <a:bodyPr/>
+          <a:lstStyle/>
+          <a:p>
+            <a:r>
+              <a:rPr lang="en-US" dirty="0" smtClean="0"/>
+              <a:t>Spring Framework</a:t>
             </a:r>
             <a:endParaRPr lang="en-US" dirty="0"/>
           </a:p>
         </p:txBody>
       </p:sp>
-      <p:pic>
-        <p:nvPicPr>
-          <p:cNvPr id="4" name="Content Placeholder 3" descr="Spring Profile 4.png"/>
-          <p:cNvPicPr>
-            <a:picLocks noGrp="1" noChangeAspect="1"/>
-          </p:cNvPicPr>
-          <p:nvPr>
-            <p:ph idx="1"/>
-          </p:nvPr>
-        </p:nvPicPr>
-        <p:blipFill>
-          <a:blip r:embed="rId2">
-            <a:extLst>
-              <a:ext uri="{28A0092B-C50C-407E-A947-70E740481C1C}">
-                <a14:useLocalDpi xmlns:a14="http://schemas.microsoft.com/office/drawing/2010/main" val="0"/>
-              </a:ext>
-            </a:extLst>
-          </a:blip>
-          <a:srcRect t="-47240" b="-47240"/>
-          <a:stretch>
-            <a:fillRect/>
-          </a:stretch>
-        </p:blipFill>
-        <p:spPr/>
-      </p:pic>
     </p:spTree>
     <p:extLst>
       <p:ext uri="{BB962C8B-B14F-4D97-AF65-F5344CB8AC3E}">
-        <p14:creationId xmlns:p14="http://schemas.microsoft.com/office/powerpoint/2010/main" val="4157412487"/>
+        <p14:creationId xmlns:p14="http://schemas.microsoft.com/office/powerpoint/2010/main" val="254284732"/>
       </p:ext>
     </p:extLst>
   </p:cSld>
   <p:clrMapOvr>
     <a:masterClrMapping/>
   </p:clrMapOvr>
+  <p:timing>
+    <p:tnLst>
+      <p:par>
+        <p:cTn id="1" dur="indefinite" restart="never" nodeType="tmRoot"/>
+      </p:par>
+    </p:tnLst>
+  </p:timing>
 </p:sld>
 </file>
 
@@ -10880,7 +10731,7 @@
           <a:p>
             <a:r>
               <a:rPr lang="en-US" dirty="0" smtClean="0"/>
-              <a:t>Spring Profile (Cont’d)</a:t>
+              <a:t>Data Access</a:t>
             </a:r>
             <a:endParaRPr lang="en-US" dirty="0"/>
           </a:p>
@@ -10903,70 +10754,49 @@
           <a:p>
             <a:r>
               <a:rPr lang="en-US" dirty="0" smtClean="0"/>
-              <a:t>Different implementations based on Profile</a:t>
-            </a:r>
-          </a:p>
-          <a:p>
-            <a:r>
-              <a:rPr lang="en-US" dirty="0" smtClean="0"/>
-              <a:t>Use Cases</a:t>
+              <a:t>Transaction Management</a:t>
+            </a:r>
+          </a:p>
+          <a:p>
+            <a:r>
+              <a:rPr lang="en-US" dirty="0" smtClean="0"/>
+              <a:t>JDBC &amp; DAO</a:t>
             </a:r>
           </a:p>
           <a:p>
             <a:pPr lvl="1"/>
             <a:r>
-              <a:rPr lang="en-US" dirty="0" smtClean="0"/>
-              <a:t>Integration Testing </a:t>
-            </a:r>
-            <a:r>
               <a:rPr lang="en-US" dirty="0" err="1" smtClean="0"/>
-              <a:t>vs</a:t>
-            </a:r>
-            <a:r>
-              <a:rPr lang="en-US" dirty="0" smtClean="0"/>
-              <a:t> Production Deployment</a:t>
-            </a:r>
+              <a:t>DataSource</a:t>
+            </a:r>
+            <a:endParaRPr lang="en-US" dirty="0" smtClean="0"/>
           </a:p>
           <a:p>
             <a:pPr lvl="1"/>
             <a:r>
-              <a:rPr lang="en-US" dirty="0" smtClean="0"/>
-              <a:t>Embedding RDBMS </a:t>
-            </a:r>
-            <a:r>
               <a:rPr lang="en-US" dirty="0" err="1" smtClean="0"/>
-              <a:t>vs</a:t>
-            </a:r>
-            <a:r>
-              <a:rPr lang="en-US" dirty="0" smtClean="0"/>
-              <a:t> Oracle</a:t>
+              <a:t>JDBCTemplate</a:t>
+            </a:r>
+            <a:endParaRPr lang="en-US" dirty="0" smtClean="0"/>
+          </a:p>
+          <a:p>
+            <a:r>
+              <a:rPr lang="en-US" dirty="0" smtClean="0"/>
+              <a:t>ORM Support</a:t>
             </a:r>
           </a:p>
           <a:p>
             <a:pPr lvl="1"/>
             <a:r>
               <a:rPr lang="en-US" dirty="0" smtClean="0"/>
-              <a:t>Embedding </a:t>
-            </a:r>
-            <a:r>
-              <a:rPr lang="en-US" dirty="0" err="1" smtClean="0"/>
-              <a:t>ActiveMQ</a:t>
-            </a:r>
-            <a:r>
-              <a:rPr lang="en-US" dirty="0" smtClean="0"/>
-              <a:t> </a:t>
-            </a:r>
-            <a:r>
-              <a:rPr lang="en-US" dirty="0" err="1" smtClean="0"/>
-              <a:t>vs</a:t>
-            </a:r>
-            <a:r>
-              <a:rPr lang="en-US" dirty="0" smtClean="0"/>
-              <a:t> Standalone </a:t>
-            </a:r>
-            <a:r>
-              <a:rPr lang="en-US" dirty="0" err="1" smtClean="0"/>
-              <a:t>ActiveMQ</a:t>
+              <a:t>Hibernate</a:t>
+            </a:r>
+          </a:p>
+          <a:p>
+            <a:pPr lvl="1"/>
+            <a:r>
+              <a:rPr lang="en-US" dirty="0" smtClean="0"/>
+              <a:t>Spring Data (JPA)</a:t>
             </a:r>
             <a:endParaRPr lang="en-US" dirty="0"/>
           </a:p>
@@ -10975,7 +10805,7 @@
     </p:spTree>
     <p:extLst>
       <p:ext uri="{BB962C8B-B14F-4D97-AF65-F5344CB8AC3E}">
-        <p14:creationId xmlns:p14="http://schemas.microsoft.com/office/powerpoint/2010/main" val="1503663931"/>
+        <p14:creationId xmlns:p14="http://schemas.microsoft.com/office/powerpoint/2010/main" val="965097665"/>
       </p:ext>
     </p:extLst>
   </p:cSld>
@@ -11009,23 +10839,99 @@
             <a:spLocks noGrp="1"/>
           </p:cNvSpPr>
           <p:nvPr>
-            <p:ph type="ctrTitle"/>
-          </p:nvPr>
-        </p:nvSpPr>
-        <p:spPr>
-          <a:xfrm>
-            <a:off x="685800" y="2693988"/>
-            <a:ext cx="7772400" cy="1470025"/>
-          </a:xfrm>
-        </p:spPr>
-        <p:txBody>
-          <a:bodyPr/>
-          <a:lstStyle/>
-          <a:p>
-            <a:r>
-              <a:rPr lang="en-US" dirty="0" smtClean="0"/>
-              <a:t>Spring Framework</a:t>
-            </a:r>
+            <p:ph type="title"/>
+          </p:nvPr>
+        </p:nvSpPr>
+        <p:spPr/>
+        <p:txBody>
+          <a:bodyPr/>
+          <a:lstStyle/>
+          <a:p>
+            <a:r>
+              <a:rPr lang="en-US" dirty="0" smtClean="0"/>
+              <a:t>Integration Framework</a:t>
+            </a:r>
+            <a:endParaRPr lang="en-US" dirty="0"/>
+          </a:p>
+        </p:txBody>
+      </p:sp>
+      <p:sp>
+        <p:nvSpPr>
+          <p:cNvPr id="3" name="Content Placeholder 2"/>
+          <p:cNvSpPr>
+            <a:spLocks noGrp="1"/>
+          </p:cNvSpPr>
+          <p:nvPr>
+            <p:ph idx="1"/>
+          </p:nvPr>
+        </p:nvSpPr>
+        <p:spPr/>
+        <p:txBody>
+          <a:bodyPr/>
+          <a:lstStyle/>
+          <a:p>
+            <a:r>
+              <a:rPr lang="en-US" dirty="0" smtClean="0"/>
+              <a:t>Web Services</a:t>
+            </a:r>
+          </a:p>
+          <a:p>
+            <a:pPr lvl="1"/>
+            <a:r>
+              <a:rPr lang="en-US" dirty="0" err="1" smtClean="0"/>
+              <a:t>RestTemplate</a:t>
+            </a:r>
+            <a:endParaRPr lang="en-US" dirty="0" smtClean="0"/>
+          </a:p>
+          <a:p>
+            <a:pPr lvl="1"/>
+            <a:r>
+              <a:rPr lang="en-US" dirty="0" err="1" smtClean="0"/>
+              <a:t>WebServiceTemplate</a:t>
+            </a:r>
+            <a:endParaRPr lang="en-US" dirty="0" smtClean="0"/>
+          </a:p>
+          <a:p>
+            <a:r>
+              <a:rPr lang="en-US" dirty="0" smtClean="0"/>
+              <a:t>Message Queue</a:t>
+            </a:r>
+          </a:p>
+          <a:p>
+            <a:pPr lvl="1"/>
+            <a:r>
+              <a:rPr lang="en-US" dirty="0" err="1" smtClean="0"/>
+              <a:t>JmsTemplate</a:t>
+            </a:r>
+            <a:endParaRPr lang="en-US" dirty="0" smtClean="0"/>
+          </a:p>
+          <a:p>
+            <a:pPr lvl="1"/>
+            <a:r>
+              <a:rPr lang="en-US" dirty="0" err="1" smtClean="0"/>
+              <a:t>AmqpTemplate</a:t>
+            </a:r>
+            <a:r>
+              <a:rPr lang="en-US" dirty="0" smtClean="0"/>
+              <a:t> (Requires </a:t>
+            </a:r>
+            <a:r>
+              <a:rPr lang="en-US" dirty="0" err="1" smtClean="0"/>
+              <a:t>Amqp</a:t>
+            </a:r>
+            <a:r>
+              <a:rPr lang="en-US" dirty="0" smtClean="0"/>
+              <a:t> Extension)</a:t>
+            </a:r>
+          </a:p>
+          <a:p>
+            <a:r>
+              <a:rPr lang="en-US" dirty="0" smtClean="0"/>
+              <a:t>JMX</a:t>
+            </a:r>
+          </a:p>
+          <a:p>
+            <a:pPr lvl="2"/>
             <a:endParaRPr lang="en-US" dirty="0"/>
           </a:p>
         </p:txBody>
@@ -11033,20 +10939,13 @@
     </p:spTree>
     <p:extLst>
       <p:ext uri="{BB962C8B-B14F-4D97-AF65-F5344CB8AC3E}">
-        <p14:creationId xmlns:p14="http://schemas.microsoft.com/office/powerpoint/2010/main" val="254284732"/>
+        <p14:creationId xmlns:p14="http://schemas.microsoft.com/office/powerpoint/2010/main" val="4208848693"/>
       </p:ext>
     </p:extLst>
   </p:cSld>
   <p:clrMapOvr>
     <a:masterClrMapping/>
   </p:clrMapOvr>
-  <p:timing>
-    <p:tnLst>
-      <p:par>
-        <p:cTn xmlns:p14="http://schemas.microsoft.com/office/powerpoint/2010/main" id="1" dur="indefinite" restart="never" nodeType="tmRoot"/>
-      </p:par>
-    </p:tnLst>
-  </p:timing>
 </p:sld>
 </file>
 
@@ -11084,7 +10983,7 @@
           <a:p>
             <a:r>
               <a:rPr lang="en-US" dirty="0" smtClean="0"/>
-              <a:t>Data Access</a:t>
+              <a:t>Task Management &amp; Scheduling</a:t>
             </a:r>
             <a:endParaRPr lang="en-US" dirty="0"/>
           </a:p>
@@ -11107,58 +11006,82 @@
           <a:p>
             <a:r>
               <a:rPr lang="en-US" dirty="0" smtClean="0"/>
-              <a:t>Transaction Management</a:t>
-            </a:r>
-          </a:p>
-          <a:p>
-            <a:r>
-              <a:rPr lang="en-US" dirty="0" smtClean="0"/>
-              <a:t>JDBC &amp; DAO</a:t>
+              <a:t>Task Management</a:t>
             </a:r>
           </a:p>
           <a:p>
             <a:pPr lvl="1"/>
             <a:r>
+              <a:rPr lang="en-US" dirty="0" smtClean="0"/>
+              <a:t>Task Executors</a:t>
+            </a:r>
+          </a:p>
+          <a:p>
+            <a:pPr lvl="2"/>
+            <a:r>
               <a:rPr lang="en-US" dirty="0" err="1" smtClean="0"/>
-              <a:t>DataSource</a:t>
+              <a:t>ConcurrentTaskExecutor</a:t>
             </a:r>
             <a:endParaRPr lang="en-US" dirty="0" smtClean="0"/>
           </a:p>
           <a:p>
+            <a:pPr lvl="2"/>
+            <a:r>
+              <a:rPr lang="en-US" dirty="0" err="1" smtClean="0"/>
+              <a:t>ThreadPoolTaskExecutor</a:t>
+            </a:r>
+            <a:endParaRPr lang="en-US" dirty="0" smtClean="0"/>
+          </a:p>
+          <a:p>
+            <a:pPr lvl="2"/>
+            <a:r>
+              <a:rPr lang="en-US" dirty="0" err="1" smtClean="0"/>
+              <a:t>TimerTaskExecutor</a:t>
+            </a:r>
+            <a:endParaRPr lang="en-US" dirty="0" smtClean="0"/>
+          </a:p>
+          <a:p>
+            <a:r>
+              <a:rPr lang="en-US" dirty="0" smtClean="0"/>
+              <a:t>Scheduling</a:t>
+            </a:r>
+          </a:p>
+          <a:p>
             <a:pPr lvl="1"/>
             <a:r>
+              <a:rPr lang="en-US" dirty="0" smtClean="0"/>
+              <a:t>Quartz Based</a:t>
+            </a:r>
+          </a:p>
+          <a:p>
+            <a:pPr lvl="1"/>
+            <a:r>
+              <a:rPr lang="en-US" dirty="0" smtClean="0"/>
+              <a:t>Spring 3.0+</a:t>
+            </a:r>
+          </a:p>
+          <a:p>
+            <a:pPr lvl="2"/>
+            <a:r>
+              <a:rPr lang="en-US" dirty="0" smtClean="0"/>
+              <a:t>@Scheduled, @</a:t>
+            </a:r>
+            <a:r>
               <a:rPr lang="en-US" dirty="0" err="1" smtClean="0"/>
-              <a:t>JDBCTemplate</a:t>
+              <a:t>Async</a:t>
             </a:r>
             <a:endParaRPr lang="en-US" dirty="0" smtClean="0"/>
           </a:p>
           <a:p>
-            <a:r>
-              <a:rPr lang="en-US" dirty="0" smtClean="0"/>
-              <a:t>ORM Support</a:t>
-            </a:r>
-          </a:p>
-          <a:p>
             <a:pPr lvl="1"/>
-            <a:r>
-              <a:rPr lang="en-US" dirty="0" smtClean="0"/>
-              <a:t>Hibernate</a:t>
-            </a:r>
-          </a:p>
-          <a:p>
-            <a:pPr lvl="1"/>
-            <a:r>
-              <a:rPr lang="en-US" dirty="0" smtClean="0"/>
-              <a:t>Spring Data (JPA)</a:t>
-            </a:r>
-            <a:endParaRPr lang="en-US" dirty="0"/>
+            <a:endParaRPr lang="en-US" dirty="0" smtClean="0"/>
           </a:p>
         </p:txBody>
       </p:sp>
     </p:spTree>
     <p:extLst>
       <p:ext uri="{BB962C8B-B14F-4D97-AF65-F5344CB8AC3E}">
-        <p14:creationId xmlns:p14="http://schemas.microsoft.com/office/powerpoint/2010/main" val="965097665"/>
+        <p14:creationId xmlns:p14="http://schemas.microsoft.com/office/powerpoint/2010/main" val="1062280714"/>
       </p:ext>
     </p:extLst>
   </p:cSld>
@@ -11202,7 +11125,7 @@
           <a:p>
             <a:r>
               <a:rPr lang="en-US" dirty="0" smtClean="0"/>
-              <a:t>Integration Framework</a:t>
+              <a:t>Dynamic Language Support</a:t>
             </a:r>
             <a:endParaRPr lang="en-US" dirty="0"/>
           </a:p>
@@ -11225,66 +11148,64 @@
           <a:p>
             <a:r>
               <a:rPr lang="en-US" dirty="0" smtClean="0"/>
-              <a:t>Web Services</a:t>
+              <a:t>Not Java 6 Scripting Engine (</a:t>
+            </a:r>
+            <a:r>
+              <a:rPr lang="en-US" dirty="0" err="1" smtClean="0"/>
+              <a:t>javascript</a:t>
+            </a:r>
+            <a:r>
+              <a:rPr lang="en-US" dirty="0" smtClean="0"/>
+              <a:t>)</a:t>
+            </a:r>
+          </a:p>
+          <a:p>
+            <a:r>
+              <a:rPr lang="en-US" dirty="0" err="1" smtClean="0"/>
+              <a:t>JRuby</a:t>
+            </a:r>
+            <a:endParaRPr lang="en-US" dirty="0" smtClean="0"/>
+          </a:p>
+          <a:p>
+            <a:r>
+              <a:rPr lang="en-US" dirty="0" smtClean="0"/>
+              <a:t>Groovy</a:t>
+            </a:r>
+          </a:p>
+          <a:p>
+            <a:r>
+              <a:rPr lang="en-US" dirty="0" err="1" smtClean="0"/>
+              <a:t>BeanShell</a:t>
+            </a:r>
+            <a:endParaRPr lang="en-US" dirty="0" smtClean="0"/>
+          </a:p>
+          <a:p>
+            <a:r>
+              <a:rPr lang="en-US" dirty="0" smtClean="0"/>
+              <a:t>Spring </a:t>
+            </a:r>
+            <a:r>
+              <a:rPr lang="en-US" dirty="0" err="1" smtClean="0"/>
+              <a:t>Hadoop</a:t>
+            </a:r>
+            <a:r>
+              <a:rPr lang="en-US" dirty="0" smtClean="0"/>
+              <a:t> (Extension)</a:t>
             </a:r>
           </a:p>
           <a:p>
             <a:pPr lvl="1"/>
             <a:r>
-              <a:rPr lang="en-US" dirty="0" err="1" smtClean="0"/>
-              <a:t>RestTemplate</a:t>
-            </a:r>
-            <a:endParaRPr lang="en-US" dirty="0" smtClean="0"/>
+              <a:rPr lang="en-US" dirty="0" smtClean="0"/>
+              <a:t>PIG</a:t>
+            </a:r>
           </a:p>
           <a:p>
             <a:pPr lvl="1"/>
             <a:r>
-              <a:rPr lang="en-US" dirty="0" err="1" smtClean="0"/>
-              <a:t>WebServiceTemplate</a:t>
-            </a:r>
-            <a:endParaRPr lang="en-US" dirty="0" smtClean="0"/>
-          </a:p>
-          <a:p>
-            <a:r>
-              <a:rPr lang="en-US" dirty="0" smtClean="0"/>
-              <a:t>Message Queue</a:t>
-            </a:r>
-          </a:p>
-          <a:p>
-            <a:pPr lvl="1"/>
-            <a:r>
-              <a:rPr lang="en-US" dirty="0" err="1" smtClean="0"/>
-              <a:t>JmsTemplate</a:t>
-            </a:r>
-            <a:endParaRPr lang="en-US" dirty="0" smtClean="0"/>
-          </a:p>
-          <a:p>
-            <a:pPr lvl="1"/>
-            <a:r>
-              <a:rPr lang="en-US" dirty="0" err="1" smtClean="0"/>
-              <a:t>AmqpTemplate</a:t>
-            </a:r>
-            <a:r>
-              <a:rPr lang="en-US" dirty="0" smtClean="0"/>
-              <a:t> (Requires </a:t>
-            </a:r>
-            <a:r>
-              <a:rPr lang="en-US" dirty="0" err="1" smtClean="0"/>
-              <a:t>Amqp</a:t>
-            </a:r>
-            <a:r>
-              <a:rPr lang="en-US" dirty="0" smtClean="0"/>
-              <a:t> Extension)</a:t>
-            </a:r>
-          </a:p>
-          <a:p>
-            <a:r>
-              <a:rPr lang="en-US" dirty="0" smtClean="0"/>
-              <a:t>JMX</a:t>
-            </a:r>
-          </a:p>
-          <a:p>
-            <a:pPr lvl="2"/>
+              <a:rPr lang="en-US" dirty="0" smtClean="0"/>
+              <a:t>HIVE</a:t>
+            </a:r>
             <a:endParaRPr lang="en-US" dirty="0"/>
           </a:p>
         </p:txBody>
@@ -11292,7 +11213,7 @@
     </p:spTree>
     <p:extLst>
       <p:ext uri="{BB962C8B-B14F-4D97-AF65-F5344CB8AC3E}">
-        <p14:creationId xmlns:p14="http://schemas.microsoft.com/office/powerpoint/2010/main" val="4208848693"/>
+        <p14:creationId xmlns:p14="http://schemas.microsoft.com/office/powerpoint/2010/main" val="3761784530"/>
       </p:ext>
     </p:extLst>
   </p:cSld>
@@ -11336,7 +11257,7 @@
           <a:p>
             <a:r>
               <a:rPr lang="en-US" dirty="0" smtClean="0"/>
-              <a:t>Task Management &amp; Scheduling</a:t>
+              <a:t>Cache Abstraction</a:t>
             </a:r>
             <a:endParaRPr lang="en-US" dirty="0"/>
           </a:p>
@@ -11354,87 +11275,84 @@
         </p:nvSpPr>
         <p:spPr/>
         <p:txBody>
-          <a:bodyPr/>
-          <a:lstStyle/>
-          <a:p>
-            <a:r>
-              <a:rPr lang="en-US" dirty="0" smtClean="0"/>
-              <a:t>Task Management</a:t>
+          <a:bodyPr>
+            <a:normAutofit lnSpcReduction="10000"/>
+          </a:bodyPr>
+          <a:lstStyle/>
+          <a:p>
+            <a:r>
+              <a:rPr lang="en-US" dirty="0" smtClean="0"/>
+              <a:t>Spring 3.1+</a:t>
+            </a:r>
+          </a:p>
+          <a:p>
+            <a:r>
+              <a:rPr lang="en-US" dirty="0" smtClean="0"/>
+              <a:t>@Cacheable(“</a:t>
+            </a:r>
+            <a:r>
+              <a:rPr lang="en-US" dirty="0" err="1" smtClean="0"/>
+              <a:t>cacheName</a:t>
+            </a:r>
+            <a:r>
+              <a:rPr lang="en-US" dirty="0" smtClean="0"/>
+              <a:t>”)</a:t>
+            </a:r>
+          </a:p>
+          <a:p>
+            <a:r>
+              <a:rPr lang="en-US" dirty="0" smtClean="0"/>
+              <a:t>@Cacheable({“cache1”, “cache2”})</a:t>
+            </a:r>
+          </a:p>
+          <a:p>
+            <a:r>
+              <a:rPr lang="en-US" dirty="0" smtClean="0"/>
+              <a:t>@Cacheable(value=“cache1”, key=“#id”)</a:t>
+            </a:r>
+          </a:p>
+          <a:p>
+            <a:r>
+              <a:rPr lang="en-US" dirty="0" smtClean="0"/>
+              <a:t>Spring Expression Language (</a:t>
+            </a:r>
+            <a:r>
+              <a:rPr lang="en-US" dirty="0" err="1" smtClean="0"/>
+              <a:t>SpEL</a:t>
+            </a:r>
+            <a:r>
+              <a:rPr lang="en-US" dirty="0" smtClean="0"/>
+              <a:t>)</a:t>
+            </a:r>
+          </a:p>
+          <a:p>
+            <a:r>
+              <a:rPr lang="en-US" dirty="0" smtClean="0"/>
+              <a:t>Cache Storage</a:t>
             </a:r>
           </a:p>
           <a:p>
             <a:pPr lvl="1"/>
             <a:r>
-              <a:rPr lang="en-US" dirty="0" smtClean="0"/>
-              <a:t>Task Executors</a:t>
-            </a:r>
-          </a:p>
-          <a:p>
-            <a:pPr lvl="2"/>
-            <a:r>
               <a:rPr lang="en-US" dirty="0" err="1" smtClean="0"/>
-              <a:t>ConcurrentTaskExecutor</a:t>
+              <a:t>ConcurrentMap</a:t>
             </a:r>
             <a:endParaRPr lang="en-US" dirty="0" smtClean="0"/>
           </a:p>
           <a:p>
-            <a:pPr lvl="2"/>
+            <a:pPr lvl="1"/>
             <a:r>
               <a:rPr lang="en-US" dirty="0" err="1" smtClean="0"/>
-              <a:t>ThreadPoolTaskExecutor</a:t>
-            </a:r>
-            <a:endParaRPr lang="en-US" dirty="0" smtClean="0"/>
-          </a:p>
-          <a:p>
-            <a:pPr lvl="2"/>
-            <a:r>
-              <a:rPr lang="en-US" dirty="0" err="1" smtClean="0"/>
-              <a:t>TimerTaskExecutor</a:t>
-            </a:r>
-            <a:endParaRPr lang="en-US" dirty="0" smtClean="0"/>
-          </a:p>
-          <a:p>
-            <a:r>
-              <a:rPr lang="en-US" dirty="0" smtClean="0"/>
-              <a:t>Scheduling</a:t>
-            </a:r>
-          </a:p>
-          <a:p>
-            <a:pPr lvl="1"/>
-            <a:r>
-              <a:rPr lang="en-US" dirty="0" smtClean="0"/>
-              <a:t>Quartz Based</a:t>
-            </a:r>
-          </a:p>
-          <a:p>
-            <a:pPr lvl="1"/>
-            <a:r>
-              <a:rPr lang="en-US" dirty="0" smtClean="0"/>
-              <a:t>Spring 3.0+</a:t>
-            </a:r>
-          </a:p>
-          <a:p>
-            <a:pPr lvl="2"/>
-            <a:r>
-              <a:rPr lang="en-US" dirty="0" smtClean="0"/>
-              <a:t>@Scheduled, @</a:t>
-            </a:r>
-            <a:r>
-              <a:rPr lang="en-US" dirty="0" err="1" smtClean="0"/>
-              <a:t>Async</a:t>
-            </a:r>
-            <a:endParaRPr lang="en-US" dirty="0" smtClean="0"/>
-          </a:p>
-          <a:p>
-            <a:pPr lvl="1"/>
-            <a:endParaRPr lang="en-US" dirty="0" smtClean="0"/>
+              <a:t>Ehcache</a:t>
+            </a:r>
+            <a:endParaRPr lang="en-US" dirty="0"/>
           </a:p>
         </p:txBody>
       </p:sp>
     </p:spTree>
     <p:extLst>
       <p:ext uri="{BB962C8B-B14F-4D97-AF65-F5344CB8AC3E}">
-        <p14:creationId xmlns:p14="http://schemas.microsoft.com/office/powerpoint/2010/main" val="1062280714"/>
+        <p14:creationId xmlns:p14="http://schemas.microsoft.com/office/powerpoint/2010/main" val="4055709405"/>
       </p:ext>
     </p:extLst>
   </p:cSld>
@@ -11478,277 +11396,6 @@
           <a:p>
             <a:r>
               <a:rPr lang="en-US" dirty="0" smtClean="0"/>
-              <a:t>Dynamic Language Support</a:t>
-            </a:r>
-            <a:endParaRPr lang="en-US" dirty="0"/>
-          </a:p>
-        </p:txBody>
-      </p:sp>
-      <p:sp>
-        <p:nvSpPr>
-          <p:cNvPr id="3" name="Content Placeholder 2"/>
-          <p:cNvSpPr>
-            <a:spLocks noGrp="1"/>
-          </p:cNvSpPr>
-          <p:nvPr>
-            <p:ph idx="1"/>
-          </p:nvPr>
-        </p:nvSpPr>
-        <p:spPr/>
-        <p:txBody>
-          <a:bodyPr/>
-          <a:lstStyle/>
-          <a:p>
-            <a:r>
-              <a:rPr lang="en-US" dirty="0" smtClean="0"/>
-              <a:t>Not Java 6 Scripting Engine (</a:t>
-            </a:r>
-            <a:r>
-              <a:rPr lang="en-US" dirty="0" err="1" smtClean="0"/>
-              <a:t>javascript</a:t>
-            </a:r>
-            <a:r>
-              <a:rPr lang="en-US" dirty="0" smtClean="0"/>
-              <a:t>)</a:t>
-            </a:r>
-          </a:p>
-          <a:p>
-            <a:r>
-              <a:rPr lang="en-US" dirty="0" err="1" smtClean="0"/>
-              <a:t>JRuby</a:t>
-            </a:r>
-            <a:endParaRPr lang="en-US" dirty="0" smtClean="0"/>
-          </a:p>
-          <a:p>
-            <a:r>
-              <a:rPr lang="en-US" dirty="0" smtClean="0"/>
-              <a:t>Groovy</a:t>
-            </a:r>
-          </a:p>
-          <a:p>
-            <a:r>
-              <a:rPr lang="en-US" dirty="0" err="1" smtClean="0"/>
-              <a:t>BeanShell</a:t>
-            </a:r>
-            <a:endParaRPr lang="en-US" dirty="0" smtClean="0"/>
-          </a:p>
-          <a:p>
-            <a:r>
-              <a:rPr lang="en-US" dirty="0" smtClean="0"/>
-              <a:t>Spring </a:t>
-            </a:r>
-            <a:r>
-              <a:rPr lang="en-US" dirty="0" err="1" smtClean="0"/>
-              <a:t>Hadoop</a:t>
-            </a:r>
-            <a:r>
-              <a:rPr lang="en-US" dirty="0" smtClean="0"/>
-              <a:t> (Extension)</a:t>
-            </a:r>
-          </a:p>
-          <a:p>
-            <a:pPr lvl="1"/>
-            <a:r>
-              <a:rPr lang="en-US" dirty="0" smtClean="0"/>
-              <a:t>PIG</a:t>
-            </a:r>
-          </a:p>
-          <a:p>
-            <a:pPr lvl="1"/>
-            <a:r>
-              <a:rPr lang="en-US" dirty="0" smtClean="0"/>
-              <a:t>HIVE</a:t>
-            </a:r>
-            <a:endParaRPr lang="en-US" dirty="0"/>
-          </a:p>
-        </p:txBody>
-      </p:sp>
-    </p:spTree>
-    <p:extLst>
-      <p:ext uri="{BB962C8B-B14F-4D97-AF65-F5344CB8AC3E}">
-        <p14:creationId xmlns:p14="http://schemas.microsoft.com/office/powerpoint/2010/main" val="3761784530"/>
-      </p:ext>
-    </p:extLst>
-  </p:cSld>
-  <p:clrMapOvr>
-    <a:masterClrMapping/>
-  </p:clrMapOvr>
-</p:sld>
-</file>
-
-<file path=ppt/slides/slide57.xml><?xml version="1.0" encoding="utf-8"?>
-<p:sld xmlns:a="http://schemas.openxmlformats.org/drawingml/2006/main" xmlns:r="http://schemas.openxmlformats.org/officeDocument/2006/relationships" xmlns:p="http://schemas.openxmlformats.org/presentationml/2006/main">
-  <p:cSld>
-    <p:spTree>
-      <p:nvGrpSpPr>
-        <p:cNvPr id="1" name=""/>
-        <p:cNvGrpSpPr/>
-        <p:nvPr/>
-      </p:nvGrpSpPr>
-      <p:grpSpPr>
-        <a:xfrm>
-          <a:off x="0" y="0"/>
-          <a:ext cx="0" cy="0"/>
-          <a:chOff x="0" y="0"/>
-          <a:chExt cx="0" cy="0"/>
-        </a:xfrm>
-      </p:grpSpPr>
-      <p:sp>
-        <p:nvSpPr>
-          <p:cNvPr id="2" name="Title 1"/>
-          <p:cNvSpPr>
-            <a:spLocks noGrp="1"/>
-          </p:cNvSpPr>
-          <p:nvPr>
-            <p:ph type="title"/>
-          </p:nvPr>
-        </p:nvSpPr>
-        <p:spPr/>
-        <p:txBody>
-          <a:bodyPr/>
-          <a:lstStyle/>
-          <a:p>
-            <a:r>
-              <a:rPr lang="en-US" dirty="0" smtClean="0"/>
-              <a:t>Cache Abstraction</a:t>
-            </a:r>
-            <a:endParaRPr lang="en-US" dirty="0"/>
-          </a:p>
-        </p:txBody>
-      </p:sp>
-      <p:sp>
-        <p:nvSpPr>
-          <p:cNvPr id="3" name="Content Placeholder 2"/>
-          <p:cNvSpPr>
-            <a:spLocks noGrp="1"/>
-          </p:cNvSpPr>
-          <p:nvPr>
-            <p:ph idx="1"/>
-          </p:nvPr>
-        </p:nvSpPr>
-        <p:spPr/>
-        <p:txBody>
-          <a:bodyPr>
-            <a:normAutofit lnSpcReduction="10000"/>
-          </a:bodyPr>
-          <a:lstStyle/>
-          <a:p>
-            <a:r>
-              <a:rPr lang="en-US" dirty="0" smtClean="0"/>
-              <a:t>Spring 3.1+</a:t>
-            </a:r>
-          </a:p>
-          <a:p>
-            <a:r>
-              <a:rPr lang="en-US" dirty="0" smtClean="0"/>
-              <a:t>@Cacheable(“</a:t>
-            </a:r>
-            <a:r>
-              <a:rPr lang="en-US" dirty="0" err="1" smtClean="0"/>
-              <a:t>cacheName</a:t>
-            </a:r>
-            <a:r>
-              <a:rPr lang="en-US" dirty="0" smtClean="0"/>
-              <a:t>”)</a:t>
-            </a:r>
-          </a:p>
-          <a:p>
-            <a:r>
-              <a:rPr lang="en-US" dirty="0" smtClean="0"/>
-              <a:t>@Cacheable({“cache1”, “cache2”})</a:t>
-            </a:r>
-          </a:p>
-          <a:p>
-            <a:r>
-              <a:rPr lang="en-US" dirty="0" smtClean="0"/>
-              <a:t>@Cacheable(value=“cache1”, key=“#id”)</a:t>
-            </a:r>
-          </a:p>
-          <a:p>
-            <a:r>
-              <a:rPr lang="en-US" dirty="0" smtClean="0"/>
-              <a:t>Spring Expression Language (</a:t>
-            </a:r>
-            <a:r>
-              <a:rPr lang="en-US" dirty="0" err="1" smtClean="0"/>
-              <a:t>SpEL</a:t>
-            </a:r>
-            <a:r>
-              <a:rPr lang="en-US" dirty="0" smtClean="0"/>
-              <a:t>)</a:t>
-            </a:r>
-          </a:p>
-          <a:p>
-            <a:r>
-              <a:rPr lang="en-US" dirty="0" smtClean="0"/>
-              <a:t>Cache Storage</a:t>
-            </a:r>
-          </a:p>
-          <a:p>
-            <a:pPr lvl="1"/>
-            <a:r>
-              <a:rPr lang="en-US" dirty="0" err="1" smtClean="0"/>
-              <a:t>ConcurrentMap</a:t>
-            </a:r>
-            <a:endParaRPr lang="en-US" dirty="0" smtClean="0"/>
-          </a:p>
-          <a:p>
-            <a:pPr lvl="1"/>
-            <a:r>
-              <a:rPr lang="en-US" dirty="0" err="1" smtClean="0"/>
-              <a:t>Ehcache</a:t>
-            </a:r>
-            <a:endParaRPr lang="en-US" dirty="0"/>
-          </a:p>
-        </p:txBody>
-      </p:sp>
-    </p:spTree>
-    <p:extLst>
-      <p:ext uri="{BB962C8B-B14F-4D97-AF65-F5344CB8AC3E}">
-        <p14:creationId xmlns:p14="http://schemas.microsoft.com/office/powerpoint/2010/main" val="4055709405"/>
-      </p:ext>
-    </p:extLst>
-  </p:cSld>
-  <p:clrMapOvr>
-    <a:masterClrMapping/>
-  </p:clrMapOvr>
-</p:sld>
-</file>
-
-<file path=ppt/slides/slide58.xml><?xml version="1.0" encoding="utf-8"?>
-<p:sld xmlns:a="http://schemas.openxmlformats.org/drawingml/2006/main" xmlns:r="http://schemas.openxmlformats.org/officeDocument/2006/relationships" xmlns:p="http://schemas.openxmlformats.org/presentationml/2006/main">
-  <p:cSld>
-    <p:spTree>
-      <p:nvGrpSpPr>
-        <p:cNvPr id="1" name=""/>
-        <p:cNvGrpSpPr/>
-        <p:nvPr/>
-      </p:nvGrpSpPr>
-      <p:grpSpPr>
-        <a:xfrm>
-          <a:off x="0" y="0"/>
-          <a:ext cx="0" cy="0"/>
-          <a:chOff x="0" y="0"/>
-          <a:chExt cx="0" cy="0"/>
-        </a:xfrm>
-      </p:grpSpPr>
-      <p:sp>
-        <p:nvSpPr>
-          <p:cNvPr id="2" name="Title 1"/>
-          <p:cNvSpPr>
-            <a:spLocks noGrp="1"/>
-          </p:cNvSpPr>
-          <p:nvPr>
-            <p:ph type="title"/>
-          </p:nvPr>
-        </p:nvSpPr>
-        <p:spPr/>
-        <p:txBody>
-          <a:bodyPr/>
-          <a:lstStyle/>
-          <a:p>
-            <a:r>
-              <a:rPr lang="en-US" dirty="0" smtClean="0"/>
               <a:t>Example Codes</a:t>
             </a:r>
             <a:endParaRPr lang="en-US" dirty="0"/>
@@ -11807,14 +11454,14 @@
   <p:timing>
     <p:tnLst>
       <p:par>
-        <p:cTn xmlns:p14="http://schemas.microsoft.com/office/powerpoint/2010/main" id="1" dur="indefinite" restart="never" nodeType="tmRoot"/>
+        <p:cTn id="1" dur="indefinite" restart="never" nodeType="tmRoot"/>
       </p:par>
     </p:tnLst>
   </p:timing>
 </p:sld>
 </file>
 
-<file path=ppt/slides/slide59.xml><?xml version="1.0" encoding="utf-8"?>
+<file path=ppt/slides/slide57.xml><?xml version="1.0" encoding="utf-8"?>
 <p:sld xmlns:a="http://schemas.openxmlformats.org/drawingml/2006/main" xmlns:r="http://schemas.openxmlformats.org/officeDocument/2006/relationships" xmlns:p="http://schemas.openxmlformats.org/presentationml/2006/main">
   <p:cSld>
     <p:spTree>
@@ -11991,6 +11638,71 @@
 </p:sld>
 </file>
 
+<file path=ppt/slides/slide58.xml><?xml version="1.0" encoding="utf-8"?>
+<p:sld xmlns:a="http://schemas.openxmlformats.org/drawingml/2006/main" xmlns:r="http://schemas.openxmlformats.org/officeDocument/2006/relationships" xmlns:p="http://schemas.openxmlformats.org/presentationml/2006/main">
+  <p:cSld>
+    <p:spTree>
+      <p:nvGrpSpPr>
+        <p:cNvPr id="1" name=""/>
+        <p:cNvGrpSpPr/>
+        <p:nvPr/>
+      </p:nvGrpSpPr>
+      <p:grpSpPr>
+        <a:xfrm>
+          <a:off x="0" y="0"/>
+          <a:ext cx="0" cy="0"/>
+          <a:chOff x="0" y="0"/>
+          <a:chExt cx="0" cy="0"/>
+        </a:xfrm>
+      </p:grpSpPr>
+      <p:sp>
+        <p:nvSpPr>
+          <p:cNvPr id="2" name="Title 1"/>
+          <p:cNvSpPr>
+            <a:spLocks noGrp="1"/>
+          </p:cNvSpPr>
+          <p:nvPr>
+            <p:ph type="ctrTitle"/>
+          </p:nvPr>
+        </p:nvSpPr>
+        <p:spPr>
+          <a:xfrm>
+            <a:off x="685800" y="2693988"/>
+            <a:ext cx="7772400" cy="1470025"/>
+          </a:xfrm>
+        </p:spPr>
+        <p:txBody>
+          <a:bodyPr/>
+          <a:lstStyle/>
+          <a:p>
+            <a:r>
+              <a:rPr lang="en-US" dirty="0" smtClean="0"/>
+              <a:t>Questions</a:t>
+            </a:r>
+            <a:endParaRPr lang="en-US" dirty="0"/>
+          </a:p>
+        </p:txBody>
+      </p:sp>
+    </p:spTree>
+    <p:extLst>
+      <p:ext uri="{BB962C8B-B14F-4D97-AF65-F5344CB8AC3E}">
+        <p14:creationId xmlns:p14="http://schemas.microsoft.com/office/powerpoint/2010/main" val="1592876429"/>
+      </p:ext>
+    </p:extLst>
+  </p:cSld>
+  <p:clrMapOvr>
+    <a:masterClrMapping/>
+  </p:clrMapOvr>
+  <p:timing>
+    <p:tnLst>
+      <p:par>
+        <p:cTn id="1" dur="indefinite" restart="never" nodeType="tmRoot"/>
+      </p:par>
+    </p:tnLst>
+  </p:timing>
+</p:sld>
+</file>
+
 <file path=ppt/slides/slide6.xml><?xml version="1.0" encoding="utf-8"?>
 <p:sld xmlns:a="http://schemas.openxmlformats.org/drawingml/2006/main" xmlns:r="http://schemas.openxmlformats.org/officeDocument/2006/relationships" xmlns:p="http://schemas.openxmlformats.org/presentationml/2006/main">
   <p:cSld>
@@ -12047,19 +11759,31 @@
           <a:lstStyle/>
           <a:p>
             <a:r>
-              <a:rPr lang="en-US" dirty="0" smtClean="0"/>
+              <a:rPr lang="en-US" dirty="0" smtClean="0">
+                <a:solidFill>
+                  <a:srgbClr val="FF0000"/>
+                </a:solidFill>
+              </a:rPr>
               <a:t>Spring Framework</a:t>
             </a:r>
           </a:p>
           <a:p>
             <a:r>
-              <a:rPr lang="en-US" dirty="0" smtClean="0"/>
+              <a:rPr lang="en-US" dirty="0" smtClean="0">
+                <a:solidFill>
+                  <a:srgbClr val="FF0000"/>
+                </a:solidFill>
+              </a:rPr>
               <a:t>Spring Batch</a:t>
             </a:r>
           </a:p>
           <a:p>
             <a:r>
-              <a:rPr lang="en-US" dirty="0" smtClean="0"/>
+              <a:rPr lang="en-US" dirty="0" smtClean="0">
+                <a:solidFill>
+                  <a:srgbClr val="FF0000"/>
+                </a:solidFill>
+              </a:rPr>
               <a:t>Spring Integration</a:t>
             </a:r>
           </a:p>
@@ -12071,26 +11795,46 @@
           </a:p>
           <a:p>
             <a:r>
-              <a:rPr lang="en-US" dirty="0" smtClean="0"/>
+              <a:rPr lang="en-US" dirty="0" smtClean="0">
+                <a:solidFill>
+                  <a:srgbClr val="FF0000"/>
+                </a:solidFill>
+              </a:rPr>
               <a:t>Spring Web Service</a:t>
             </a:r>
           </a:p>
           <a:p>
             <a:r>
-              <a:rPr lang="en-US" dirty="0" smtClean="0"/>
+              <a:rPr lang="en-US" dirty="0" smtClean="0">
+                <a:solidFill>
+                  <a:srgbClr val="FF0000"/>
+                </a:solidFill>
+              </a:rPr>
               <a:t>Spring Data</a:t>
             </a:r>
           </a:p>
           <a:p>
             <a:r>
-              <a:rPr lang="en-US" dirty="0" smtClean="0"/>
+              <a:rPr lang="en-US" dirty="0" smtClean="0">
+                <a:solidFill>
+                  <a:srgbClr val="FF0000"/>
+                </a:solidFill>
+              </a:rPr>
               <a:t>Spring </a:t>
             </a:r>
             <a:r>
-              <a:rPr lang="en-US" dirty="0" err="1" smtClean="0"/>
+              <a:rPr lang="en-US" dirty="0" err="1" smtClean="0">
+                <a:solidFill>
+                  <a:srgbClr val="FF0000"/>
+                </a:solidFill>
+              </a:rPr>
               <a:t>Hadoop</a:t>
             </a:r>
-            <a:endParaRPr lang="en-US" dirty="0" smtClean="0"/>
+            <a:endParaRPr lang="en-US" dirty="0" smtClean="0">
+              <a:solidFill>
+                <a:srgbClr val="FF0000"/>
+              </a:solidFill>
+            </a:endParaRPr>
           </a:p>
         </p:txBody>
       </p:sp>
@@ -12172,7 +11916,7 @@
     </p:spTree>
     <p:extLst>
       <p:ext uri="{BB962C8B-B14F-4D97-AF65-F5344CB8AC3E}">
-        <p14:creationId xmlns:p14="http://schemas.microsoft.com/office/powerpoint/2010/main" val="460493154"/>
+        <p14:creationId xmlns:p14="http://schemas.microsoft.com/office/powerpoint/2010/main" val="3128332235"/>
       </p:ext>
     </p:extLst>
   </p:cSld>
@@ -12182,72 +11926,7 @@
   <p:timing>
     <p:tnLst>
       <p:par>
-        <p:cTn xmlns:p14="http://schemas.microsoft.com/office/powerpoint/2010/main" id="1" dur="indefinite" restart="never" nodeType="tmRoot"/>
-      </p:par>
-    </p:tnLst>
-  </p:timing>
-</p:sld>
-</file>
-
-<file path=ppt/slides/slide60.xml><?xml version="1.0" encoding="utf-8"?>
-<p:sld xmlns:a="http://schemas.openxmlformats.org/drawingml/2006/main" xmlns:r="http://schemas.openxmlformats.org/officeDocument/2006/relationships" xmlns:p="http://schemas.openxmlformats.org/presentationml/2006/main">
-  <p:cSld>
-    <p:spTree>
-      <p:nvGrpSpPr>
-        <p:cNvPr id="1" name=""/>
-        <p:cNvGrpSpPr/>
-        <p:nvPr/>
-      </p:nvGrpSpPr>
-      <p:grpSpPr>
-        <a:xfrm>
-          <a:off x="0" y="0"/>
-          <a:ext cx="0" cy="0"/>
-          <a:chOff x="0" y="0"/>
-          <a:chExt cx="0" cy="0"/>
-        </a:xfrm>
-      </p:grpSpPr>
-      <p:sp>
-        <p:nvSpPr>
-          <p:cNvPr id="2" name="Title 1"/>
-          <p:cNvSpPr>
-            <a:spLocks noGrp="1"/>
-          </p:cNvSpPr>
-          <p:nvPr>
-            <p:ph type="ctrTitle"/>
-          </p:nvPr>
-        </p:nvSpPr>
-        <p:spPr>
-          <a:xfrm>
-            <a:off x="685800" y="2693988"/>
-            <a:ext cx="7772400" cy="1470025"/>
-          </a:xfrm>
-        </p:spPr>
-        <p:txBody>
-          <a:bodyPr/>
-          <a:lstStyle/>
-          <a:p>
-            <a:r>
-              <a:rPr lang="en-US" dirty="0" smtClean="0"/>
-              <a:t>Questions</a:t>
-            </a:r>
-            <a:endParaRPr lang="en-US" dirty="0"/>
-          </a:p>
-        </p:txBody>
-      </p:sp>
-    </p:spTree>
-    <p:extLst>
-      <p:ext uri="{BB962C8B-B14F-4D97-AF65-F5344CB8AC3E}">
-        <p14:creationId xmlns:p14="http://schemas.microsoft.com/office/powerpoint/2010/main" val="1592876429"/>
-      </p:ext>
-    </p:extLst>
-  </p:cSld>
-  <p:clrMapOvr>
-    <a:masterClrMapping/>
-  </p:clrMapOvr>
-  <p:timing>
-    <p:tnLst>
-      <p:par>
-        <p:cTn xmlns:p14="http://schemas.microsoft.com/office/powerpoint/2010/main" id="1" dur="indefinite" restart="never" nodeType="tmRoot"/>
+        <p:cTn id="1" dur="indefinite" restart="never" nodeType="tmRoot"/>
       </p:par>
     </p:tnLst>
   </p:timing>
@@ -12283,163 +11962,55 @@
         </p:nvSpPr>
         <p:spPr/>
         <p:txBody>
-          <a:bodyPr/>
-          <a:lstStyle/>
-          <a:p>
-            <a:r>
-              <a:rPr lang="en-US" dirty="0" smtClean="0"/>
-              <a:t>Spring Overview</a:t>
+          <a:bodyPr>
+            <a:normAutofit fontScale="90000"/>
+          </a:bodyPr>
+          <a:lstStyle/>
+          <a:p>
+            <a:r>
+              <a:rPr lang="en-US" dirty="0" smtClean="0"/>
+              <a:t>Spring Framework</a:t>
+            </a:r>
+            <a:br>
+              <a:rPr lang="en-US" dirty="0" smtClean="0"/>
+            </a:br>
+            <a:r>
+              <a:rPr lang="en-US" dirty="0" smtClean="0"/>
+              <a:t>Overview</a:t>
             </a:r>
             <a:endParaRPr lang="en-US" dirty="0"/>
           </a:p>
         </p:txBody>
       </p:sp>
-      <p:sp>
-        <p:nvSpPr>
-          <p:cNvPr id="3" name="Content Placeholder 2"/>
-          <p:cNvSpPr>
-            <a:spLocks noGrp="1"/>
-          </p:cNvSpPr>
-          <p:nvPr>
-            <p:ph sz="half" idx="1"/>
-          </p:nvPr>
-        </p:nvSpPr>
-        <p:spPr/>
-        <p:txBody>
-          <a:bodyPr/>
-          <a:lstStyle/>
-          <a:p>
-            <a:r>
-              <a:rPr lang="en-US" dirty="0" smtClean="0">
-                <a:solidFill>
-                  <a:srgbClr val="FF0000"/>
-                </a:solidFill>
-              </a:rPr>
-              <a:t>Spring Framework</a:t>
-            </a:r>
-          </a:p>
-          <a:p>
-            <a:r>
-              <a:rPr lang="en-US" dirty="0" smtClean="0"/>
-              <a:t>Spring Batch</a:t>
-            </a:r>
-          </a:p>
-          <a:p>
-            <a:r>
-              <a:rPr lang="en-US" dirty="0" smtClean="0"/>
-              <a:t>Spring Integration</a:t>
-            </a:r>
-          </a:p>
-          <a:p>
-            <a:r>
-              <a:rPr lang="en-US" dirty="0" smtClean="0"/>
-              <a:t>Spring Security</a:t>
-            </a:r>
-          </a:p>
-          <a:p>
-            <a:r>
-              <a:rPr lang="en-US" dirty="0" smtClean="0"/>
-              <a:t>Spring Web Service</a:t>
-            </a:r>
-          </a:p>
-          <a:p>
-            <a:r>
-              <a:rPr lang="en-US" dirty="0" smtClean="0"/>
-              <a:t>Spring Data</a:t>
-            </a:r>
-          </a:p>
-          <a:p>
-            <a:r>
-              <a:rPr lang="en-US" dirty="0" smtClean="0"/>
-              <a:t>Spring </a:t>
-            </a:r>
-            <a:r>
-              <a:rPr lang="en-US" dirty="0" err="1" smtClean="0"/>
-              <a:t>Hadoop</a:t>
-            </a:r>
-            <a:endParaRPr lang="en-US" dirty="0" smtClean="0"/>
-          </a:p>
-        </p:txBody>
-      </p:sp>
-      <p:sp>
-        <p:nvSpPr>
-          <p:cNvPr id="4" name="Content Placeholder 3"/>
-          <p:cNvSpPr>
-            <a:spLocks noGrp="1"/>
-          </p:cNvSpPr>
-          <p:nvPr>
-            <p:ph sz="half" idx="2"/>
-          </p:nvPr>
-        </p:nvSpPr>
-        <p:spPr/>
-        <p:txBody>
-          <a:bodyPr/>
-          <a:lstStyle/>
-          <a:p>
-            <a:r>
-              <a:rPr lang="en-US" dirty="0" smtClean="0"/>
-              <a:t>Spring Mobile</a:t>
-            </a:r>
-          </a:p>
-          <a:p>
-            <a:r>
-              <a:rPr lang="en-US" dirty="0" smtClean="0"/>
-              <a:t>Spring Social</a:t>
-            </a:r>
-          </a:p>
-          <a:p>
-            <a:r>
-              <a:rPr lang="en-US" dirty="0" smtClean="0"/>
-              <a:t>Spring Web Flow</a:t>
-            </a:r>
-          </a:p>
-          <a:p>
-            <a:r>
-              <a:rPr lang="en-US" dirty="0" smtClean="0"/>
-              <a:t>Spring </a:t>
-            </a:r>
-            <a:r>
-              <a:rPr lang="en-US" dirty="0" err="1" smtClean="0"/>
-              <a:t>BlazeDS</a:t>
-            </a:r>
-            <a:endParaRPr lang="en-US" dirty="0" smtClean="0"/>
-          </a:p>
-          <a:p>
-            <a:r>
-              <a:rPr lang="en-US" dirty="0" smtClean="0"/>
-              <a:t>Spring </a:t>
-            </a:r>
-            <a:r>
-              <a:rPr lang="en-US" dirty="0" err="1" smtClean="0"/>
-              <a:t>Roo</a:t>
-            </a:r>
-            <a:endParaRPr lang="en-US" dirty="0" smtClean="0"/>
-          </a:p>
-          <a:p>
-            <a:r>
-              <a:rPr lang="en-US" dirty="0" smtClean="0"/>
-              <a:t>Spring .NET</a:t>
-            </a:r>
-          </a:p>
-          <a:p>
-            <a:r>
-              <a:rPr lang="en-US" dirty="0" smtClean="0"/>
-              <a:t>Spring Python</a:t>
-            </a:r>
-          </a:p>
-          <a:p>
-            <a:r>
-              <a:rPr lang="en-US" dirty="0" smtClean="0"/>
-              <a:t>…</a:t>
-            </a:r>
-            <a:endParaRPr lang="en-US" dirty="0"/>
-          </a:p>
-        </p:txBody>
-      </p:sp>
+      <p:pic>
+        <p:nvPicPr>
+          <p:cNvPr id="4" name="Content Placeholder 3" descr="Spring Overview.png"/>
+          <p:cNvPicPr>
+            <a:picLocks noGrp="1" noChangeAspect="1"/>
+          </p:cNvPicPr>
+          <p:nvPr>
+            <p:ph idx="1"/>
+          </p:nvPr>
+        </p:nvPicPr>
+        <p:blipFill>
+          <a:blip r:embed="rId2">
+            <a:extLst>
+              <a:ext uri="{28A0092B-C50C-407E-A947-70E740481C1C}">
+                <a14:useLocalDpi xmlns:a14="http://schemas.microsoft.com/office/drawing/2010/main" val="0"/>
+              </a:ext>
+            </a:extLst>
+          </a:blip>
+          <a:srcRect l="-15990" r="-15990"/>
+          <a:stretch>
+            <a:fillRect/>
+          </a:stretch>
+        </p:blipFill>
+        <p:spPr/>
+      </p:pic>
     </p:spTree>
     <p:extLst>
       <p:ext uri="{BB962C8B-B14F-4D97-AF65-F5344CB8AC3E}">
-        <p14:creationId xmlns:p14="http://schemas.microsoft.com/office/powerpoint/2010/main" val="1227226639"/>
+        <p14:creationId xmlns:p14="http://schemas.microsoft.com/office/powerpoint/2010/main" val="1541033092"/>
       </p:ext>
     </p:extLst>
   </p:cSld>
@@ -12449,7 +12020,7 @@
   <p:timing>
     <p:tnLst>
       <p:par>
-        <p:cTn xmlns:p14="http://schemas.microsoft.com/office/powerpoint/2010/main" id="1" dur="indefinite" restart="never" nodeType="tmRoot"/>
+        <p:cTn id="1" dur="indefinite" restart="never" nodeType="tmRoot"/>
       </p:par>
     </p:tnLst>
   </p:timing>
@@ -12485,12 +12056,21 @@
         </p:nvSpPr>
         <p:spPr/>
         <p:txBody>
-          <a:bodyPr/>
-          <a:lstStyle/>
-          <a:p>
-            <a:r>
-              <a:rPr lang="en-US" dirty="0" smtClean="0"/>
-              <a:t>Spring Overview</a:t>
+          <a:bodyPr>
+            <a:normAutofit fontScale="90000"/>
+          </a:bodyPr>
+          <a:lstStyle/>
+          <a:p>
+            <a:r>
+              <a:rPr lang="en-US" dirty="0" smtClean="0"/>
+              <a:t>Spring Framework</a:t>
+            </a:r>
+            <a:br>
+              <a:rPr lang="en-US" dirty="0" smtClean="0"/>
+            </a:br>
+            <a:r>
+              <a:rPr lang="en-US" dirty="0" smtClean="0"/>
+              <a:t>Overview</a:t>
             </a:r>
             <a:endParaRPr lang="en-US" dirty="0"/>
           </a:p>
@@ -12503,173 +12083,63 @@
             <a:spLocks noGrp="1"/>
           </p:cNvSpPr>
           <p:nvPr>
-            <p:ph sz="half" idx="1"/>
-          </p:nvPr>
-        </p:nvSpPr>
-        <p:spPr/>
-        <p:txBody>
-          <a:bodyPr/>
-          <a:lstStyle/>
-          <a:p>
-            <a:r>
-              <a:rPr lang="en-US" dirty="0" smtClean="0">
-                <a:solidFill>
-                  <a:srgbClr val="FF0000"/>
-                </a:solidFill>
-              </a:rPr>
-              <a:t>Spring Framework</a:t>
-            </a:r>
-          </a:p>
-          <a:p>
-            <a:r>
-              <a:rPr lang="en-US" dirty="0" smtClean="0">
-                <a:solidFill>
-                  <a:srgbClr val="FF0000"/>
-                </a:solidFill>
-              </a:rPr>
-              <a:t>Spring Batch</a:t>
-            </a:r>
-          </a:p>
-          <a:p>
-            <a:r>
-              <a:rPr lang="en-US" dirty="0" smtClean="0">
-                <a:solidFill>
-                  <a:srgbClr val="FF0000"/>
-                </a:solidFill>
-              </a:rPr>
-              <a:t>Spring Integration</a:t>
-            </a:r>
-          </a:p>
-          <a:p>
-            <a:r>
-              <a:rPr lang="en-US" dirty="0" smtClean="0"/>
-              <a:t>Spring Security</a:t>
-            </a:r>
-          </a:p>
-          <a:p>
-            <a:r>
-              <a:rPr lang="en-US" dirty="0" smtClean="0">
-                <a:solidFill>
-                  <a:srgbClr val="FF0000"/>
-                </a:solidFill>
-              </a:rPr>
-              <a:t>Spring Web Service</a:t>
-            </a:r>
-          </a:p>
-          <a:p>
-            <a:r>
-              <a:rPr lang="en-US" dirty="0" smtClean="0">
-                <a:solidFill>
-                  <a:srgbClr val="FF0000"/>
-                </a:solidFill>
-              </a:rPr>
-              <a:t>Spring Data</a:t>
-            </a:r>
-          </a:p>
-          <a:p>
-            <a:r>
-              <a:rPr lang="en-US" dirty="0" smtClean="0">
-                <a:solidFill>
-                  <a:srgbClr val="FF0000"/>
-                </a:solidFill>
-              </a:rPr>
-              <a:t>Spring </a:t>
-            </a:r>
-            <a:r>
-              <a:rPr lang="en-US" dirty="0" err="1" smtClean="0">
-                <a:solidFill>
-                  <a:srgbClr val="FF0000"/>
-                </a:solidFill>
-              </a:rPr>
-              <a:t>Hadoop</a:t>
-            </a:r>
-            <a:endParaRPr lang="en-US" dirty="0" smtClean="0">
-              <a:solidFill>
-                <a:srgbClr val="FF0000"/>
-              </a:solidFill>
-            </a:endParaRPr>
-          </a:p>
-        </p:txBody>
-      </p:sp>
-      <p:sp>
-        <p:nvSpPr>
-          <p:cNvPr id="4" name="Content Placeholder 3"/>
-          <p:cNvSpPr>
-            <a:spLocks noGrp="1"/>
-          </p:cNvSpPr>
-          <p:nvPr>
-            <p:ph sz="half" idx="2"/>
-          </p:nvPr>
-        </p:nvSpPr>
-        <p:spPr/>
-        <p:txBody>
-          <a:bodyPr/>
-          <a:lstStyle/>
-          <a:p>
-            <a:r>
-              <a:rPr lang="en-US" dirty="0" smtClean="0"/>
-              <a:t>Spring Mobile</a:t>
-            </a:r>
-          </a:p>
-          <a:p>
-            <a:r>
-              <a:rPr lang="en-US" dirty="0" smtClean="0"/>
-              <a:t>Spring Social</a:t>
-            </a:r>
-          </a:p>
-          <a:p>
-            <a:r>
-              <a:rPr lang="en-US" dirty="0" smtClean="0"/>
-              <a:t>Spring Web Flow</a:t>
-            </a:r>
-          </a:p>
-          <a:p>
-            <a:r>
-              <a:rPr lang="en-US" dirty="0" smtClean="0"/>
-              <a:t>Spring </a:t>
+            <p:ph idx="1"/>
+          </p:nvPr>
+        </p:nvSpPr>
+        <p:spPr/>
+        <p:txBody>
+          <a:bodyPr/>
+          <a:lstStyle/>
+          <a:p>
+            <a:r>
+              <a:rPr lang="en-US" dirty="0" smtClean="0"/>
+              <a:t>Foundation of Spring </a:t>
             </a:r>
             <a:r>
               <a:rPr lang="en-US" dirty="0" err="1" smtClean="0"/>
-              <a:t>BlazeDS</a:t>
+              <a:t>Extentions</a:t>
             </a:r>
             <a:endParaRPr lang="en-US" dirty="0" smtClean="0"/>
           </a:p>
           <a:p>
             <a:r>
               <a:rPr lang="en-US" dirty="0" smtClean="0"/>
-              <a:t>Spring </a:t>
+              <a:t>Inversion of Control (</a:t>
             </a:r>
             <a:r>
               <a:rPr lang="en-US" dirty="0" err="1" smtClean="0"/>
-              <a:t>Roo</a:t>
+              <a:t>IoC</a:t>
+            </a:r>
+            <a:r>
+              <a:rPr lang="en-US" dirty="0" smtClean="0"/>
+              <a:t>) and Containers</a:t>
+            </a:r>
+          </a:p>
+          <a:p>
+            <a:r>
+              <a:rPr lang="en-US" dirty="0" smtClean="0"/>
+              <a:t>Spring Profile</a:t>
+            </a:r>
+          </a:p>
+          <a:p>
+            <a:r>
+              <a:rPr lang="en-US" dirty="0" smtClean="0"/>
+              <a:t>Abstractions for JDBC, JPA, JTA, JMS, WS</a:t>
+            </a:r>
+          </a:p>
+          <a:p>
+            <a:r>
+              <a:rPr lang="en-US" smtClean="0"/>
+              <a:t>MVC Framework</a:t>
             </a:r>
             <a:endParaRPr lang="en-US" dirty="0" smtClean="0"/>
-          </a:p>
-          <a:p>
-            <a:r>
-              <a:rPr lang="en-US" dirty="0" smtClean="0"/>
-              <a:t>Spring .NET</a:t>
-            </a:r>
-          </a:p>
-          <a:p>
-            <a:r>
-              <a:rPr lang="en-US" dirty="0" smtClean="0"/>
-              <a:t>Spring Python</a:t>
-            </a:r>
-          </a:p>
-          <a:p>
-            <a:r>
-              <a:rPr lang="en-US" dirty="0" smtClean="0"/>
-              <a:t>…</a:t>
-            </a:r>
-            <a:endParaRPr lang="en-US" dirty="0"/>
           </a:p>
         </p:txBody>
       </p:sp>
     </p:spTree>
     <p:extLst>
       <p:ext uri="{BB962C8B-B14F-4D97-AF65-F5344CB8AC3E}">
-        <p14:creationId xmlns:p14="http://schemas.microsoft.com/office/powerpoint/2010/main" val="3128332235"/>
+        <p14:creationId xmlns:p14="http://schemas.microsoft.com/office/powerpoint/2010/main" val="824451318"/>
       </p:ext>
     </p:extLst>
   </p:cSld>
@@ -12679,7 +12149,7 @@
   <p:timing>
     <p:tnLst>
       <p:par>
-        <p:cTn xmlns:p14="http://schemas.microsoft.com/office/powerpoint/2010/main" id="1" dur="indefinite" restart="never" nodeType="tmRoot"/>
+        <p:cTn id="1" dur="indefinite" restart="never" nodeType="tmRoot"/>
       </p:par>
     </p:tnLst>
   </p:timing>
@@ -12710,60 +12180,39 @@
             <a:spLocks noGrp="1"/>
           </p:cNvSpPr>
           <p:nvPr>
-            <p:ph type="title"/>
-          </p:nvPr>
-        </p:nvSpPr>
-        <p:spPr/>
-        <p:txBody>
-          <a:bodyPr>
-            <a:normAutofit fontScale="90000"/>
-          </a:bodyPr>
-          <a:lstStyle/>
-          <a:p>
-            <a:r>
-              <a:rPr lang="en-US" dirty="0" smtClean="0"/>
-              <a:t>Spring Framework</a:t>
-            </a:r>
-            <a:br>
-              <a:rPr lang="en-US" dirty="0" smtClean="0"/>
-            </a:br>
-            <a:r>
-              <a:rPr lang="en-US" dirty="0" smtClean="0"/>
-              <a:t>Overview</a:t>
+            <p:ph type="ctrTitle"/>
+          </p:nvPr>
+        </p:nvSpPr>
+        <p:spPr>
+          <a:xfrm>
+            <a:off x="685800" y="2693988"/>
+            <a:ext cx="7772400" cy="1470025"/>
+          </a:xfrm>
+        </p:spPr>
+        <p:txBody>
+          <a:bodyPr/>
+          <a:lstStyle/>
+          <a:p>
+            <a:r>
+              <a:rPr lang="en-US" dirty="0" smtClean="0"/>
+              <a:t>Inversion of Control (</a:t>
+            </a:r>
+            <a:r>
+              <a:rPr lang="en-US" dirty="0" err="1" smtClean="0"/>
+              <a:t>IoC</a:t>
+            </a:r>
+            <a:r>
+              <a:rPr lang="en-US" dirty="0" smtClean="0"/>
+              <a:t>)</a:t>
             </a:r>
             <a:endParaRPr lang="en-US" dirty="0"/>
           </a:p>
         </p:txBody>
       </p:sp>
-      <p:pic>
-        <p:nvPicPr>
-          <p:cNvPr id="4" name="Content Placeholder 3" descr="Spring Overview.png"/>
-          <p:cNvPicPr>
-            <a:picLocks noGrp="1" noChangeAspect="1"/>
-          </p:cNvPicPr>
-          <p:nvPr>
-            <p:ph idx="1"/>
-          </p:nvPr>
-        </p:nvPicPr>
-        <p:blipFill>
-          <a:blip r:embed="rId2">
-            <a:extLst>
-              <a:ext uri="{28A0092B-C50C-407E-A947-70E740481C1C}">
-                <a14:useLocalDpi xmlns:a14="http://schemas.microsoft.com/office/drawing/2010/main" val="0"/>
-              </a:ext>
-            </a:extLst>
-          </a:blip>
-          <a:srcRect l="-15990" r="-15990"/>
-          <a:stretch>
-            <a:fillRect/>
-          </a:stretch>
-        </p:blipFill>
-        <p:spPr/>
-      </p:pic>
     </p:spTree>
     <p:extLst>
       <p:ext uri="{BB962C8B-B14F-4D97-AF65-F5344CB8AC3E}">
-        <p14:creationId xmlns:p14="http://schemas.microsoft.com/office/powerpoint/2010/main" val="1541033092"/>
+        <p14:creationId xmlns:p14="http://schemas.microsoft.com/office/powerpoint/2010/main" val="4079853524"/>
       </p:ext>
     </p:extLst>
   </p:cSld>
@@ -12773,7 +12222,7 @@
   <p:timing>
     <p:tnLst>
       <p:par>
-        <p:cTn xmlns:p14="http://schemas.microsoft.com/office/powerpoint/2010/main" id="1" dur="indefinite" restart="never" nodeType="tmRoot"/>
+        <p:cTn id="1" dur="indefinite" restart="never" nodeType="tmRoot"/>
       </p:par>
     </p:tnLst>
   </p:timing>
